--- a/포트폴리오 설명/포트폴리오 소개.pptx
+++ b/포트폴리오 설명/포트폴리오 소개.pptx
@@ -14,12 +14,18 @@
     <p:sldId id="269" r:id="rId8"/>
     <p:sldId id="270" r:id="rId9"/>
     <p:sldId id="259" r:id="rId10"/>
-    <p:sldId id="260" r:id="rId11"/>
-    <p:sldId id="262" r:id="rId12"/>
-    <p:sldId id="261" r:id="rId13"/>
-    <p:sldId id="263" r:id="rId14"/>
-    <p:sldId id="264" r:id="rId15"/>
-    <p:sldId id="265" r:id="rId16"/>
+    <p:sldId id="271" r:id="rId11"/>
+    <p:sldId id="272" r:id="rId12"/>
+    <p:sldId id="273" r:id="rId13"/>
+    <p:sldId id="274" r:id="rId14"/>
+    <p:sldId id="275" r:id="rId15"/>
+    <p:sldId id="276" r:id="rId16"/>
+    <p:sldId id="260" r:id="rId17"/>
+    <p:sldId id="262" r:id="rId18"/>
+    <p:sldId id="261" r:id="rId19"/>
+    <p:sldId id="263" r:id="rId20"/>
+    <p:sldId id="264" r:id="rId21"/>
+    <p:sldId id="265" r:id="rId22"/>
   </p:sldIdLst>
   <p:sldSz cx="12192000" cy="6858000"/>
   <p:notesSz cx="6858000" cy="9144000"/>
@@ -273,7 +279,7 @@
           <a:p>
             <a:fld id="{C0A8F123-67C2-4258-86C9-2858CFAB2094}" type="datetimeFigureOut">
               <a:rPr lang="ko-KR" altLang="en-US" smtClean="0"/>
-              <a:t>2020-05-14</a:t>
+              <a:t>2020-05-18</a:t>
             </a:fld>
             <a:endParaRPr lang="ko-KR" altLang="en-US"/>
           </a:p>
@@ -471,7 +477,7 @@
           <a:p>
             <a:fld id="{C0A8F123-67C2-4258-86C9-2858CFAB2094}" type="datetimeFigureOut">
               <a:rPr lang="ko-KR" altLang="en-US" smtClean="0"/>
-              <a:t>2020-05-14</a:t>
+              <a:t>2020-05-18</a:t>
             </a:fld>
             <a:endParaRPr lang="ko-KR" altLang="en-US"/>
           </a:p>
@@ -679,7 +685,7 @@
           <a:p>
             <a:fld id="{C0A8F123-67C2-4258-86C9-2858CFAB2094}" type="datetimeFigureOut">
               <a:rPr lang="ko-KR" altLang="en-US" smtClean="0"/>
-              <a:t>2020-05-14</a:t>
+              <a:t>2020-05-18</a:t>
             </a:fld>
             <a:endParaRPr lang="ko-KR" altLang="en-US"/>
           </a:p>
@@ -877,7 +883,7 @@
           <a:p>
             <a:fld id="{C0A8F123-67C2-4258-86C9-2858CFAB2094}" type="datetimeFigureOut">
               <a:rPr lang="ko-KR" altLang="en-US" smtClean="0"/>
-              <a:t>2020-05-14</a:t>
+              <a:t>2020-05-18</a:t>
             </a:fld>
             <a:endParaRPr lang="ko-KR" altLang="en-US"/>
           </a:p>
@@ -1152,7 +1158,7 @@
           <a:p>
             <a:fld id="{C0A8F123-67C2-4258-86C9-2858CFAB2094}" type="datetimeFigureOut">
               <a:rPr lang="ko-KR" altLang="en-US" smtClean="0"/>
-              <a:t>2020-05-14</a:t>
+              <a:t>2020-05-18</a:t>
             </a:fld>
             <a:endParaRPr lang="ko-KR" altLang="en-US"/>
           </a:p>
@@ -1417,7 +1423,7 @@
           <a:p>
             <a:fld id="{C0A8F123-67C2-4258-86C9-2858CFAB2094}" type="datetimeFigureOut">
               <a:rPr lang="ko-KR" altLang="en-US" smtClean="0"/>
-              <a:t>2020-05-14</a:t>
+              <a:t>2020-05-18</a:t>
             </a:fld>
             <a:endParaRPr lang="ko-KR" altLang="en-US"/>
           </a:p>
@@ -1829,7 +1835,7 @@
           <a:p>
             <a:fld id="{C0A8F123-67C2-4258-86C9-2858CFAB2094}" type="datetimeFigureOut">
               <a:rPr lang="ko-KR" altLang="en-US" smtClean="0"/>
-              <a:t>2020-05-14</a:t>
+              <a:t>2020-05-18</a:t>
             </a:fld>
             <a:endParaRPr lang="ko-KR" altLang="en-US"/>
           </a:p>
@@ -1970,7 +1976,7 @@
           <a:p>
             <a:fld id="{C0A8F123-67C2-4258-86C9-2858CFAB2094}" type="datetimeFigureOut">
               <a:rPr lang="ko-KR" altLang="en-US" smtClean="0"/>
-              <a:t>2020-05-14</a:t>
+              <a:t>2020-05-18</a:t>
             </a:fld>
             <a:endParaRPr lang="ko-KR" altLang="en-US"/>
           </a:p>
@@ -2083,7 +2089,7 @@
           <a:p>
             <a:fld id="{C0A8F123-67C2-4258-86C9-2858CFAB2094}" type="datetimeFigureOut">
               <a:rPr lang="ko-KR" altLang="en-US" smtClean="0"/>
-              <a:t>2020-05-14</a:t>
+              <a:t>2020-05-18</a:t>
             </a:fld>
             <a:endParaRPr lang="ko-KR" altLang="en-US"/>
           </a:p>
@@ -2394,7 +2400,7 @@
           <a:p>
             <a:fld id="{C0A8F123-67C2-4258-86C9-2858CFAB2094}" type="datetimeFigureOut">
               <a:rPr lang="ko-KR" altLang="en-US" smtClean="0"/>
-              <a:t>2020-05-14</a:t>
+              <a:t>2020-05-18</a:t>
             </a:fld>
             <a:endParaRPr lang="ko-KR" altLang="en-US"/>
           </a:p>
@@ -2682,7 +2688,7 @@
           <a:p>
             <a:fld id="{C0A8F123-67C2-4258-86C9-2858CFAB2094}" type="datetimeFigureOut">
               <a:rPr lang="ko-KR" altLang="en-US" smtClean="0"/>
-              <a:t>2020-05-14</a:t>
+              <a:t>2020-05-18</a:t>
             </a:fld>
             <a:endParaRPr lang="ko-KR" altLang="en-US"/>
           </a:p>
@@ -2923,7 +2929,7 @@
           <a:p>
             <a:fld id="{C0A8F123-67C2-4258-86C9-2858CFAB2094}" type="datetimeFigureOut">
               <a:rPr lang="ko-KR" altLang="en-US" smtClean="0"/>
-              <a:t>2020-05-14</a:t>
+              <a:t>2020-05-18</a:t>
             </a:fld>
             <a:endParaRPr lang="ko-KR" altLang="en-US"/>
           </a:p>
@@ -3428,7 +3434,7 @@
           <p:cNvPr id="2" name="제목 1">
             <a:extLst>
               <a:ext uri="{FF2B5EF4-FFF2-40B4-BE49-F238E27FC236}">
-                <a16:creationId xmlns:a16="http://schemas.microsoft.com/office/drawing/2014/main" id="{DA854544-456A-4788-B894-753419486829}"/>
+                <a16:creationId xmlns:a16="http://schemas.microsoft.com/office/drawing/2014/main" id="{7C763E41-4B24-4819-B31F-37E8636E20B3}"/>
               </a:ext>
             </a:extLst>
           </p:cNvPr>
@@ -3445,8 +3451,16 @@
           <a:lstStyle/>
           <a:p>
             <a:r>
-              <a:rPr lang="en-US" altLang="ko-KR" dirty="0"/>
-              <a:t>API Network(Maple Story)</a:t>
+              <a:rPr lang="en-US" altLang="ko-KR"/>
+              <a:t>API(Metal</a:t>
+            </a:r>
+            <a:r>
+              <a:rPr lang="ko-KR" altLang="en-US"/>
+              <a:t> </a:t>
+            </a:r>
+            <a:r>
+              <a:rPr lang="en-US" altLang="ko-KR"/>
+              <a:t>Slug)</a:t>
             </a:r>
             <a:endParaRPr lang="ko-KR" altLang="en-US" dirty="0"/>
           </a:p>
@@ -3457,7 +3471,7 @@
           <p:cNvPr id="3" name="내용 개체 틀 2">
             <a:extLst>
               <a:ext uri="{FF2B5EF4-FFF2-40B4-BE49-F238E27FC236}">
-                <a16:creationId xmlns:a16="http://schemas.microsoft.com/office/drawing/2014/main" id="{B2917A21-4247-4F26-A184-ECF9A366565D}"/>
+                <a16:creationId xmlns:a16="http://schemas.microsoft.com/office/drawing/2014/main" id="{F6CEE0A6-EB62-4325-88F9-DF060239C355}"/>
               </a:ext>
             </a:extLst>
           </p:cNvPr>
@@ -3468,17 +3482,28 @@
             <p:ph idx="1"/>
           </p:nvPr>
         </p:nvSpPr>
-        <p:spPr/>
-        <p:txBody>
-          <a:bodyPr/>
+        <p:spPr>
+          <a:xfrm>
+            <a:off x="838200" y="1791665"/>
+            <a:ext cx="5764509" cy="1325563"/>
+          </a:xfrm>
+        </p:spPr>
+        <p:txBody>
+          <a:bodyPr>
+            <a:normAutofit fontScale="92500"/>
+          </a:bodyPr>
           <a:lstStyle/>
           <a:p>
             <a:pPr marL="0" indent="0">
               <a:buNone/>
             </a:pPr>
             <a:r>
-              <a:rPr lang="en-US" altLang="ko-KR" dirty="0"/>
-              <a:t>IOCP</a:t>
+              <a:rPr lang="ko-KR" altLang="en-US" sz="2400" dirty="0"/>
+              <a:t>메탈슬러그 모작</a:t>
+            </a:r>
+            <a:r>
+              <a:rPr lang="en-US" altLang="ko-KR" sz="2400" dirty="0"/>
+              <a:t>.</a:t>
             </a:r>
           </a:p>
           <a:p>
@@ -3486,65 +3511,295 @@
               <a:buNone/>
             </a:pPr>
             <a:r>
-              <a:rPr lang="ko-KR" altLang="en-US" dirty="0"/>
-              <a:t>맵</a:t>
-            </a:r>
-            <a:r>
-              <a:rPr lang="en-US" altLang="ko-KR" dirty="0"/>
-              <a:t>, </a:t>
-            </a:r>
-            <a:r>
-              <a:rPr lang="ko-KR" altLang="en-US" dirty="0"/>
-              <a:t>몬스터</a:t>
-            </a:r>
-            <a:r>
-              <a:rPr lang="en-US" altLang="ko-KR" dirty="0"/>
-              <a:t>, </a:t>
-            </a:r>
-            <a:r>
-              <a:rPr lang="ko-KR" altLang="en-US" dirty="0"/>
-              <a:t>충돌 서버에서 처리</a:t>
-            </a:r>
-            <a:endParaRPr lang="en-US" altLang="ko-KR" dirty="0"/>
+              <a:rPr lang="ko-KR" altLang="en-US" sz="2400" dirty="0"/>
+              <a:t>각종 아이템과 탈것을 이용하여 직접 배치한 적들을 격파하며 미션을 클리어 하자</a:t>
+            </a:r>
+            <a:r>
+              <a:rPr lang="en-US" altLang="ko-KR" sz="2400" dirty="0"/>
+              <a:t>!</a:t>
+            </a:r>
           </a:p>
           <a:p>
             <a:pPr marL="0" indent="0">
               <a:buNone/>
             </a:pPr>
-            <a:r>
-              <a:rPr lang="ko-KR" altLang="en-US" dirty="0"/>
-              <a:t>채팅기능</a:t>
-            </a:r>
-            <a:r>
-              <a:rPr lang="en-US" altLang="ko-KR" dirty="0"/>
-              <a:t>,</a:t>
-            </a:r>
-            <a:r>
-              <a:rPr lang="ko-KR" altLang="en-US" dirty="0"/>
-              <a:t> 이동기능</a:t>
-            </a:r>
-            <a:endParaRPr lang="en-US" altLang="ko-KR" dirty="0"/>
+            <a:endParaRPr lang="en-US" altLang="ko-KR" sz="2400" dirty="0"/>
           </a:p>
           <a:p>
             <a:pPr marL="0" indent="0">
               <a:buNone/>
             </a:pPr>
-            <a:r>
-              <a:rPr lang="ko-KR" altLang="en-US" dirty="0" err="1"/>
-              <a:t>멀티쓰레드</a:t>
-            </a:r>
-            <a:r>
-              <a:rPr lang="ko-KR" altLang="en-US" dirty="0"/>
-              <a:t> 활용</a:t>
-            </a:r>
-            <a:endParaRPr lang="en-US" altLang="ko-KR" dirty="0"/>
-          </a:p>
-        </p:txBody>
-      </p:sp>
+            <a:endParaRPr lang="en-US" altLang="ko-KR" sz="2400" dirty="0"/>
+          </a:p>
+        </p:txBody>
+      </p:sp>
+      <p:sp>
+        <p:nvSpPr>
+          <p:cNvPr id="5" name="내용 개체 틀 2">
+            <a:extLst>
+              <a:ext uri="{FF2B5EF4-FFF2-40B4-BE49-F238E27FC236}">
+                <a16:creationId xmlns:a16="http://schemas.microsoft.com/office/drawing/2014/main" id="{85EA8A3A-8DC0-475E-8137-6BB79BB55A41}"/>
+              </a:ext>
+            </a:extLst>
+          </p:cNvPr>
+          <p:cNvSpPr txBox="1">
+            <a:spLocks/>
+          </p:cNvSpPr>
+          <p:nvPr/>
+        </p:nvSpPr>
+        <p:spPr>
+          <a:xfrm>
+            <a:off x="664295" y="5316921"/>
+            <a:ext cx="7778477" cy="1587275"/>
+          </a:xfrm>
+          <a:prstGeom prst="rect">
+            <a:avLst/>
+          </a:prstGeom>
+        </p:spPr>
+        <p:txBody>
+          <a:bodyPr vert="horz" lIns="91440" tIns="45720" rIns="91440" bIns="45720" rtlCol="0">
+            <a:normAutofit/>
+          </a:bodyPr>
+          <a:lstStyle>
+            <a:lvl1pPr marL="228600" indent="-228600" algn="l" defTabSz="914400" rtl="0" eaLnBrk="1" latinLnBrk="1" hangingPunct="1">
+              <a:lnSpc>
+                <a:spcPct val="90000"/>
+              </a:lnSpc>
+              <a:spcBef>
+                <a:spcPts val="1000"/>
+              </a:spcBef>
+              <a:buFont typeface="Arial" panose="020B0604020202020204" pitchFamily="34" charset="0"/>
+              <a:buChar char="•"/>
+              <a:defRPr sz="2800" kern="1200">
+                <a:solidFill>
+                  <a:schemeClr val="tx1"/>
+                </a:solidFill>
+                <a:latin typeface="+mn-lt"/>
+                <a:ea typeface="+mn-ea"/>
+                <a:cs typeface="+mn-cs"/>
+              </a:defRPr>
+            </a:lvl1pPr>
+            <a:lvl2pPr marL="685800" indent="-228600" algn="l" defTabSz="914400" rtl="0" eaLnBrk="1" latinLnBrk="1" hangingPunct="1">
+              <a:lnSpc>
+                <a:spcPct val="90000"/>
+              </a:lnSpc>
+              <a:spcBef>
+                <a:spcPts val="500"/>
+              </a:spcBef>
+              <a:buFont typeface="Arial" panose="020B0604020202020204" pitchFamily="34" charset="0"/>
+              <a:buChar char="•"/>
+              <a:defRPr sz="2400" kern="1200">
+                <a:solidFill>
+                  <a:schemeClr val="tx1"/>
+                </a:solidFill>
+                <a:latin typeface="+mn-lt"/>
+                <a:ea typeface="+mn-ea"/>
+                <a:cs typeface="+mn-cs"/>
+              </a:defRPr>
+            </a:lvl2pPr>
+            <a:lvl3pPr marL="1143000" indent="-228600" algn="l" defTabSz="914400" rtl="0" eaLnBrk="1" latinLnBrk="1" hangingPunct="1">
+              <a:lnSpc>
+                <a:spcPct val="90000"/>
+              </a:lnSpc>
+              <a:spcBef>
+                <a:spcPts val="500"/>
+              </a:spcBef>
+              <a:buFont typeface="Arial" panose="020B0604020202020204" pitchFamily="34" charset="0"/>
+              <a:buChar char="•"/>
+              <a:defRPr sz="2000" kern="1200">
+                <a:solidFill>
+                  <a:schemeClr val="tx1"/>
+                </a:solidFill>
+                <a:latin typeface="+mn-lt"/>
+                <a:ea typeface="+mn-ea"/>
+                <a:cs typeface="+mn-cs"/>
+              </a:defRPr>
+            </a:lvl3pPr>
+            <a:lvl4pPr marL="1600200" indent="-228600" algn="l" defTabSz="914400" rtl="0" eaLnBrk="1" latinLnBrk="1" hangingPunct="1">
+              <a:lnSpc>
+                <a:spcPct val="90000"/>
+              </a:lnSpc>
+              <a:spcBef>
+                <a:spcPts val="500"/>
+              </a:spcBef>
+              <a:buFont typeface="Arial" panose="020B0604020202020204" pitchFamily="34" charset="0"/>
+              <a:buChar char="•"/>
+              <a:defRPr sz="1800" kern="1200">
+                <a:solidFill>
+                  <a:schemeClr val="tx1"/>
+                </a:solidFill>
+                <a:latin typeface="+mn-lt"/>
+                <a:ea typeface="+mn-ea"/>
+                <a:cs typeface="+mn-cs"/>
+              </a:defRPr>
+            </a:lvl4pPr>
+            <a:lvl5pPr marL="2057400" indent="-228600" algn="l" defTabSz="914400" rtl="0" eaLnBrk="1" latinLnBrk="1" hangingPunct="1">
+              <a:lnSpc>
+                <a:spcPct val="90000"/>
+              </a:lnSpc>
+              <a:spcBef>
+                <a:spcPts val="500"/>
+              </a:spcBef>
+              <a:buFont typeface="Arial" panose="020B0604020202020204" pitchFamily="34" charset="0"/>
+              <a:buChar char="•"/>
+              <a:defRPr sz="1800" kern="1200">
+                <a:solidFill>
+                  <a:schemeClr val="tx1"/>
+                </a:solidFill>
+                <a:latin typeface="+mn-lt"/>
+                <a:ea typeface="+mn-ea"/>
+                <a:cs typeface="+mn-cs"/>
+              </a:defRPr>
+            </a:lvl5pPr>
+            <a:lvl6pPr marL="2514600" indent="-228600" algn="l" defTabSz="914400" rtl="0" eaLnBrk="1" latinLnBrk="1" hangingPunct="1">
+              <a:lnSpc>
+                <a:spcPct val="90000"/>
+              </a:lnSpc>
+              <a:spcBef>
+                <a:spcPts val="500"/>
+              </a:spcBef>
+              <a:buFont typeface="Arial" panose="020B0604020202020204" pitchFamily="34" charset="0"/>
+              <a:buChar char="•"/>
+              <a:defRPr sz="1800" kern="1200">
+                <a:solidFill>
+                  <a:schemeClr val="tx1"/>
+                </a:solidFill>
+                <a:latin typeface="+mn-lt"/>
+                <a:ea typeface="+mn-ea"/>
+                <a:cs typeface="+mn-cs"/>
+              </a:defRPr>
+            </a:lvl6pPr>
+            <a:lvl7pPr marL="2971800" indent="-228600" algn="l" defTabSz="914400" rtl="0" eaLnBrk="1" latinLnBrk="1" hangingPunct="1">
+              <a:lnSpc>
+                <a:spcPct val="90000"/>
+              </a:lnSpc>
+              <a:spcBef>
+                <a:spcPts val="500"/>
+              </a:spcBef>
+              <a:buFont typeface="Arial" panose="020B0604020202020204" pitchFamily="34" charset="0"/>
+              <a:buChar char="•"/>
+              <a:defRPr sz="1800" kern="1200">
+                <a:solidFill>
+                  <a:schemeClr val="tx1"/>
+                </a:solidFill>
+                <a:latin typeface="+mn-lt"/>
+                <a:ea typeface="+mn-ea"/>
+                <a:cs typeface="+mn-cs"/>
+              </a:defRPr>
+            </a:lvl7pPr>
+            <a:lvl8pPr marL="3429000" indent="-228600" algn="l" defTabSz="914400" rtl="0" eaLnBrk="1" latinLnBrk="1" hangingPunct="1">
+              <a:lnSpc>
+                <a:spcPct val="90000"/>
+              </a:lnSpc>
+              <a:spcBef>
+                <a:spcPts val="500"/>
+              </a:spcBef>
+              <a:buFont typeface="Arial" panose="020B0604020202020204" pitchFamily="34" charset="0"/>
+              <a:buChar char="•"/>
+              <a:defRPr sz="1800" kern="1200">
+                <a:solidFill>
+                  <a:schemeClr val="tx1"/>
+                </a:solidFill>
+                <a:latin typeface="+mn-lt"/>
+                <a:ea typeface="+mn-ea"/>
+                <a:cs typeface="+mn-cs"/>
+              </a:defRPr>
+            </a:lvl8pPr>
+            <a:lvl9pPr marL="3886200" indent="-228600" algn="l" defTabSz="914400" rtl="0" eaLnBrk="1" latinLnBrk="1" hangingPunct="1">
+              <a:lnSpc>
+                <a:spcPct val="90000"/>
+              </a:lnSpc>
+              <a:spcBef>
+                <a:spcPts val="500"/>
+              </a:spcBef>
+              <a:buFont typeface="Arial" panose="020B0604020202020204" pitchFamily="34" charset="0"/>
+              <a:buChar char="•"/>
+              <a:defRPr sz="1800" kern="1200">
+                <a:solidFill>
+                  <a:schemeClr val="tx1"/>
+                </a:solidFill>
+                <a:latin typeface="+mn-lt"/>
+                <a:ea typeface="+mn-ea"/>
+                <a:cs typeface="+mn-cs"/>
+              </a:defRPr>
+            </a:lvl9pPr>
+          </a:lstStyle>
+          <a:p>
+            <a:pPr marL="0" indent="0">
+              <a:buNone/>
+            </a:pPr>
+            <a:r>
+              <a:rPr lang="ko-KR" altLang="en-US" sz="1800" dirty="0"/>
+              <a:t>시연영상 </a:t>
+            </a:r>
+            <a:r>
+              <a:rPr lang="en-US" altLang="ko-KR" sz="1800" dirty="0"/>
+              <a:t>: </a:t>
+            </a:r>
+            <a:r>
+              <a:rPr lang="en-US" altLang="ko-KR" sz="1800" dirty="0">
+                <a:hlinkClick r:id="rId2"/>
+              </a:rPr>
+              <a:t>https://www.youtube.com/watch?v=i1ZLxu472KA</a:t>
+            </a:r>
+            <a:endParaRPr lang="en-US" altLang="ko-KR" sz="1800" dirty="0"/>
+          </a:p>
+          <a:p>
+            <a:pPr marL="0" indent="0">
+              <a:buNone/>
+            </a:pPr>
+            <a:r>
+              <a:rPr lang="en-US" altLang="ko-KR" sz="1800" dirty="0" err="1"/>
+              <a:t>Github</a:t>
+            </a:r>
+            <a:r>
+              <a:rPr lang="en-US" altLang="ko-KR" sz="1800" dirty="0"/>
+              <a:t> : </a:t>
+            </a:r>
+            <a:r>
+              <a:rPr lang="en-US" altLang="ko-KR" sz="1800" dirty="0">
+                <a:hlinkClick r:id="rId3"/>
+              </a:rPr>
+              <a:t>https://github.com/Beom-portfolio/MetalSlug</a:t>
+            </a:r>
+            <a:endParaRPr lang="en-US" altLang="ko-KR" sz="1800" dirty="0"/>
+          </a:p>
+        </p:txBody>
+      </p:sp>
+      <p:pic>
+        <p:nvPicPr>
+          <p:cNvPr id="4" name="그림 3">
+            <a:extLst>
+              <a:ext uri="{FF2B5EF4-FFF2-40B4-BE49-F238E27FC236}">
+                <a16:creationId xmlns:a16="http://schemas.microsoft.com/office/drawing/2014/main" id="{F1B42157-6E52-4FA4-846D-68911D2680AE}"/>
+              </a:ext>
+            </a:extLst>
+          </p:cNvPr>
+          <p:cNvPicPr>
+            <a:picLocks noChangeAspect="1"/>
+          </p:cNvPicPr>
+          <p:nvPr/>
+        </p:nvPicPr>
+        <p:blipFill>
+          <a:blip r:embed="rId4"/>
+          <a:stretch>
+            <a:fillRect/>
+          </a:stretch>
+        </p:blipFill>
+        <p:spPr>
+          <a:xfrm>
+            <a:off x="6722680" y="1269457"/>
+            <a:ext cx="4923297" cy="3695542"/>
+          </a:xfrm>
+          <a:prstGeom prst="rect">
+            <a:avLst/>
+          </a:prstGeom>
+        </p:spPr>
+      </p:pic>
     </p:spTree>
     <p:extLst>
       <p:ext uri="{BB962C8B-B14F-4D97-AF65-F5344CB8AC3E}">
-        <p14:creationId xmlns:p14="http://schemas.microsoft.com/office/powerpoint/2010/main" val="4246893595"/>
+        <p14:creationId xmlns:p14="http://schemas.microsoft.com/office/powerpoint/2010/main" val="797990627"/>
       </p:ext>
     </p:extLst>
   </p:cSld>
@@ -3576,7 +3831,7 @@
           <p:cNvPr id="2" name="제목 1">
             <a:extLst>
               <a:ext uri="{FF2B5EF4-FFF2-40B4-BE49-F238E27FC236}">
-                <a16:creationId xmlns:a16="http://schemas.microsoft.com/office/drawing/2014/main" id="{6E562689-915E-42F3-9663-E3E22D578985}"/>
+                <a16:creationId xmlns:a16="http://schemas.microsoft.com/office/drawing/2014/main" id="{D7FF0E4D-41E3-43B1-9096-E5321ACC710F}"/>
               </a:ext>
             </a:extLst>
           </p:cNvPr>
@@ -3594,62 +3849,19 @@
           <a:p>
             <a:r>
               <a:rPr lang="en-US" altLang="ko-KR" dirty="0"/>
-              <a:t>Python (</a:t>
-            </a:r>
-            <a:r>
-              <a:rPr lang="ko-KR" altLang="en-US" dirty="0" err="1"/>
-              <a:t>드래곤플라이트</a:t>
-            </a:r>
-            <a:r>
-              <a:rPr lang="en-US" altLang="ko-KR" dirty="0"/>
-              <a:t>)</a:t>
-            </a:r>
-            <a:endParaRPr lang="ko-KR" altLang="en-US" dirty="0"/>
-          </a:p>
-        </p:txBody>
-      </p:sp>
-      <p:sp>
-        <p:nvSpPr>
-          <p:cNvPr id="3" name="내용 개체 틀 2">
-            <a:extLst>
-              <a:ext uri="{FF2B5EF4-FFF2-40B4-BE49-F238E27FC236}">
-                <a16:creationId xmlns:a16="http://schemas.microsoft.com/office/drawing/2014/main" id="{E4BB1253-4D5A-4DF5-81F7-9E01F0770CD4}"/>
-              </a:ext>
-            </a:extLst>
-          </p:cNvPr>
-          <p:cNvSpPr>
-            <a:spLocks noGrp="1"/>
-          </p:cNvSpPr>
-          <p:nvPr>
-            <p:ph idx="1"/>
-          </p:nvPr>
-        </p:nvSpPr>
-        <p:spPr/>
-        <p:txBody>
-          <a:bodyPr/>
-          <a:lstStyle/>
-          <a:p>
-            <a:pPr marL="0" indent="0">
-              <a:buNone/>
-            </a:pPr>
+              <a:t>Metal Slug – </a:t>
+            </a:r>
             <a:r>
               <a:rPr lang="ko-KR" altLang="en-US" dirty="0"/>
-              <a:t>무한 난이도</a:t>
-            </a:r>
-            <a:endParaRPr lang="en-US" altLang="ko-KR" dirty="0"/>
-          </a:p>
-          <a:p>
-            <a:pPr marL="0" indent="0">
-              <a:buNone/>
-            </a:pPr>
-            <a:endParaRPr lang="ko-KR" altLang="en-US" dirty="0"/>
+              <a:t>데이터 관리</a:t>
+            </a:r>
           </a:p>
         </p:txBody>
       </p:sp>
     </p:spTree>
     <p:extLst>
       <p:ext uri="{BB962C8B-B14F-4D97-AF65-F5344CB8AC3E}">
-        <p14:creationId xmlns:p14="http://schemas.microsoft.com/office/powerpoint/2010/main" val="3431819206"/>
+        <p14:creationId xmlns:p14="http://schemas.microsoft.com/office/powerpoint/2010/main" val="3146214392"/>
       </p:ext>
     </p:extLst>
   </p:cSld>
@@ -3681,7 +3893,7 @@
           <p:cNvPr id="2" name="제목 1">
             <a:extLst>
               <a:ext uri="{FF2B5EF4-FFF2-40B4-BE49-F238E27FC236}">
-                <a16:creationId xmlns:a16="http://schemas.microsoft.com/office/drawing/2014/main" id="{8233187A-988F-49FD-8DFF-53DF7926BF73}"/>
+                <a16:creationId xmlns:a16="http://schemas.microsoft.com/office/drawing/2014/main" id="{D7FF0E4D-41E3-43B1-9096-E5321ACC710F}"/>
               </a:ext>
             </a:extLst>
           </p:cNvPr>
@@ -3699,94 +3911,19 @@
           <a:p>
             <a:r>
               <a:rPr lang="en-US" altLang="ko-KR" dirty="0"/>
-              <a:t>Direct2D (</a:t>
-            </a:r>
-            <a:r>
-              <a:rPr lang="ko-KR" altLang="en-US" dirty="0" err="1"/>
-              <a:t>테일즈위버</a:t>
-            </a:r>
-            <a:r>
-              <a:rPr lang="en-US" altLang="ko-KR" dirty="0"/>
-              <a:t>)</a:t>
-            </a:r>
-            <a:endParaRPr lang="ko-KR" altLang="en-US" dirty="0"/>
-          </a:p>
-        </p:txBody>
-      </p:sp>
-      <p:sp>
-        <p:nvSpPr>
-          <p:cNvPr id="3" name="내용 개체 틀 2">
-            <a:extLst>
-              <a:ext uri="{FF2B5EF4-FFF2-40B4-BE49-F238E27FC236}">
-                <a16:creationId xmlns:a16="http://schemas.microsoft.com/office/drawing/2014/main" id="{AE2114B0-1709-4E49-9AE9-1231C024167E}"/>
-              </a:ext>
-            </a:extLst>
-          </p:cNvPr>
-          <p:cNvSpPr>
-            <a:spLocks noGrp="1"/>
-          </p:cNvSpPr>
-          <p:nvPr>
-            <p:ph idx="1"/>
-          </p:nvPr>
-        </p:nvSpPr>
-        <p:spPr/>
-        <p:txBody>
-          <a:bodyPr/>
-          <a:lstStyle/>
-          <a:p>
-            <a:pPr marL="0" indent="0">
-              <a:buNone/>
-            </a:pPr>
-            <a:r>
-              <a:rPr lang="en-US" altLang="ko-KR" dirty="0"/>
-              <a:t>A* </a:t>
+              <a:t>Metal Slug – </a:t>
             </a:r>
             <a:r>
               <a:rPr lang="ko-KR" altLang="en-US" dirty="0"/>
-              <a:t>구현</a:t>
-            </a:r>
-            <a:endParaRPr lang="en-US" altLang="ko-KR" dirty="0"/>
-          </a:p>
-          <a:p>
-            <a:pPr marL="0" indent="0">
-              <a:buNone/>
-            </a:pPr>
-            <a:r>
-              <a:rPr lang="ko-KR" altLang="en-US" dirty="0"/>
-              <a:t>툴 기능 구현</a:t>
-            </a:r>
-            <a:endParaRPr lang="en-US" altLang="ko-KR" dirty="0"/>
-          </a:p>
-          <a:p>
-            <a:pPr marL="0" indent="0">
-              <a:buNone/>
-            </a:pPr>
-            <a:r>
-              <a:rPr lang="ko-KR" altLang="en-US" dirty="0" err="1"/>
-              <a:t>알파블렌딩</a:t>
-            </a:r>
-            <a:endParaRPr lang="en-US" altLang="ko-KR" dirty="0"/>
-          </a:p>
-          <a:p>
-            <a:pPr marL="0" indent="0">
-              <a:buNone/>
-            </a:pPr>
-            <a:r>
-              <a:rPr lang="ko-KR" altLang="en-US" dirty="0"/>
-              <a:t>카메라 </a:t>
-            </a:r>
-            <a:r>
-              <a:rPr lang="ko-KR" altLang="en-US" dirty="0" err="1"/>
-              <a:t>쉐이킹</a:t>
-            </a:r>
-            <a:endParaRPr lang="ko-KR" altLang="en-US" dirty="0"/>
+              <a:t>픽셀 충돌</a:t>
+            </a:r>
           </a:p>
         </p:txBody>
       </p:sp>
     </p:spTree>
     <p:extLst>
       <p:ext uri="{BB962C8B-B14F-4D97-AF65-F5344CB8AC3E}">
-        <p14:creationId xmlns:p14="http://schemas.microsoft.com/office/powerpoint/2010/main" val="3174136959"/>
+        <p14:creationId xmlns:p14="http://schemas.microsoft.com/office/powerpoint/2010/main" val="353239264"/>
       </p:ext>
     </p:extLst>
   </p:cSld>
@@ -3818,7 +3955,7 @@
           <p:cNvPr id="2" name="제목 1">
             <a:extLst>
               <a:ext uri="{FF2B5EF4-FFF2-40B4-BE49-F238E27FC236}">
-                <a16:creationId xmlns:a16="http://schemas.microsoft.com/office/drawing/2014/main" id="{7CED29D0-F6A0-4646-B815-6D5605FD535C}"/>
+                <a16:creationId xmlns:a16="http://schemas.microsoft.com/office/drawing/2014/main" id="{D7FF0E4D-41E3-43B1-9096-E5321ACC710F}"/>
               </a:ext>
             </a:extLst>
           </p:cNvPr>
@@ -3836,62 +3973,19 @@
           <a:p>
             <a:r>
               <a:rPr lang="en-US" altLang="ko-KR" dirty="0"/>
-              <a:t>Direct3D(</a:t>
-            </a:r>
-            <a:r>
-              <a:rPr lang="ko-KR" altLang="en-US" dirty="0" err="1"/>
-              <a:t>둠펜슈타인</a:t>
-            </a:r>
-            <a:r>
-              <a:rPr lang="en-US" altLang="ko-KR" dirty="0"/>
-              <a:t>)</a:t>
-            </a:r>
-            <a:endParaRPr lang="ko-KR" altLang="en-US" dirty="0"/>
-          </a:p>
-        </p:txBody>
-      </p:sp>
-      <p:sp>
-        <p:nvSpPr>
-          <p:cNvPr id="3" name="내용 개체 틀 2">
-            <a:extLst>
-              <a:ext uri="{FF2B5EF4-FFF2-40B4-BE49-F238E27FC236}">
-                <a16:creationId xmlns:a16="http://schemas.microsoft.com/office/drawing/2014/main" id="{8C54C83E-8BAA-42D2-9D29-0607A923399F}"/>
-              </a:ext>
-            </a:extLst>
-          </p:cNvPr>
-          <p:cNvSpPr>
-            <a:spLocks noGrp="1"/>
-          </p:cNvSpPr>
-          <p:nvPr>
-            <p:ph idx="1"/>
-          </p:nvPr>
-        </p:nvSpPr>
-        <p:spPr/>
-        <p:txBody>
-          <a:bodyPr/>
-          <a:lstStyle/>
-          <a:p>
-            <a:pPr marL="0" indent="0">
-              <a:buNone/>
-            </a:pPr>
+              <a:t>Metal Slug – </a:t>
+            </a:r>
             <a:r>
               <a:rPr lang="ko-KR" altLang="en-US" dirty="0"/>
-              <a:t>맵 툴</a:t>
-            </a:r>
-            <a:endParaRPr lang="en-US" altLang="ko-KR" dirty="0"/>
-          </a:p>
-          <a:p>
-            <a:pPr marL="0" indent="0">
-              <a:buNone/>
-            </a:pPr>
-            <a:endParaRPr lang="ko-KR" altLang="en-US" dirty="0"/>
+              <a:t>상태 패턴</a:t>
+            </a:r>
           </a:p>
         </p:txBody>
       </p:sp>
     </p:spTree>
     <p:extLst>
       <p:ext uri="{BB962C8B-B14F-4D97-AF65-F5344CB8AC3E}">
-        <p14:creationId xmlns:p14="http://schemas.microsoft.com/office/powerpoint/2010/main" val="1113000880"/>
+        <p14:creationId xmlns:p14="http://schemas.microsoft.com/office/powerpoint/2010/main" val="1019015699"/>
       </p:ext>
     </p:extLst>
   </p:cSld>
@@ -3923,7 +4017,7 @@
           <p:cNvPr id="2" name="제목 1">
             <a:extLst>
               <a:ext uri="{FF2B5EF4-FFF2-40B4-BE49-F238E27FC236}">
-                <a16:creationId xmlns:a16="http://schemas.microsoft.com/office/drawing/2014/main" id="{46A8E3EC-121F-4D05-A685-197F868599BE}"/>
+                <a16:creationId xmlns:a16="http://schemas.microsoft.com/office/drawing/2014/main" id="{D7FF0E4D-41E3-43B1-9096-E5321ACC710F}"/>
               </a:ext>
             </a:extLst>
           </p:cNvPr>
@@ -3941,64 +4035,12 @@
           <a:p>
             <a:r>
               <a:rPr lang="en-US" altLang="ko-KR" dirty="0"/>
-              <a:t>Direct3D(</a:t>
+              <a:t>Metal Slug – </a:t>
             </a:r>
             <a:r>
               <a:rPr lang="ko-KR" altLang="en-US" dirty="0" err="1"/>
-              <a:t>블랙스</a:t>
-            </a:r>
-            <a:r>
-              <a:rPr lang="en-US" altLang="ko-KR" dirty="0"/>
-              <a:t>)</a:t>
-            </a:r>
-            <a:endParaRPr lang="ko-KR" altLang="en-US" dirty="0"/>
-          </a:p>
-        </p:txBody>
-      </p:sp>
-      <p:sp>
-        <p:nvSpPr>
-          <p:cNvPr id="3" name="내용 개체 틀 2">
-            <a:extLst>
-              <a:ext uri="{FF2B5EF4-FFF2-40B4-BE49-F238E27FC236}">
-                <a16:creationId xmlns:a16="http://schemas.microsoft.com/office/drawing/2014/main" id="{44104394-229D-455C-BB11-FFD60BF80858}"/>
-              </a:ext>
-            </a:extLst>
-          </p:cNvPr>
-          <p:cNvSpPr>
-            <a:spLocks noGrp="1"/>
-          </p:cNvSpPr>
-          <p:nvPr>
-            <p:ph idx="1"/>
-          </p:nvPr>
-        </p:nvSpPr>
-        <p:spPr/>
-        <p:txBody>
-          <a:bodyPr/>
-          <a:lstStyle/>
-          <a:p>
-            <a:pPr marL="0" indent="0">
-              <a:buNone/>
-            </a:pPr>
-            <a:r>
-              <a:rPr lang="ko-KR" altLang="en-US" dirty="0"/>
-              <a:t>퍼지 알고리즘</a:t>
-            </a:r>
-            <a:endParaRPr lang="en-US" altLang="ko-KR" dirty="0"/>
-          </a:p>
-          <a:p>
-            <a:pPr marL="0" indent="0">
-              <a:buNone/>
-            </a:pPr>
-            <a:r>
-              <a:rPr lang="ko-KR" altLang="en-US" dirty="0"/>
-              <a:t>이벤트 툴</a:t>
-            </a:r>
-            <a:endParaRPr lang="en-US" altLang="ko-KR" dirty="0"/>
-          </a:p>
-          <a:p>
-            <a:pPr marL="0" indent="0">
-              <a:buNone/>
-            </a:pPr>
+              <a:t>툴기능</a:t>
+            </a:r>
             <a:endParaRPr lang="ko-KR" altLang="en-US" dirty="0"/>
           </a:p>
         </p:txBody>
@@ -4006,7 +4048,7 @@
     </p:spTree>
     <p:extLst>
       <p:ext uri="{BB962C8B-B14F-4D97-AF65-F5344CB8AC3E}">
-        <p14:creationId xmlns:p14="http://schemas.microsoft.com/office/powerpoint/2010/main" val="3222820007"/>
+        <p14:creationId xmlns:p14="http://schemas.microsoft.com/office/powerpoint/2010/main" val="809061423"/>
       </p:ext>
     </p:extLst>
   </p:cSld>
@@ -4038,7 +4080,7 @@
           <p:cNvPr id="2" name="제목 1">
             <a:extLst>
               <a:ext uri="{FF2B5EF4-FFF2-40B4-BE49-F238E27FC236}">
-                <a16:creationId xmlns:a16="http://schemas.microsoft.com/office/drawing/2014/main" id="{BD55A865-4D9E-419B-9DF1-7F1EB185F371}"/>
+                <a16:creationId xmlns:a16="http://schemas.microsoft.com/office/drawing/2014/main" id="{D7FF0E4D-41E3-43B1-9096-E5321ACC710F}"/>
               </a:ext>
             </a:extLst>
           </p:cNvPr>
@@ -4056,87 +4098,511 @@
           <a:p>
             <a:r>
               <a:rPr lang="en-US" altLang="ko-KR" dirty="0"/>
-              <a:t>Direct3D(</a:t>
-            </a:r>
-            <a:r>
-              <a:rPr lang="ko-KR" altLang="en-US" dirty="0"/>
-              <a:t>졸작</a:t>
-            </a:r>
-            <a:r>
-              <a:rPr lang="en-US" altLang="ko-KR" dirty="0"/>
-              <a:t>, </a:t>
-            </a:r>
-            <a:r>
-              <a:rPr lang="ko-KR" altLang="en-US" dirty="0"/>
-              <a:t>몬스터의 숲</a:t>
-            </a:r>
-            <a:r>
-              <a:rPr lang="en-US" altLang="ko-KR" dirty="0"/>
-              <a:t>)</a:t>
+              <a:t>Metal Slug – FMOD</a:t>
             </a:r>
             <a:endParaRPr lang="ko-KR" altLang="en-US" dirty="0"/>
-          </a:p>
-        </p:txBody>
-      </p:sp>
-      <p:sp>
-        <p:nvSpPr>
-          <p:cNvPr id="3" name="내용 개체 틀 2">
-            <a:extLst>
-              <a:ext uri="{FF2B5EF4-FFF2-40B4-BE49-F238E27FC236}">
-                <a16:creationId xmlns:a16="http://schemas.microsoft.com/office/drawing/2014/main" id="{601CC4AB-881B-402A-8FE3-2F342A7F3F15}"/>
-              </a:ext>
-            </a:extLst>
-          </p:cNvPr>
-          <p:cNvSpPr>
-            <a:spLocks noGrp="1"/>
-          </p:cNvSpPr>
-          <p:nvPr>
-            <p:ph idx="1"/>
-          </p:nvPr>
-        </p:nvSpPr>
-        <p:spPr/>
-        <p:txBody>
-          <a:bodyPr/>
-          <a:lstStyle/>
-          <a:p>
-            <a:pPr marL="0" indent="0">
-              <a:buNone/>
-            </a:pPr>
-            <a:r>
-              <a:rPr lang="ko-KR" altLang="en-US" dirty="0"/>
-              <a:t>환경 툴</a:t>
-            </a:r>
-            <a:r>
-              <a:rPr lang="en-US" altLang="ko-KR" dirty="0"/>
-              <a:t>, </a:t>
-            </a:r>
-            <a:r>
-              <a:rPr lang="ko-KR" altLang="en-US" dirty="0"/>
-              <a:t>이펙트 툴</a:t>
-            </a:r>
-            <a:r>
-              <a:rPr lang="en-US" altLang="ko-KR" dirty="0"/>
-              <a:t>, </a:t>
-            </a:r>
-            <a:r>
-              <a:rPr lang="ko-KR" altLang="en-US" dirty="0"/>
-              <a:t>애니메이션 툴</a:t>
-            </a:r>
-            <a:r>
-              <a:rPr lang="en-US" altLang="ko-KR" dirty="0"/>
-              <a:t>, </a:t>
-            </a:r>
-            <a:r>
-              <a:rPr lang="ko-KR" altLang="en-US" dirty="0"/>
-              <a:t>그림자</a:t>
-            </a:r>
           </a:p>
         </p:txBody>
       </p:sp>
     </p:spTree>
     <p:extLst>
       <p:ext uri="{BB962C8B-B14F-4D97-AF65-F5344CB8AC3E}">
-        <p14:creationId xmlns:p14="http://schemas.microsoft.com/office/powerpoint/2010/main" val="1995740961"/>
+        <p14:creationId xmlns:p14="http://schemas.microsoft.com/office/powerpoint/2010/main" val="3129114872"/>
+      </p:ext>
+    </p:extLst>
+  </p:cSld>
+  <p:clrMapOvr>
+    <a:masterClrMapping/>
+  </p:clrMapOvr>
+</p:sld>
+</file>
+
+<file path=ppt/slides/slide16.xml><?xml version="1.0" encoding="utf-8"?>
+<p:sld xmlns:a="http://schemas.openxmlformats.org/drawingml/2006/main" xmlns:r="http://schemas.openxmlformats.org/officeDocument/2006/relationships" xmlns:p="http://schemas.openxmlformats.org/presentationml/2006/main">
+  <p:cSld>
+    <p:spTree>
+      <p:nvGrpSpPr>
+        <p:cNvPr id="1" name=""/>
+        <p:cNvGrpSpPr/>
+        <p:nvPr/>
+      </p:nvGrpSpPr>
+      <p:grpSpPr>
+        <a:xfrm>
+          <a:off x="0" y="0"/>
+          <a:ext cx="0" cy="0"/>
+          <a:chOff x="0" y="0"/>
+          <a:chExt cx="0" cy="0"/>
+        </a:xfrm>
+      </p:grpSpPr>
+      <p:sp>
+        <p:nvSpPr>
+          <p:cNvPr id="2" name="제목 1">
+            <a:extLst>
+              <a:ext uri="{FF2B5EF4-FFF2-40B4-BE49-F238E27FC236}">
+                <a16:creationId xmlns:a16="http://schemas.microsoft.com/office/drawing/2014/main" id="{DA854544-456A-4788-B894-753419486829}"/>
+              </a:ext>
+            </a:extLst>
+          </p:cNvPr>
+          <p:cNvSpPr>
+            <a:spLocks noGrp="1"/>
+          </p:cNvSpPr>
+          <p:nvPr>
+            <p:ph type="title"/>
+          </p:nvPr>
+        </p:nvSpPr>
+        <p:spPr/>
+        <p:txBody>
+          <a:bodyPr/>
+          <a:lstStyle/>
+          <a:p>
+            <a:r>
+              <a:rPr lang="en-US" altLang="ko-KR" dirty="0"/>
+              <a:t>API Network(Maple Story)</a:t>
+            </a:r>
+            <a:endParaRPr lang="ko-KR" altLang="en-US" dirty="0"/>
+          </a:p>
+        </p:txBody>
+      </p:sp>
+      <p:sp>
+        <p:nvSpPr>
+          <p:cNvPr id="3" name="내용 개체 틀 2">
+            <a:extLst>
+              <a:ext uri="{FF2B5EF4-FFF2-40B4-BE49-F238E27FC236}">
+                <a16:creationId xmlns:a16="http://schemas.microsoft.com/office/drawing/2014/main" id="{B2917A21-4247-4F26-A184-ECF9A366565D}"/>
+              </a:ext>
+            </a:extLst>
+          </p:cNvPr>
+          <p:cNvSpPr>
+            <a:spLocks noGrp="1"/>
+          </p:cNvSpPr>
+          <p:nvPr>
+            <p:ph idx="1"/>
+          </p:nvPr>
+        </p:nvSpPr>
+        <p:spPr/>
+        <p:txBody>
+          <a:bodyPr/>
+          <a:lstStyle/>
+          <a:p>
+            <a:pPr marL="0" indent="0">
+              <a:buNone/>
+            </a:pPr>
+            <a:r>
+              <a:rPr lang="en-US" altLang="ko-KR" dirty="0"/>
+              <a:t>IOCP</a:t>
+            </a:r>
+          </a:p>
+          <a:p>
+            <a:pPr marL="0" indent="0">
+              <a:buNone/>
+            </a:pPr>
+            <a:r>
+              <a:rPr lang="ko-KR" altLang="en-US" dirty="0"/>
+              <a:t>맵</a:t>
+            </a:r>
+            <a:r>
+              <a:rPr lang="en-US" altLang="ko-KR" dirty="0"/>
+              <a:t>, </a:t>
+            </a:r>
+            <a:r>
+              <a:rPr lang="ko-KR" altLang="en-US" dirty="0"/>
+              <a:t>몬스터</a:t>
+            </a:r>
+            <a:r>
+              <a:rPr lang="en-US" altLang="ko-KR" dirty="0"/>
+              <a:t>, </a:t>
+            </a:r>
+            <a:r>
+              <a:rPr lang="ko-KR" altLang="en-US" dirty="0"/>
+              <a:t>충돌 서버에서 처리</a:t>
+            </a:r>
+            <a:endParaRPr lang="en-US" altLang="ko-KR" dirty="0"/>
+          </a:p>
+          <a:p>
+            <a:pPr marL="0" indent="0">
+              <a:buNone/>
+            </a:pPr>
+            <a:r>
+              <a:rPr lang="ko-KR" altLang="en-US" dirty="0"/>
+              <a:t>채팅기능</a:t>
+            </a:r>
+            <a:r>
+              <a:rPr lang="en-US" altLang="ko-KR" dirty="0"/>
+              <a:t>,</a:t>
+            </a:r>
+            <a:r>
+              <a:rPr lang="ko-KR" altLang="en-US" dirty="0"/>
+              <a:t> 이동기능</a:t>
+            </a:r>
+            <a:endParaRPr lang="en-US" altLang="ko-KR" dirty="0"/>
+          </a:p>
+          <a:p>
+            <a:pPr marL="0" indent="0">
+              <a:buNone/>
+            </a:pPr>
+            <a:r>
+              <a:rPr lang="ko-KR" altLang="en-US" dirty="0" err="1"/>
+              <a:t>멀티쓰레드</a:t>
+            </a:r>
+            <a:r>
+              <a:rPr lang="ko-KR" altLang="en-US" dirty="0"/>
+              <a:t> 활용</a:t>
+            </a:r>
+            <a:endParaRPr lang="en-US" altLang="ko-KR" dirty="0"/>
+          </a:p>
+        </p:txBody>
+      </p:sp>
+    </p:spTree>
+    <p:extLst>
+      <p:ext uri="{BB962C8B-B14F-4D97-AF65-F5344CB8AC3E}">
+        <p14:creationId xmlns:p14="http://schemas.microsoft.com/office/powerpoint/2010/main" val="4246893595"/>
+      </p:ext>
+    </p:extLst>
+  </p:cSld>
+  <p:clrMapOvr>
+    <a:masterClrMapping/>
+  </p:clrMapOvr>
+</p:sld>
+</file>
+
+<file path=ppt/slides/slide17.xml><?xml version="1.0" encoding="utf-8"?>
+<p:sld xmlns:a="http://schemas.openxmlformats.org/drawingml/2006/main" xmlns:r="http://schemas.openxmlformats.org/officeDocument/2006/relationships" xmlns:p="http://schemas.openxmlformats.org/presentationml/2006/main">
+  <p:cSld>
+    <p:spTree>
+      <p:nvGrpSpPr>
+        <p:cNvPr id="1" name=""/>
+        <p:cNvGrpSpPr/>
+        <p:nvPr/>
+      </p:nvGrpSpPr>
+      <p:grpSpPr>
+        <a:xfrm>
+          <a:off x="0" y="0"/>
+          <a:ext cx="0" cy="0"/>
+          <a:chOff x="0" y="0"/>
+          <a:chExt cx="0" cy="0"/>
+        </a:xfrm>
+      </p:grpSpPr>
+      <p:sp>
+        <p:nvSpPr>
+          <p:cNvPr id="2" name="제목 1">
+            <a:extLst>
+              <a:ext uri="{FF2B5EF4-FFF2-40B4-BE49-F238E27FC236}">
+                <a16:creationId xmlns:a16="http://schemas.microsoft.com/office/drawing/2014/main" id="{6E562689-915E-42F3-9663-E3E22D578985}"/>
+              </a:ext>
+            </a:extLst>
+          </p:cNvPr>
+          <p:cNvSpPr>
+            <a:spLocks noGrp="1"/>
+          </p:cNvSpPr>
+          <p:nvPr>
+            <p:ph type="title"/>
+          </p:nvPr>
+        </p:nvSpPr>
+        <p:spPr/>
+        <p:txBody>
+          <a:bodyPr/>
+          <a:lstStyle/>
+          <a:p>
+            <a:r>
+              <a:rPr lang="en-US" altLang="ko-KR" dirty="0"/>
+              <a:t>Python (</a:t>
+            </a:r>
+            <a:r>
+              <a:rPr lang="ko-KR" altLang="en-US" dirty="0" err="1"/>
+              <a:t>드래곤플라이트</a:t>
+            </a:r>
+            <a:r>
+              <a:rPr lang="en-US" altLang="ko-KR" dirty="0"/>
+              <a:t>)</a:t>
+            </a:r>
+            <a:endParaRPr lang="ko-KR" altLang="en-US" dirty="0"/>
+          </a:p>
+        </p:txBody>
+      </p:sp>
+      <p:sp>
+        <p:nvSpPr>
+          <p:cNvPr id="3" name="내용 개체 틀 2">
+            <a:extLst>
+              <a:ext uri="{FF2B5EF4-FFF2-40B4-BE49-F238E27FC236}">
+                <a16:creationId xmlns:a16="http://schemas.microsoft.com/office/drawing/2014/main" id="{E4BB1253-4D5A-4DF5-81F7-9E01F0770CD4}"/>
+              </a:ext>
+            </a:extLst>
+          </p:cNvPr>
+          <p:cNvSpPr>
+            <a:spLocks noGrp="1"/>
+          </p:cNvSpPr>
+          <p:nvPr>
+            <p:ph idx="1"/>
+          </p:nvPr>
+        </p:nvSpPr>
+        <p:spPr/>
+        <p:txBody>
+          <a:bodyPr/>
+          <a:lstStyle/>
+          <a:p>
+            <a:pPr marL="0" indent="0">
+              <a:buNone/>
+            </a:pPr>
+            <a:r>
+              <a:rPr lang="ko-KR" altLang="en-US" dirty="0"/>
+              <a:t>무한 난이도</a:t>
+            </a:r>
+            <a:endParaRPr lang="en-US" altLang="ko-KR" dirty="0"/>
+          </a:p>
+          <a:p>
+            <a:pPr marL="0" indent="0">
+              <a:buNone/>
+            </a:pPr>
+            <a:endParaRPr lang="ko-KR" altLang="en-US" dirty="0"/>
+          </a:p>
+        </p:txBody>
+      </p:sp>
+    </p:spTree>
+    <p:extLst>
+      <p:ext uri="{BB962C8B-B14F-4D97-AF65-F5344CB8AC3E}">
+        <p14:creationId xmlns:p14="http://schemas.microsoft.com/office/powerpoint/2010/main" val="3431819206"/>
+      </p:ext>
+    </p:extLst>
+  </p:cSld>
+  <p:clrMapOvr>
+    <a:masterClrMapping/>
+  </p:clrMapOvr>
+</p:sld>
+</file>
+
+<file path=ppt/slides/slide18.xml><?xml version="1.0" encoding="utf-8"?>
+<p:sld xmlns:a="http://schemas.openxmlformats.org/drawingml/2006/main" xmlns:r="http://schemas.openxmlformats.org/officeDocument/2006/relationships" xmlns:p="http://schemas.openxmlformats.org/presentationml/2006/main">
+  <p:cSld>
+    <p:spTree>
+      <p:nvGrpSpPr>
+        <p:cNvPr id="1" name=""/>
+        <p:cNvGrpSpPr/>
+        <p:nvPr/>
+      </p:nvGrpSpPr>
+      <p:grpSpPr>
+        <a:xfrm>
+          <a:off x="0" y="0"/>
+          <a:ext cx="0" cy="0"/>
+          <a:chOff x="0" y="0"/>
+          <a:chExt cx="0" cy="0"/>
+        </a:xfrm>
+      </p:grpSpPr>
+      <p:sp>
+        <p:nvSpPr>
+          <p:cNvPr id="2" name="제목 1">
+            <a:extLst>
+              <a:ext uri="{FF2B5EF4-FFF2-40B4-BE49-F238E27FC236}">
+                <a16:creationId xmlns:a16="http://schemas.microsoft.com/office/drawing/2014/main" id="{8233187A-988F-49FD-8DFF-53DF7926BF73}"/>
+              </a:ext>
+            </a:extLst>
+          </p:cNvPr>
+          <p:cNvSpPr>
+            <a:spLocks noGrp="1"/>
+          </p:cNvSpPr>
+          <p:nvPr>
+            <p:ph type="title"/>
+          </p:nvPr>
+        </p:nvSpPr>
+        <p:spPr/>
+        <p:txBody>
+          <a:bodyPr/>
+          <a:lstStyle/>
+          <a:p>
+            <a:r>
+              <a:rPr lang="en-US" altLang="ko-KR" dirty="0"/>
+              <a:t>Direct2D (</a:t>
+            </a:r>
+            <a:r>
+              <a:rPr lang="ko-KR" altLang="en-US" dirty="0" err="1"/>
+              <a:t>테일즈위버</a:t>
+            </a:r>
+            <a:r>
+              <a:rPr lang="en-US" altLang="ko-KR" dirty="0"/>
+              <a:t>)</a:t>
+            </a:r>
+            <a:endParaRPr lang="ko-KR" altLang="en-US" dirty="0"/>
+          </a:p>
+        </p:txBody>
+      </p:sp>
+      <p:sp>
+        <p:nvSpPr>
+          <p:cNvPr id="3" name="내용 개체 틀 2">
+            <a:extLst>
+              <a:ext uri="{FF2B5EF4-FFF2-40B4-BE49-F238E27FC236}">
+                <a16:creationId xmlns:a16="http://schemas.microsoft.com/office/drawing/2014/main" id="{AE2114B0-1709-4E49-9AE9-1231C024167E}"/>
+              </a:ext>
+            </a:extLst>
+          </p:cNvPr>
+          <p:cNvSpPr>
+            <a:spLocks noGrp="1"/>
+          </p:cNvSpPr>
+          <p:nvPr>
+            <p:ph idx="1"/>
+          </p:nvPr>
+        </p:nvSpPr>
+        <p:spPr/>
+        <p:txBody>
+          <a:bodyPr/>
+          <a:lstStyle/>
+          <a:p>
+            <a:pPr marL="0" indent="0">
+              <a:buNone/>
+            </a:pPr>
+            <a:r>
+              <a:rPr lang="en-US" altLang="ko-KR" dirty="0"/>
+              <a:t>A* </a:t>
+            </a:r>
+            <a:r>
+              <a:rPr lang="ko-KR" altLang="en-US" dirty="0"/>
+              <a:t>구현</a:t>
+            </a:r>
+            <a:endParaRPr lang="en-US" altLang="ko-KR" dirty="0"/>
+          </a:p>
+          <a:p>
+            <a:pPr marL="0" indent="0">
+              <a:buNone/>
+            </a:pPr>
+            <a:r>
+              <a:rPr lang="ko-KR" altLang="en-US" dirty="0"/>
+              <a:t>툴 기능 구현</a:t>
+            </a:r>
+            <a:endParaRPr lang="en-US" altLang="ko-KR" dirty="0"/>
+          </a:p>
+          <a:p>
+            <a:pPr marL="0" indent="0">
+              <a:buNone/>
+            </a:pPr>
+            <a:r>
+              <a:rPr lang="ko-KR" altLang="en-US" dirty="0" err="1"/>
+              <a:t>알파블렌딩</a:t>
+            </a:r>
+            <a:endParaRPr lang="en-US" altLang="ko-KR" dirty="0"/>
+          </a:p>
+          <a:p>
+            <a:pPr marL="0" indent="0">
+              <a:buNone/>
+            </a:pPr>
+            <a:r>
+              <a:rPr lang="ko-KR" altLang="en-US" dirty="0"/>
+              <a:t>카메라 </a:t>
+            </a:r>
+            <a:r>
+              <a:rPr lang="ko-KR" altLang="en-US" dirty="0" err="1"/>
+              <a:t>쉐이킹</a:t>
+            </a:r>
+            <a:endParaRPr lang="ko-KR" altLang="en-US" dirty="0"/>
+          </a:p>
+        </p:txBody>
+      </p:sp>
+    </p:spTree>
+    <p:extLst>
+      <p:ext uri="{BB962C8B-B14F-4D97-AF65-F5344CB8AC3E}">
+        <p14:creationId xmlns:p14="http://schemas.microsoft.com/office/powerpoint/2010/main" val="3174136959"/>
+      </p:ext>
+    </p:extLst>
+  </p:cSld>
+  <p:clrMapOvr>
+    <a:masterClrMapping/>
+  </p:clrMapOvr>
+</p:sld>
+</file>
+
+<file path=ppt/slides/slide19.xml><?xml version="1.0" encoding="utf-8"?>
+<p:sld xmlns:a="http://schemas.openxmlformats.org/drawingml/2006/main" xmlns:r="http://schemas.openxmlformats.org/officeDocument/2006/relationships" xmlns:p="http://schemas.openxmlformats.org/presentationml/2006/main">
+  <p:cSld>
+    <p:spTree>
+      <p:nvGrpSpPr>
+        <p:cNvPr id="1" name=""/>
+        <p:cNvGrpSpPr/>
+        <p:nvPr/>
+      </p:nvGrpSpPr>
+      <p:grpSpPr>
+        <a:xfrm>
+          <a:off x="0" y="0"/>
+          <a:ext cx="0" cy="0"/>
+          <a:chOff x="0" y="0"/>
+          <a:chExt cx="0" cy="0"/>
+        </a:xfrm>
+      </p:grpSpPr>
+      <p:sp>
+        <p:nvSpPr>
+          <p:cNvPr id="2" name="제목 1">
+            <a:extLst>
+              <a:ext uri="{FF2B5EF4-FFF2-40B4-BE49-F238E27FC236}">
+                <a16:creationId xmlns:a16="http://schemas.microsoft.com/office/drawing/2014/main" id="{7CED29D0-F6A0-4646-B815-6D5605FD535C}"/>
+              </a:ext>
+            </a:extLst>
+          </p:cNvPr>
+          <p:cNvSpPr>
+            <a:spLocks noGrp="1"/>
+          </p:cNvSpPr>
+          <p:nvPr>
+            <p:ph type="title"/>
+          </p:nvPr>
+        </p:nvSpPr>
+        <p:spPr/>
+        <p:txBody>
+          <a:bodyPr/>
+          <a:lstStyle/>
+          <a:p>
+            <a:r>
+              <a:rPr lang="en-US" altLang="ko-KR" dirty="0"/>
+              <a:t>Direct3D(</a:t>
+            </a:r>
+            <a:r>
+              <a:rPr lang="ko-KR" altLang="en-US" dirty="0" err="1"/>
+              <a:t>둠펜슈타인</a:t>
+            </a:r>
+            <a:r>
+              <a:rPr lang="en-US" altLang="ko-KR" dirty="0"/>
+              <a:t>)</a:t>
+            </a:r>
+            <a:endParaRPr lang="ko-KR" altLang="en-US" dirty="0"/>
+          </a:p>
+        </p:txBody>
+      </p:sp>
+      <p:sp>
+        <p:nvSpPr>
+          <p:cNvPr id="3" name="내용 개체 틀 2">
+            <a:extLst>
+              <a:ext uri="{FF2B5EF4-FFF2-40B4-BE49-F238E27FC236}">
+                <a16:creationId xmlns:a16="http://schemas.microsoft.com/office/drawing/2014/main" id="{8C54C83E-8BAA-42D2-9D29-0607A923399F}"/>
+              </a:ext>
+            </a:extLst>
+          </p:cNvPr>
+          <p:cNvSpPr>
+            <a:spLocks noGrp="1"/>
+          </p:cNvSpPr>
+          <p:nvPr>
+            <p:ph idx="1"/>
+          </p:nvPr>
+        </p:nvSpPr>
+        <p:spPr/>
+        <p:txBody>
+          <a:bodyPr/>
+          <a:lstStyle/>
+          <a:p>
+            <a:pPr marL="0" indent="0">
+              <a:buNone/>
+            </a:pPr>
+            <a:r>
+              <a:rPr lang="ko-KR" altLang="en-US" dirty="0"/>
+              <a:t>맵 툴</a:t>
+            </a:r>
+            <a:endParaRPr lang="en-US" altLang="ko-KR" dirty="0"/>
+          </a:p>
+          <a:p>
+            <a:pPr marL="0" indent="0">
+              <a:buNone/>
+            </a:pPr>
+            <a:endParaRPr lang="ko-KR" altLang="en-US" dirty="0"/>
+          </a:p>
+        </p:txBody>
+      </p:sp>
+    </p:spTree>
+    <p:extLst>
+      <p:ext uri="{BB962C8B-B14F-4D97-AF65-F5344CB8AC3E}">
+        <p14:creationId xmlns:p14="http://schemas.microsoft.com/office/powerpoint/2010/main" val="1113000880"/>
       </p:ext>
     </p:extLst>
   </p:cSld>
@@ -4231,6 +4697,251 @@
     <p:extLst>
       <p:ext uri="{BB962C8B-B14F-4D97-AF65-F5344CB8AC3E}">
         <p14:creationId xmlns:p14="http://schemas.microsoft.com/office/powerpoint/2010/main" val="2137540297"/>
+      </p:ext>
+    </p:extLst>
+  </p:cSld>
+  <p:clrMapOvr>
+    <a:masterClrMapping/>
+  </p:clrMapOvr>
+</p:sld>
+</file>
+
+<file path=ppt/slides/slide20.xml><?xml version="1.0" encoding="utf-8"?>
+<p:sld xmlns:a="http://schemas.openxmlformats.org/drawingml/2006/main" xmlns:r="http://schemas.openxmlformats.org/officeDocument/2006/relationships" xmlns:p="http://schemas.openxmlformats.org/presentationml/2006/main">
+  <p:cSld>
+    <p:spTree>
+      <p:nvGrpSpPr>
+        <p:cNvPr id="1" name=""/>
+        <p:cNvGrpSpPr/>
+        <p:nvPr/>
+      </p:nvGrpSpPr>
+      <p:grpSpPr>
+        <a:xfrm>
+          <a:off x="0" y="0"/>
+          <a:ext cx="0" cy="0"/>
+          <a:chOff x="0" y="0"/>
+          <a:chExt cx="0" cy="0"/>
+        </a:xfrm>
+      </p:grpSpPr>
+      <p:sp>
+        <p:nvSpPr>
+          <p:cNvPr id="2" name="제목 1">
+            <a:extLst>
+              <a:ext uri="{FF2B5EF4-FFF2-40B4-BE49-F238E27FC236}">
+                <a16:creationId xmlns:a16="http://schemas.microsoft.com/office/drawing/2014/main" id="{46A8E3EC-121F-4D05-A685-197F868599BE}"/>
+              </a:ext>
+            </a:extLst>
+          </p:cNvPr>
+          <p:cNvSpPr>
+            <a:spLocks noGrp="1"/>
+          </p:cNvSpPr>
+          <p:nvPr>
+            <p:ph type="title"/>
+          </p:nvPr>
+        </p:nvSpPr>
+        <p:spPr/>
+        <p:txBody>
+          <a:bodyPr/>
+          <a:lstStyle/>
+          <a:p>
+            <a:r>
+              <a:rPr lang="en-US" altLang="ko-KR" dirty="0"/>
+              <a:t>Direct3D(</a:t>
+            </a:r>
+            <a:r>
+              <a:rPr lang="ko-KR" altLang="en-US" dirty="0" err="1"/>
+              <a:t>블랙스</a:t>
+            </a:r>
+            <a:r>
+              <a:rPr lang="en-US" altLang="ko-KR" dirty="0"/>
+              <a:t>)</a:t>
+            </a:r>
+            <a:endParaRPr lang="ko-KR" altLang="en-US" dirty="0"/>
+          </a:p>
+        </p:txBody>
+      </p:sp>
+      <p:sp>
+        <p:nvSpPr>
+          <p:cNvPr id="3" name="내용 개체 틀 2">
+            <a:extLst>
+              <a:ext uri="{FF2B5EF4-FFF2-40B4-BE49-F238E27FC236}">
+                <a16:creationId xmlns:a16="http://schemas.microsoft.com/office/drawing/2014/main" id="{44104394-229D-455C-BB11-FFD60BF80858}"/>
+              </a:ext>
+            </a:extLst>
+          </p:cNvPr>
+          <p:cNvSpPr>
+            <a:spLocks noGrp="1"/>
+          </p:cNvSpPr>
+          <p:nvPr>
+            <p:ph idx="1"/>
+          </p:nvPr>
+        </p:nvSpPr>
+        <p:spPr/>
+        <p:txBody>
+          <a:bodyPr/>
+          <a:lstStyle/>
+          <a:p>
+            <a:pPr marL="0" indent="0">
+              <a:buNone/>
+            </a:pPr>
+            <a:r>
+              <a:rPr lang="ko-KR" altLang="en-US" dirty="0"/>
+              <a:t>퍼지 알고리즘</a:t>
+            </a:r>
+            <a:endParaRPr lang="en-US" altLang="ko-KR" dirty="0"/>
+          </a:p>
+          <a:p>
+            <a:pPr marL="0" indent="0">
+              <a:buNone/>
+            </a:pPr>
+            <a:r>
+              <a:rPr lang="ko-KR" altLang="en-US" dirty="0"/>
+              <a:t>이벤트 툴</a:t>
+            </a:r>
+            <a:endParaRPr lang="en-US" altLang="ko-KR" dirty="0"/>
+          </a:p>
+          <a:p>
+            <a:pPr marL="0" indent="0">
+              <a:buNone/>
+            </a:pPr>
+            <a:endParaRPr lang="ko-KR" altLang="en-US" dirty="0"/>
+          </a:p>
+        </p:txBody>
+      </p:sp>
+    </p:spTree>
+    <p:extLst>
+      <p:ext uri="{BB962C8B-B14F-4D97-AF65-F5344CB8AC3E}">
+        <p14:creationId xmlns:p14="http://schemas.microsoft.com/office/powerpoint/2010/main" val="3222820007"/>
+      </p:ext>
+    </p:extLst>
+  </p:cSld>
+  <p:clrMapOvr>
+    <a:masterClrMapping/>
+  </p:clrMapOvr>
+</p:sld>
+</file>
+
+<file path=ppt/slides/slide21.xml><?xml version="1.0" encoding="utf-8"?>
+<p:sld xmlns:a="http://schemas.openxmlformats.org/drawingml/2006/main" xmlns:r="http://schemas.openxmlformats.org/officeDocument/2006/relationships" xmlns:p="http://schemas.openxmlformats.org/presentationml/2006/main">
+  <p:cSld>
+    <p:spTree>
+      <p:nvGrpSpPr>
+        <p:cNvPr id="1" name=""/>
+        <p:cNvGrpSpPr/>
+        <p:nvPr/>
+      </p:nvGrpSpPr>
+      <p:grpSpPr>
+        <a:xfrm>
+          <a:off x="0" y="0"/>
+          <a:ext cx="0" cy="0"/>
+          <a:chOff x="0" y="0"/>
+          <a:chExt cx="0" cy="0"/>
+        </a:xfrm>
+      </p:grpSpPr>
+      <p:sp>
+        <p:nvSpPr>
+          <p:cNvPr id="2" name="제목 1">
+            <a:extLst>
+              <a:ext uri="{FF2B5EF4-FFF2-40B4-BE49-F238E27FC236}">
+                <a16:creationId xmlns:a16="http://schemas.microsoft.com/office/drawing/2014/main" id="{BD55A865-4D9E-419B-9DF1-7F1EB185F371}"/>
+              </a:ext>
+            </a:extLst>
+          </p:cNvPr>
+          <p:cNvSpPr>
+            <a:spLocks noGrp="1"/>
+          </p:cNvSpPr>
+          <p:nvPr>
+            <p:ph type="title"/>
+          </p:nvPr>
+        </p:nvSpPr>
+        <p:spPr/>
+        <p:txBody>
+          <a:bodyPr/>
+          <a:lstStyle/>
+          <a:p>
+            <a:r>
+              <a:rPr lang="en-US" altLang="ko-KR" dirty="0"/>
+              <a:t>Direct3D(</a:t>
+            </a:r>
+            <a:r>
+              <a:rPr lang="ko-KR" altLang="en-US" dirty="0"/>
+              <a:t>졸작</a:t>
+            </a:r>
+            <a:r>
+              <a:rPr lang="en-US" altLang="ko-KR" dirty="0"/>
+              <a:t>, </a:t>
+            </a:r>
+            <a:r>
+              <a:rPr lang="ko-KR" altLang="en-US" dirty="0"/>
+              <a:t>몬스터의 숲</a:t>
+            </a:r>
+            <a:r>
+              <a:rPr lang="en-US" altLang="ko-KR" dirty="0"/>
+              <a:t>)</a:t>
+            </a:r>
+            <a:endParaRPr lang="ko-KR" altLang="en-US" dirty="0"/>
+          </a:p>
+        </p:txBody>
+      </p:sp>
+      <p:sp>
+        <p:nvSpPr>
+          <p:cNvPr id="3" name="내용 개체 틀 2">
+            <a:extLst>
+              <a:ext uri="{FF2B5EF4-FFF2-40B4-BE49-F238E27FC236}">
+                <a16:creationId xmlns:a16="http://schemas.microsoft.com/office/drawing/2014/main" id="{601CC4AB-881B-402A-8FE3-2F342A7F3F15}"/>
+              </a:ext>
+            </a:extLst>
+          </p:cNvPr>
+          <p:cNvSpPr>
+            <a:spLocks noGrp="1"/>
+          </p:cNvSpPr>
+          <p:nvPr>
+            <p:ph idx="1"/>
+          </p:nvPr>
+        </p:nvSpPr>
+        <p:spPr/>
+        <p:txBody>
+          <a:bodyPr/>
+          <a:lstStyle/>
+          <a:p>
+            <a:pPr marL="0" indent="0">
+              <a:buNone/>
+            </a:pPr>
+            <a:r>
+              <a:rPr lang="ko-KR" altLang="en-US" dirty="0"/>
+              <a:t>환경 툴</a:t>
+            </a:r>
+            <a:r>
+              <a:rPr lang="en-US" altLang="ko-KR" dirty="0"/>
+              <a:t>, </a:t>
+            </a:r>
+            <a:r>
+              <a:rPr lang="ko-KR" altLang="en-US" dirty="0"/>
+              <a:t>이펙트 툴</a:t>
+            </a:r>
+            <a:r>
+              <a:rPr lang="en-US" altLang="ko-KR" dirty="0"/>
+              <a:t>, </a:t>
+            </a:r>
+            <a:r>
+              <a:rPr lang="ko-KR" altLang="en-US" dirty="0"/>
+              <a:t>애니메이션 툴</a:t>
+            </a:r>
+            <a:r>
+              <a:rPr lang="en-US" altLang="ko-KR" dirty="0"/>
+              <a:t>, </a:t>
+            </a:r>
+            <a:r>
+              <a:rPr lang="ko-KR" altLang="en-US" dirty="0"/>
+              <a:t>그림자</a:t>
+            </a:r>
+          </a:p>
+        </p:txBody>
+      </p:sp>
+    </p:spTree>
+    <p:extLst>
+      <p:ext uri="{BB962C8B-B14F-4D97-AF65-F5344CB8AC3E}">
+        <p14:creationId xmlns:p14="http://schemas.microsoft.com/office/powerpoint/2010/main" val="1995740961"/>
       </p:ext>
     </p:extLst>
   </p:cSld>

--- a/포트폴리오 설명/포트폴리오 소개.pptx
+++ b/포트폴리오 설명/포트폴리오 소개.pptx
@@ -7,25 +7,28 @@
   <p:sldIdLst>
     <p:sldId id="256" r:id="rId2"/>
     <p:sldId id="257" r:id="rId3"/>
-    <p:sldId id="258" r:id="rId4"/>
-    <p:sldId id="267" r:id="rId5"/>
-    <p:sldId id="266" r:id="rId6"/>
-    <p:sldId id="268" r:id="rId7"/>
-    <p:sldId id="269" r:id="rId8"/>
-    <p:sldId id="270" r:id="rId9"/>
-    <p:sldId id="259" r:id="rId10"/>
-    <p:sldId id="271" r:id="rId11"/>
+    <p:sldId id="267" r:id="rId4"/>
+    <p:sldId id="266" r:id="rId5"/>
+    <p:sldId id="268" r:id="rId6"/>
+    <p:sldId id="269" r:id="rId7"/>
+    <p:sldId id="270" r:id="rId8"/>
+    <p:sldId id="259" r:id="rId9"/>
+    <p:sldId id="271" r:id="rId10"/>
+    <p:sldId id="278" r:id="rId11"/>
     <p:sldId id="272" r:id="rId12"/>
-    <p:sldId id="273" r:id="rId13"/>
-    <p:sldId id="274" r:id="rId14"/>
-    <p:sldId id="275" r:id="rId15"/>
-    <p:sldId id="276" r:id="rId16"/>
-    <p:sldId id="260" r:id="rId17"/>
-    <p:sldId id="262" r:id="rId18"/>
-    <p:sldId id="261" r:id="rId19"/>
-    <p:sldId id="263" r:id="rId20"/>
-    <p:sldId id="264" r:id="rId21"/>
-    <p:sldId id="265" r:id="rId22"/>
+    <p:sldId id="277" r:id="rId13"/>
+    <p:sldId id="273" r:id="rId14"/>
+    <p:sldId id="279" r:id="rId15"/>
+    <p:sldId id="274" r:id="rId16"/>
+    <p:sldId id="280" r:id="rId17"/>
+    <p:sldId id="275" r:id="rId18"/>
+    <p:sldId id="276" r:id="rId19"/>
+    <p:sldId id="260" r:id="rId20"/>
+    <p:sldId id="262" r:id="rId21"/>
+    <p:sldId id="261" r:id="rId22"/>
+    <p:sldId id="263" r:id="rId23"/>
+    <p:sldId id="264" r:id="rId24"/>
+    <p:sldId id="265" r:id="rId25"/>
   </p:sldIdLst>
   <p:sldSz cx="12192000" cy="6858000"/>
   <p:notesSz cx="6858000" cy="9144000"/>
@@ -132,6 +135,18 @@
 </p:presentation>
 </file>
 
+<file path=ppt/commentAuthors.xml><?xml version="1.0" encoding="utf-8"?>
+<p:cmAuthorLst xmlns:a="http://schemas.openxmlformats.org/drawingml/2006/main" xmlns:r="http://schemas.openxmlformats.org/officeDocument/2006/relationships" xmlns:p="http://schemas.openxmlformats.org/presentationml/2006/main">
+  <p:cmAuthor id="1" name="승범 김" initials="승김" lastIdx="4" clrIdx="0">
+    <p:extLst>
+      <p:ext uri="{19B8F6BF-5375-455C-9EA6-DF929625EA0E}">
+        <p15:presenceInfo xmlns:p15="http://schemas.microsoft.com/office/powerpoint/2012/main" userId="f48125330d25d74b" providerId="Windows Live"/>
+      </p:ext>
+    </p:extLst>
+  </p:cmAuthor>
+</p:cmAuthorLst>
+</file>
+
 <file path=ppt/slideLayouts/slideLayout1.xml><?xml version="1.0" encoding="utf-8"?>
 <p:sldLayout xmlns:a="http://schemas.openxmlformats.org/drawingml/2006/main" xmlns:r="http://schemas.openxmlformats.org/officeDocument/2006/relationships" xmlns:p="http://schemas.openxmlformats.org/presentationml/2006/main" type="title" preserve="1">
   <p:cSld name="제목 슬라이드">
@@ -279,7 +294,7 @@
           <a:p>
             <a:fld id="{C0A8F123-67C2-4258-86C9-2858CFAB2094}" type="datetimeFigureOut">
               <a:rPr lang="ko-KR" altLang="en-US" smtClean="0"/>
-              <a:t>2020-05-18</a:t>
+              <a:t>2020-05-19</a:t>
             </a:fld>
             <a:endParaRPr lang="ko-KR" altLang="en-US"/>
           </a:p>
@@ -477,7 +492,7 @@
           <a:p>
             <a:fld id="{C0A8F123-67C2-4258-86C9-2858CFAB2094}" type="datetimeFigureOut">
               <a:rPr lang="ko-KR" altLang="en-US" smtClean="0"/>
-              <a:t>2020-05-18</a:t>
+              <a:t>2020-05-19</a:t>
             </a:fld>
             <a:endParaRPr lang="ko-KR" altLang="en-US"/>
           </a:p>
@@ -685,7 +700,7 @@
           <a:p>
             <a:fld id="{C0A8F123-67C2-4258-86C9-2858CFAB2094}" type="datetimeFigureOut">
               <a:rPr lang="ko-KR" altLang="en-US" smtClean="0"/>
-              <a:t>2020-05-18</a:t>
+              <a:t>2020-05-19</a:t>
             </a:fld>
             <a:endParaRPr lang="ko-KR" altLang="en-US"/>
           </a:p>
@@ -883,7 +898,7 @@
           <a:p>
             <a:fld id="{C0A8F123-67C2-4258-86C9-2858CFAB2094}" type="datetimeFigureOut">
               <a:rPr lang="ko-KR" altLang="en-US" smtClean="0"/>
-              <a:t>2020-05-18</a:t>
+              <a:t>2020-05-19</a:t>
             </a:fld>
             <a:endParaRPr lang="ko-KR" altLang="en-US"/>
           </a:p>
@@ -1158,7 +1173,7 @@
           <a:p>
             <a:fld id="{C0A8F123-67C2-4258-86C9-2858CFAB2094}" type="datetimeFigureOut">
               <a:rPr lang="ko-KR" altLang="en-US" smtClean="0"/>
-              <a:t>2020-05-18</a:t>
+              <a:t>2020-05-19</a:t>
             </a:fld>
             <a:endParaRPr lang="ko-KR" altLang="en-US"/>
           </a:p>
@@ -1423,7 +1438,7 @@
           <a:p>
             <a:fld id="{C0A8F123-67C2-4258-86C9-2858CFAB2094}" type="datetimeFigureOut">
               <a:rPr lang="ko-KR" altLang="en-US" smtClean="0"/>
-              <a:t>2020-05-18</a:t>
+              <a:t>2020-05-19</a:t>
             </a:fld>
             <a:endParaRPr lang="ko-KR" altLang="en-US"/>
           </a:p>
@@ -1835,7 +1850,7 @@
           <a:p>
             <a:fld id="{C0A8F123-67C2-4258-86C9-2858CFAB2094}" type="datetimeFigureOut">
               <a:rPr lang="ko-KR" altLang="en-US" smtClean="0"/>
-              <a:t>2020-05-18</a:t>
+              <a:t>2020-05-19</a:t>
             </a:fld>
             <a:endParaRPr lang="ko-KR" altLang="en-US"/>
           </a:p>
@@ -1976,7 +1991,7 @@
           <a:p>
             <a:fld id="{C0A8F123-67C2-4258-86C9-2858CFAB2094}" type="datetimeFigureOut">
               <a:rPr lang="ko-KR" altLang="en-US" smtClean="0"/>
-              <a:t>2020-05-18</a:t>
+              <a:t>2020-05-19</a:t>
             </a:fld>
             <a:endParaRPr lang="ko-KR" altLang="en-US"/>
           </a:p>
@@ -2089,7 +2104,7 @@
           <a:p>
             <a:fld id="{C0A8F123-67C2-4258-86C9-2858CFAB2094}" type="datetimeFigureOut">
               <a:rPr lang="ko-KR" altLang="en-US" smtClean="0"/>
-              <a:t>2020-05-18</a:t>
+              <a:t>2020-05-19</a:t>
             </a:fld>
             <a:endParaRPr lang="ko-KR" altLang="en-US"/>
           </a:p>
@@ -2400,7 +2415,7 @@
           <a:p>
             <a:fld id="{C0A8F123-67C2-4258-86C9-2858CFAB2094}" type="datetimeFigureOut">
               <a:rPr lang="ko-KR" altLang="en-US" smtClean="0"/>
-              <a:t>2020-05-18</a:t>
+              <a:t>2020-05-19</a:t>
             </a:fld>
             <a:endParaRPr lang="ko-KR" altLang="en-US"/>
           </a:p>
@@ -2688,7 +2703,7 @@
           <a:p>
             <a:fld id="{C0A8F123-67C2-4258-86C9-2858CFAB2094}" type="datetimeFigureOut">
               <a:rPr lang="ko-KR" altLang="en-US" smtClean="0"/>
-              <a:t>2020-05-18</a:t>
+              <a:t>2020-05-19</a:t>
             </a:fld>
             <a:endParaRPr lang="ko-KR" altLang="en-US"/>
           </a:p>
@@ -2929,7 +2944,7 @@
           <a:p>
             <a:fld id="{C0A8F123-67C2-4258-86C9-2858CFAB2094}" type="datetimeFigureOut">
               <a:rPr lang="ko-KR" altLang="en-US" smtClean="0"/>
-              <a:t>2020-05-18</a:t>
+              <a:t>2020-05-19</a:t>
             </a:fld>
             <a:endParaRPr lang="ko-KR" altLang="en-US"/>
           </a:p>
@@ -3434,6 +3449,2862 @@
           <p:cNvPr id="2" name="제목 1">
             <a:extLst>
               <a:ext uri="{FF2B5EF4-FFF2-40B4-BE49-F238E27FC236}">
+                <a16:creationId xmlns:a16="http://schemas.microsoft.com/office/drawing/2014/main" id="{D7FF0E4D-41E3-43B1-9096-E5321ACC710F}"/>
+              </a:ext>
+            </a:extLst>
+          </p:cNvPr>
+          <p:cNvSpPr>
+            <a:spLocks noGrp="1"/>
+          </p:cNvSpPr>
+          <p:nvPr>
+            <p:ph type="title"/>
+          </p:nvPr>
+        </p:nvSpPr>
+        <p:spPr/>
+        <p:txBody>
+          <a:bodyPr/>
+          <a:lstStyle/>
+          <a:p>
+            <a:r>
+              <a:rPr lang="en-US" altLang="ko-KR" dirty="0"/>
+              <a:t>Metal Slug – </a:t>
+            </a:r>
+            <a:r>
+              <a:rPr lang="ko-KR" altLang="en-US" dirty="0" err="1"/>
+              <a:t>싱글톤</a:t>
+            </a:r>
+            <a:r>
+              <a:rPr lang="ko-KR" altLang="en-US" dirty="0"/>
+              <a:t> 패턴</a:t>
+            </a:r>
+          </a:p>
+        </p:txBody>
+      </p:sp>
+      <p:pic>
+        <p:nvPicPr>
+          <p:cNvPr id="3" name="그림 2">
+            <a:extLst>
+              <a:ext uri="{FF2B5EF4-FFF2-40B4-BE49-F238E27FC236}">
+                <a16:creationId xmlns:a16="http://schemas.microsoft.com/office/drawing/2014/main" id="{529E28CE-C10C-4EB9-840E-3BE205044B3D}"/>
+              </a:ext>
+            </a:extLst>
+          </p:cNvPr>
+          <p:cNvPicPr>
+            <a:picLocks noChangeAspect="1"/>
+          </p:cNvPicPr>
+          <p:nvPr/>
+        </p:nvPicPr>
+        <p:blipFill>
+          <a:blip r:embed="rId2"/>
+          <a:stretch>
+            <a:fillRect/>
+          </a:stretch>
+        </p:blipFill>
+        <p:spPr>
+          <a:xfrm>
+            <a:off x="1186009" y="1766387"/>
+            <a:ext cx="3807806" cy="4726488"/>
+          </a:xfrm>
+          <a:prstGeom prst="rect">
+            <a:avLst/>
+          </a:prstGeom>
+        </p:spPr>
+      </p:pic>
+      <p:sp>
+        <p:nvSpPr>
+          <p:cNvPr id="4" name="TextBox 3">
+            <a:extLst>
+              <a:ext uri="{FF2B5EF4-FFF2-40B4-BE49-F238E27FC236}">
+                <a16:creationId xmlns:a16="http://schemas.microsoft.com/office/drawing/2014/main" id="{1010B617-EDCC-418B-835C-560C3ECDD00C}"/>
+              </a:ext>
+            </a:extLst>
+          </p:cNvPr>
+          <p:cNvSpPr txBox="1"/>
+          <p:nvPr/>
+        </p:nvSpPr>
+        <p:spPr>
+          <a:xfrm>
+            <a:off x="5340076" y="2580515"/>
+            <a:ext cx="5665915" cy="923330"/>
+          </a:xfrm>
+          <a:prstGeom prst="rect">
+            <a:avLst/>
+          </a:prstGeom>
+          <a:noFill/>
+        </p:spPr>
+        <p:txBody>
+          <a:bodyPr wrap="square" rtlCol="0">
+            <a:spAutoFit/>
+          </a:bodyPr>
+          <a:lstStyle/>
+          <a:p>
+            <a:r>
+              <a:rPr lang="ko-KR" altLang="en-US" dirty="0" err="1"/>
+              <a:t>싱글톤</a:t>
+            </a:r>
+            <a:r>
+              <a:rPr lang="ko-KR" altLang="en-US" dirty="0"/>
+              <a:t> 패턴을 템플릿 클래스로 만들어 프로그램에서 하나의 인스턴스만 필요하고 여러 군데에서 사용해야하는 클래스의 부모로 상속하여 사용하도록 했다</a:t>
+            </a:r>
+            <a:r>
+              <a:rPr lang="en-US" altLang="ko-KR" dirty="0"/>
+              <a:t>.</a:t>
+            </a:r>
+            <a:endParaRPr lang="ko-KR" altLang="en-US" dirty="0"/>
+          </a:p>
+        </p:txBody>
+      </p:sp>
+      <p:pic>
+        <p:nvPicPr>
+          <p:cNvPr id="5" name="그림 4">
+            <a:extLst>
+              <a:ext uri="{FF2B5EF4-FFF2-40B4-BE49-F238E27FC236}">
+                <a16:creationId xmlns:a16="http://schemas.microsoft.com/office/drawing/2014/main" id="{CCFD6E65-03FA-44B4-B61C-1CD3EED83686}"/>
+              </a:ext>
+            </a:extLst>
+          </p:cNvPr>
+          <p:cNvPicPr>
+            <a:picLocks noChangeAspect="1"/>
+          </p:cNvPicPr>
+          <p:nvPr/>
+        </p:nvPicPr>
+        <p:blipFill>
+          <a:blip r:embed="rId3"/>
+          <a:stretch>
+            <a:fillRect/>
+          </a:stretch>
+        </p:blipFill>
+        <p:spPr>
+          <a:xfrm>
+            <a:off x="5424224" y="1766387"/>
+            <a:ext cx="4241401" cy="590438"/>
+          </a:xfrm>
+          <a:prstGeom prst="rect">
+            <a:avLst/>
+          </a:prstGeom>
+        </p:spPr>
+      </p:pic>
+      <p:pic>
+        <p:nvPicPr>
+          <p:cNvPr id="6" name="그림 5">
+            <a:extLst>
+              <a:ext uri="{FF2B5EF4-FFF2-40B4-BE49-F238E27FC236}">
+                <a16:creationId xmlns:a16="http://schemas.microsoft.com/office/drawing/2014/main" id="{3F972CA6-DCF0-45DF-A5CB-CF4C3B86210C}"/>
+              </a:ext>
+            </a:extLst>
+          </p:cNvPr>
+          <p:cNvPicPr>
+            <a:picLocks noChangeAspect="1"/>
+          </p:cNvPicPr>
+          <p:nvPr/>
+        </p:nvPicPr>
+        <p:blipFill>
+          <a:blip r:embed="rId4"/>
+          <a:stretch>
+            <a:fillRect/>
+          </a:stretch>
+        </p:blipFill>
+        <p:spPr>
+          <a:xfrm>
+            <a:off x="5424224" y="3723111"/>
+            <a:ext cx="3366358" cy="928801"/>
+          </a:xfrm>
+          <a:prstGeom prst="rect">
+            <a:avLst/>
+          </a:prstGeom>
+        </p:spPr>
+      </p:pic>
+      <p:pic>
+        <p:nvPicPr>
+          <p:cNvPr id="7" name="그림 6">
+            <a:extLst>
+              <a:ext uri="{FF2B5EF4-FFF2-40B4-BE49-F238E27FC236}">
+                <a16:creationId xmlns:a16="http://schemas.microsoft.com/office/drawing/2014/main" id="{5552017D-6FA6-459C-B4E0-41443A0F55B6}"/>
+              </a:ext>
+            </a:extLst>
+          </p:cNvPr>
+          <p:cNvPicPr>
+            <a:picLocks noChangeAspect="1"/>
+          </p:cNvPicPr>
+          <p:nvPr/>
+        </p:nvPicPr>
+        <p:blipFill>
+          <a:blip r:embed="rId5"/>
+          <a:stretch>
+            <a:fillRect/>
+          </a:stretch>
+        </p:blipFill>
+        <p:spPr>
+          <a:xfrm>
+            <a:off x="5424224" y="4742590"/>
+            <a:ext cx="3976688" cy="257175"/>
+          </a:xfrm>
+          <a:prstGeom prst="rect">
+            <a:avLst/>
+          </a:prstGeom>
+        </p:spPr>
+      </p:pic>
+      <p:pic>
+        <p:nvPicPr>
+          <p:cNvPr id="8" name="그림 7">
+            <a:extLst>
+              <a:ext uri="{FF2B5EF4-FFF2-40B4-BE49-F238E27FC236}">
+                <a16:creationId xmlns:a16="http://schemas.microsoft.com/office/drawing/2014/main" id="{1F59D54B-6786-4821-B52B-4555DC46D881}"/>
+              </a:ext>
+            </a:extLst>
+          </p:cNvPr>
+          <p:cNvPicPr>
+            <a:picLocks noChangeAspect="1"/>
+          </p:cNvPicPr>
+          <p:nvPr/>
+        </p:nvPicPr>
+        <p:blipFill>
+          <a:blip r:embed="rId6"/>
+          <a:stretch>
+            <a:fillRect/>
+          </a:stretch>
+        </p:blipFill>
+        <p:spPr>
+          <a:xfrm>
+            <a:off x="5424224" y="5128967"/>
+            <a:ext cx="3506603" cy="237561"/>
+          </a:xfrm>
+          <a:prstGeom prst="rect">
+            <a:avLst/>
+          </a:prstGeom>
+        </p:spPr>
+      </p:pic>
+    </p:spTree>
+    <p:extLst>
+      <p:ext uri="{BB962C8B-B14F-4D97-AF65-F5344CB8AC3E}">
+        <p14:creationId xmlns:p14="http://schemas.microsoft.com/office/powerpoint/2010/main" val="3043240216"/>
+      </p:ext>
+    </p:extLst>
+  </p:cSld>
+  <p:clrMapOvr>
+    <a:masterClrMapping/>
+  </p:clrMapOvr>
+</p:sld>
+</file>
+
+<file path=ppt/slides/slide11.xml><?xml version="1.0" encoding="utf-8"?>
+<p:sld xmlns:a="http://schemas.openxmlformats.org/drawingml/2006/main" xmlns:r="http://schemas.openxmlformats.org/officeDocument/2006/relationships" xmlns:p="http://schemas.openxmlformats.org/presentationml/2006/main">
+  <p:cSld>
+    <p:spTree>
+      <p:nvGrpSpPr>
+        <p:cNvPr id="1" name=""/>
+        <p:cNvGrpSpPr/>
+        <p:nvPr/>
+      </p:nvGrpSpPr>
+      <p:grpSpPr>
+        <a:xfrm>
+          <a:off x="0" y="0"/>
+          <a:ext cx="0" cy="0"/>
+          <a:chOff x="0" y="0"/>
+          <a:chExt cx="0" cy="0"/>
+        </a:xfrm>
+      </p:grpSpPr>
+      <p:sp>
+        <p:nvSpPr>
+          <p:cNvPr id="2" name="제목 1">
+            <a:extLst>
+              <a:ext uri="{FF2B5EF4-FFF2-40B4-BE49-F238E27FC236}">
+                <a16:creationId xmlns:a16="http://schemas.microsoft.com/office/drawing/2014/main" id="{D7FF0E4D-41E3-43B1-9096-E5321ACC710F}"/>
+              </a:ext>
+            </a:extLst>
+          </p:cNvPr>
+          <p:cNvSpPr>
+            <a:spLocks noGrp="1"/>
+          </p:cNvSpPr>
+          <p:nvPr>
+            <p:ph type="title"/>
+          </p:nvPr>
+        </p:nvSpPr>
+        <p:spPr>
+          <a:xfrm>
+            <a:off x="838200" y="249786"/>
+            <a:ext cx="10515600" cy="1325563"/>
+          </a:xfrm>
+        </p:spPr>
+        <p:txBody>
+          <a:bodyPr/>
+          <a:lstStyle/>
+          <a:p>
+            <a:r>
+              <a:rPr lang="en-US" altLang="ko-KR" dirty="0"/>
+              <a:t>Metal Slug – </a:t>
+            </a:r>
+            <a:r>
+              <a:rPr lang="ko-KR" altLang="en-US" dirty="0"/>
+              <a:t>리소스 관리</a:t>
+            </a:r>
+          </a:p>
+        </p:txBody>
+      </p:sp>
+      <p:pic>
+        <p:nvPicPr>
+          <p:cNvPr id="3" name="그림 2">
+            <a:extLst>
+              <a:ext uri="{FF2B5EF4-FFF2-40B4-BE49-F238E27FC236}">
+                <a16:creationId xmlns:a16="http://schemas.microsoft.com/office/drawing/2014/main" id="{D23AE2B5-2381-4936-B465-41A4A2A014B0}"/>
+              </a:ext>
+            </a:extLst>
+          </p:cNvPr>
+          <p:cNvPicPr>
+            <a:picLocks noChangeAspect="1"/>
+          </p:cNvPicPr>
+          <p:nvPr/>
+        </p:nvPicPr>
+        <p:blipFill>
+          <a:blip r:embed="rId2"/>
+          <a:stretch>
+            <a:fillRect/>
+          </a:stretch>
+        </p:blipFill>
+        <p:spPr>
+          <a:xfrm>
+            <a:off x="726003" y="1859654"/>
+            <a:ext cx="4720129" cy="3823090"/>
+          </a:xfrm>
+          <a:prstGeom prst="rect">
+            <a:avLst/>
+          </a:prstGeom>
+        </p:spPr>
+      </p:pic>
+      <p:pic>
+        <p:nvPicPr>
+          <p:cNvPr id="4" name="그림 3">
+            <a:extLst>
+              <a:ext uri="{FF2B5EF4-FFF2-40B4-BE49-F238E27FC236}">
+                <a16:creationId xmlns:a16="http://schemas.microsoft.com/office/drawing/2014/main" id="{742DE01E-5E37-4C05-9CC7-1D064893D743}"/>
+              </a:ext>
+            </a:extLst>
+          </p:cNvPr>
+          <p:cNvPicPr>
+            <a:picLocks noChangeAspect="1"/>
+          </p:cNvPicPr>
+          <p:nvPr/>
+        </p:nvPicPr>
+        <p:blipFill>
+          <a:blip r:embed="rId3"/>
+          <a:stretch>
+            <a:fillRect/>
+          </a:stretch>
+        </p:blipFill>
+        <p:spPr>
+          <a:xfrm>
+            <a:off x="5845453" y="4407241"/>
+            <a:ext cx="6037886" cy="1275503"/>
+          </a:xfrm>
+          <a:prstGeom prst="rect">
+            <a:avLst/>
+          </a:prstGeom>
+        </p:spPr>
+      </p:pic>
+      <p:sp>
+        <p:nvSpPr>
+          <p:cNvPr id="5" name="TextBox 4">
+            <a:extLst>
+              <a:ext uri="{FF2B5EF4-FFF2-40B4-BE49-F238E27FC236}">
+                <a16:creationId xmlns:a16="http://schemas.microsoft.com/office/drawing/2014/main" id="{51818AE8-73B3-4C1D-963D-1A285D183D7B}"/>
+              </a:ext>
+            </a:extLst>
+          </p:cNvPr>
+          <p:cNvSpPr txBox="1"/>
+          <p:nvPr/>
+        </p:nvSpPr>
+        <p:spPr>
+          <a:xfrm>
+            <a:off x="5845453" y="1850594"/>
+            <a:ext cx="5536792" cy="1200329"/>
+          </a:xfrm>
+          <a:prstGeom prst="rect">
+            <a:avLst/>
+          </a:prstGeom>
+          <a:noFill/>
+        </p:spPr>
+        <p:txBody>
+          <a:bodyPr wrap="square" rtlCol="0">
+            <a:spAutoFit/>
+          </a:bodyPr>
+          <a:lstStyle/>
+          <a:p>
+            <a:r>
+              <a:rPr lang="en-US" altLang="ko-KR" dirty="0"/>
+              <a:t>STL</a:t>
+            </a:r>
+            <a:r>
+              <a:rPr lang="ko-KR" altLang="en-US" dirty="0"/>
+              <a:t>에서 제공하는 해시 기반 자료구조 컨테이너인 </a:t>
+            </a:r>
+            <a:r>
+              <a:rPr lang="en-US" altLang="ko-KR" dirty="0"/>
+              <a:t>‘</a:t>
+            </a:r>
+            <a:r>
+              <a:rPr lang="en-US" altLang="ko-KR" dirty="0" err="1"/>
+              <a:t>unordered_map</a:t>
+            </a:r>
+            <a:r>
+              <a:rPr lang="en-US" altLang="ko-KR" dirty="0"/>
+              <a:t>’</a:t>
+            </a:r>
+            <a:r>
+              <a:rPr lang="ko-KR" altLang="en-US" dirty="0"/>
+              <a:t>을 사용하여 게임 내에 사용되는 모든 </a:t>
+            </a:r>
+            <a:r>
+              <a:rPr lang="ko-KR" altLang="en-US" dirty="0" err="1"/>
+              <a:t>스프라이트</a:t>
+            </a:r>
+            <a:r>
+              <a:rPr lang="ko-KR" altLang="en-US" dirty="0"/>
+              <a:t> 리소스를 간편하고 빠르게 관리 및 사용 할 수 있도록 하였다</a:t>
+            </a:r>
+            <a:r>
+              <a:rPr lang="en-US" altLang="ko-KR" dirty="0"/>
+              <a:t>.</a:t>
+            </a:r>
+            <a:endParaRPr lang="ko-KR" altLang="en-US" dirty="0"/>
+          </a:p>
+        </p:txBody>
+      </p:sp>
+    </p:spTree>
+    <p:extLst>
+      <p:ext uri="{BB962C8B-B14F-4D97-AF65-F5344CB8AC3E}">
+        <p14:creationId xmlns:p14="http://schemas.microsoft.com/office/powerpoint/2010/main" val="3146214392"/>
+      </p:ext>
+    </p:extLst>
+  </p:cSld>
+  <p:clrMapOvr>
+    <a:masterClrMapping/>
+  </p:clrMapOvr>
+</p:sld>
+</file>
+
+<file path=ppt/slides/slide12.xml><?xml version="1.0" encoding="utf-8"?>
+<p:sld xmlns:a="http://schemas.openxmlformats.org/drawingml/2006/main" xmlns:r="http://schemas.openxmlformats.org/officeDocument/2006/relationships" xmlns:p="http://schemas.openxmlformats.org/presentationml/2006/main">
+  <p:cSld>
+    <p:spTree>
+      <p:nvGrpSpPr>
+        <p:cNvPr id="1" name=""/>
+        <p:cNvGrpSpPr/>
+        <p:nvPr/>
+      </p:nvGrpSpPr>
+      <p:grpSpPr>
+        <a:xfrm>
+          <a:off x="0" y="0"/>
+          <a:ext cx="0" cy="0"/>
+          <a:chOff x="0" y="0"/>
+          <a:chExt cx="0" cy="0"/>
+        </a:xfrm>
+      </p:grpSpPr>
+      <p:sp>
+        <p:nvSpPr>
+          <p:cNvPr id="2" name="제목 1">
+            <a:extLst>
+              <a:ext uri="{FF2B5EF4-FFF2-40B4-BE49-F238E27FC236}">
+                <a16:creationId xmlns:a16="http://schemas.microsoft.com/office/drawing/2014/main" id="{D7FF0E4D-41E3-43B1-9096-E5321ACC710F}"/>
+              </a:ext>
+            </a:extLst>
+          </p:cNvPr>
+          <p:cNvSpPr>
+            <a:spLocks noGrp="1"/>
+          </p:cNvSpPr>
+          <p:nvPr>
+            <p:ph type="title"/>
+          </p:nvPr>
+        </p:nvSpPr>
+        <p:spPr>
+          <a:xfrm>
+            <a:off x="838200" y="249786"/>
+            <a:ext cx="10515600" cy="1325563"/>
+          </a:xfrm>
+        </p:spPr>
+        <p:txBody>
+          <a:bodyPr/>
+          <a:lstStyle/>
+          <a:p>
+            <a:r>
+              <a:rPr lang="en-US" altLang="ko-KR" dirty="0"/>
+              <a:t>Metal Slug – </a:t>
+            </a:r>
+            <a:r>
+              <a:rPr lang="ko-KR" altLang="en-US" dirty="0"/>
+              <a:t>리소스 관리</a:t>
+            </a:r>
+          </a:p>
+        </p:txBody>
+      </p:sp>
+      <p:pic>
+        <p:nvPicPr>
+          <p:cNvPr id="3" name="그림 2">
+            <a:extLst>
+              <a:ext uri="{FF2B5EF4-FFF2-40B4-BE49-F238E27FC236}">
+                <a16:creationId xmlns:a16="http://schemas.microsoft.com/office/drawing/2014/main" id="{D23AE2B5-2381-4936-B465-41A4A2A014B0}"/>
+              </a:ext>
+            </a:extLst>
+          </p:cNvPr>
+          <p:cNvPicPr>
+            <a:picLocks noChangeAspect="1"/>
+          </p:cNvPicPr>
+          <p:nvPr/>
+        </p:nvPicPr>
+        <p:blipFill>
+          <a:blip r:embed="rId2"/>
+          <a:stretch>
+            <a:fillRect/>
+          </a:stretch>
+        </p:blipFill>
+        <p:spPr>
+          <a:xfrm>
+            <a:off x="726003" y="1859654"/>
+            <a:ext cx="4720129" cy="3823090"/>
+          </a:xfrm>
+          <a:prstGeom prst="rect">
+            <a:avLst/>
+          </a:prstGeom>
+        </p:spPr>
+      </p:pic>
+      <p:pic>
+        <p:nvPicPr>
+          <p:cNvPr id="4" name="그림 3">
+            <a:extLst>
+              <a:ext uri="{FF2B5EF4-FFF2-40B4-BE49-F238E27FC236}">
+                <a16:creationId xmlns:a16="http://schemas.microsoft.com/office/drawing/2014/main" id="{742DE01E-5E37-4C05-9CC7-1D064893D743}"/>
+              </a:ext>
+            </a:extLst>
+          </p:cNvPr>
+          <p:cNvPicPr>
+            <a:picLocks noChangeAspect="1"/>
+          </p:cNvPicPr>
+          <p:nvPr/>
+        </p:nvPicPr>
+        <p:blipFill>
+          <a:blip r:embed="rId3"/>
+          <a:stretch>
+            <a:fillRect/>
+          </a:stretch>
+        </p:blipFill>
+        <p:spPr>
+          <a:xfrm>
+            <a:off x="5845453" y="4407241"/>
+            <a:ext cx="6037886" cy="1275503"/>
+          </a:xfrm>
+          <a:prstGeom prst="rect">
+            <a:avLst/>
+          </a:prstGeom>
+        </p:spPr>
+      </p:pic>
+      <p:sp>
+        <p:nvSpPr>
+          <p:cNvPr id="5" name="TextBox 4">
+            <a:extLst>
+              <a:ext uri="{FF2B5EF4-FFF2-40B4-BE49-F238E27FC236}">
+                <a16:creationId xmlns:a16="http://schemas.microsoft.com/office/drawing/2014/main" id="{51818AE8-73B3-4C1D-963D-1A285D183D7B}"/>
+              </a:ext>
+            </a:extLst>
+          </p:cNvPr>
+          <p:cNvSpPr txBox="1"/>
+          <p:nvPr/>
+        </p:nvSpPr>
+        <p:spPr>
+          <a:xfrm>
+            <a:off x="5845453" y="1850594"/>
+            <a:ext cx="5536792" cy="1200329"/>
+          </a:xfrm>
+          <a:prstGeom prst="rect">
+            <a:avLst/>
+          </a:prstGeom>
+          <a:noFill/>
+        </p:spPr>
+        <p:txBody>
+          <a:bodyPr wrap="square" rtlCol="0">
+            <a:spAutoFit/>
+          </a:bodyPr>
+          <a:lstStyle/>
+          <a:p>
+            <a:r>
+              <a:rPr lang="en-US" altLang="ko-KR" dirty="0"/>
+              <a:t>STL</a:t>
+            </a:r>
+            <a:r>
+              <a:rPr lang="ko-KR" altLang="en-US" dirty="0"/>
+              <a:t>에서 제공하는 해시 기반 자료구조 컨테이너인 </a:t>
+            </a:r>
+            <a:r>
+              <a:rPr lang="en-US" altLang="ko-KR" dirty="0"/>
+              <a:t>‘</a:t>
+            </a:r>
+            <a:r>
+              <a:rPr lang="en-US" altLang="ko-KR" dirty="0" err="1"/>
+              <a:t>unordered_map</a:t>
+            </a:r>
+            <a:r>
+              <a:rPr lang="en-US" altLang="ko-KR" dirty="0"/>
+              <a:t>’</a:t>
+            </a:r>
+            <a:r>
+              <a:rPr lang="ko-KR" altLang="en-US" dirty="0"/>
+              <a:t>을 사용하여 게임 내에 사용되는 모든 </a:t>
+            </a:r>
+            <a:r>
+              <a:rPr lang="ko-KR" altLang="en-US" dirty="0" err="1"/>
+              <a:t>스프라이트</a:t>
+            </a:r>
+            <a:r>
+              <a:rPr lang="ko-KR" altLang="en-US" dirty="0"/>
+              <a:t> 리소스를 간편하고 빠르게 관리 및 사용 할 수 있도록 하였다</a:t>
+            </a:r>
+            <a:r>
+              <a:rPr lang="en-US" altLang="ko-KR" dirty="0"/>
+              <a:t>.</a:t>
+            </a:r>
+            <a:endParaRPr lang="ko-KR" altLang="en-US" dirty="0"/>
+          </a:p>
+        </p:txBody>
+      </p:sp>
+    </p:spTree>
+    <p:extLst>
+      <p:ext uri="{BB962C8B-B14F-4D97-AF65-F5344CB8AC3E}">
+        <p14:creationId xmlns:p14="http://schemas.microsoft.com/office/powerpoint/2010/main" val="3651796998"/>
+      </p:ext>
+    </p:extLst>
+  </p:cSld>
+  <p:clrMapOvr>
+    <a:masterClrMapping/>
+  </p:clrMapOvr>
+</p:sld>
+</file>
+
+<file path=ppt/slides/slide13.xml><?xml version="1.0" encoding="utf-8"?>
+<p:sld xmlns:a="http://schemas.openxmlformats.org/drawingml/2006/main" xmlns:r="http://schemas.openxmlformats.org/officeDocument/2006/relationships" xmlns:p="http://schemas.openxmlformats.org/presentationml/2006/main">
+  <p:cSld>
+    <p:spTree>
+      <p:nvGrpSpPr>
+        <p:cNvPr id="1" name=""/>
+        <p:cNvGrpSpPr/>
+        <p:nvPr/>
+      </p:nvGrpSpPr>
+      <p:grpSpPr>
+        <a:xfrm>
+          <a:off x="0" y="0"/>
+          <a:ext cx="0" cy="0"/>
+          <a:chOff x="0" y="0"/>
+          <a:chExt cx="0" cy="0"/>
+        </a:xfrm>
+      </p:grpSpPr>
+      <p:sp>
+        <p:nvSpPr>
+          <p:cNvPr id="2" name="제목 1">
+            <a:extLst>
+              <a:ext uri="{FF2B5EF4-FFF2-40B4-BE49-F238E27FC236}">
+                <a16:creationId xmlns:a16="http://schemas.microsoft.com/office/drawing/2014/main" id="{D7FF0E4D-41E3-43B1-9096-E5321ACC710F}"/>
+              </a:ext>
+            </a:extLst>
+          </p:cNvPr>
+          <p:cNvSpPr>
+            <a:spLocks noGrp="1"/>
+          </p:cNvSpPr>
+          <p:nvPr>
+            <p:ph type="title"/>
+          </p:nvPr>
+        </p:nvSpPr>
+        <p:spPr>
+          <a:xfrm>
+            <a:off x="636250" y="134639"/>
+            <a:ext cx="10515600" cy="1325563"/>
+          </a:xfrm>
+        </p:spPr>
+        <p:txBody>
+          <a:bodyPr/>
+          <a:lstStyle/>
+          <a:p>
+            <a:r>
+              <a:rPr lang="en-US" altLang="ko-KR" dirty="0"/>
+              <a:t>Metal Slug – </a:t>
+            </a:r>
+            <a:r>
+              <a:rPr lang="ko-KR" altLang="en-US" dirty="0"/>
+              <a:t>픽셀 충돌</a:t>
+            </a:r>
+          </a:p>
+        </p:txBody>
+      </p:sp>
+      <p:pic>
+        <p:nvPicPr>
+          <p:cNvPr id="3" name="그림 2">
+            <a:extLst>
+              <a:ext uri="{FF2B5EF4-FFF2-40B4-BE49-F238E27FC236}">
+                <a16:creationId xmlns:a16="http://schemas.microsoft.com/office/drawing/2014/main" id="{A29473CB-5964-4F58-A02B-D0238BB77E4E}"/>
+              </a:ext>
+            </a:extLst>
+          </p:cNvPr>
+          <p:cNvPicPr>
+            <a:picLocks noChangeAspect="1"/>
+          </p:cNvPicPr>
+          <p:nvPr/>
+        </p:nvPicPr>
+        <p:blipFill>
+          <a:blip r:embed="rId2"/>
+          <a:stretch>
+            <a:fillRect/>
+          </a:stretch>
+        </p:blipFill>
+        <p:spPr>
+          <a:xfrm>
+            <a:off x="824642" y="1509983"/>
+            <a:ext cx="4945864" cy="2770768"/>
+          </a:xfrm>
+          <a:prstGeom prst="rect">
+            <a:avLst/>
+          </a:prstGeom>
+        </p:spPr>
+      </p:pic>
+      <p:pic>
+        <p:nvPicPr>
+          <p:cNvPr id="4" name="그림 3">
+            <a:extLst>
+              <a:ext uri="{FF2B5EF4-FFF2-40B4-BE49-F238E27FC236}">
+                <a16:creationId xmlns:a16="http://schemas.microsoft.com/office/drawing/2014/main" id="{04DA2BFE-D115-4278-9533-0C1C51B96D2B}"/>
+              </a:ext>
+            </a:extLst>
+          </p:cNvPr>
+          <p:cNvPicPr>
+            <a:picLocks noChangeAspect="1"/>
+          </p:cNvPicPr>
+          <p:nvPr/>
+        </p:nvPicPr>
+        <p:blipFill>
+          <a:blip r:embed="rId3"/>
+          <a:stretch>
+            <a:fillRect/>
+          </a:stretch>
+        </p:blipFill>
+        <p:spPr>
+          <a:xfrm>
+            <a:off x="6603547" y="1509983"/>
+            <a:ext cx="4093905" cy="3308118"/>
+          </a:xfrm>
+          <a:prstGeom prst="rect">
+            <a:avLst/>
+          </a:prstGeom>
+        </p:spPr>
+      </p:pic>
+      <p:sp>
+        <p:nvSpPr>
+          <p:cNvPr id="5" name="TextBox 4">
+            <a:extLst>
+              <a:ext uri="{FF2B5EF4-FFF2-40B4-BE49-F238E27FC236}">
+                <a16:creationId xmlns:a16="http://schemas.microsoft.com/office/drawing/2014/main" id="{7FD94217-DE2D-4474-AF87-6B59464A31B9}"/>
+              </a:ext>
+            </a:extLst>
+          </p:cNvPr>
+          <p:cNvSpPr txBox="1"/>
+          <p:nvPr/>
+        </p:nvSpPr>
+        <p:spPr>
+          <a:xfrm>
+            <a:off x="717731" y="4891760"/>
+            <a:ext cx="5052775" cy="1222940"/>
+          </a:xfrm>
+          <a:prstGeom prst="rect">
+            <a:avLst/>
+          </a:prstGeom>
+          <a:noFill/>
+        </p:spPr>
+        <p:txBody>
+          <a:bodyPr wrap="square" rtlCol="0">
+            <a:spAutoFit/>
+          </a:bodyPr>
+          <a:lstStyle/>
+          <a:p>
+            <a:r>
+              <a:rPr lang="ko-KR" altLang="en-US" dirty="0"/>
+              <a:t>위와 같이 미리 충돌할 픽셀 색을 지정 </a:t>
+            </a:r>
+            <a:r>
+              <a:rPr lang="ko-KR" altLang="en-US" dirty="0" err="1"/>
+              <a:t>해놓은</a:t>
+            </a:r>
+            <a:r>
+              <a:rPr lang="ko-KR" altLang="en-US" dirty="0"/>
+              <a:t> 리소스를 만들어 놓고 프로그램에서 이 리소스를 기반으로 하여 모든 픽셀의 색깔을 추출하여 </a:t>
+            </a:r>
+            <a:r>
+              <a:rPr lang="en-US" altLang="ko-KR" dirty="0"/>
+              <a:t>‘STL vector’ </a:t>
+            </a:r>
+            <a:r>
+              <a:rPr lang="ko-KR" altLang="en-US" dirty="0"/>
+              <a:t>컨테이너에 </a:t>
+            </a:r>
+            <a:r>
+              <a:rPr lang="ko-KR" altLang="en-US" dirty="0" err="1"/>
+              <a:t>담아놓는다</a:t>
+            </a:r>
+            <a:r>
+              <a:rPr lang="en-US" altLang="ko-KR" dirty="0"/>
+              <a:t>.</a:t>
+            </a:r>
+            <a:endParaRPr lang="ko-KR" altLang="en-US" dirty="0"/>
+          </a:p>
+        </p:txBody>
+      </p:sp>
+    </p:spTree>
+    <p:extLst>
+      <p:ext uri="{BB962C8B-B14F-4D97-AF65-F5344CB8AC3E}">
+        <p14:creationId xmlns:p14="http://schemas.microsoft.com/office/powerpoint/2010/main" val="353239264"/>
+      </p:ext>
+    </p:extLst>
+  </p:cSld>
+  <p:clrMapOvr>
+    <a:masterClrMapping/>
+  </p:clrMapOvr>
+</p:sld>
+</file>
+
+<file path=ppt/slides/slide14.xml><?xml version="1.0" encoding="utf-8"?>
+<p:sld xmlns:a="http://schemas.openxmlformats.org/drawingml/2006/main" xmlns:r="http://schemas.openxmlformats.org/officeDocument/2006/relationships" xmlns:p="http://schemas.openxmlformats.org/presentationml/2006/main">
+  <p:cSld>
+    <p:spTree>
+      <p:nvGrpSpPr>
+        <p:cNvPr id="1" name=""/>
+        <p:cNvGrpSpPr/>
+        <p:nvPr/>
+      </p:nvGrpSpPr>
+      <p:grpSpPr>
+        <a:xfrm>
+          <a:off x="0" y="0"/>
+          <a:ext cx="0" cy="0"/>
+          <a:chOff x="0" y="0"/>
+          <a:chExt cx="0" cy="0"/>
+        </a:xfrm>
+      </p:grpSpPr>
+      <p:sp>
+        <p:nvSpPr>
+          <p:cNvPr id="2" name="제목 1">
+            <a:extLst>
+              <a:ext uri="{FF2B5EF4-FFF2-40B4-BE49-F238E27FC236}">
+                <a16:creationId xmlns:a16="http://schemas.microsoft.com/office/drawing/2014/main" id="{D7FF0E4D-41E3-43B1-9096-E5321ACC710F}"/>
+              </a:ext>
+            </a:extLst>
+          </p:cNvPr>
+          <p:cNvSpPr>
+            <a:spLocks noGrp="1"/>
+          </p:cNvSpPr>
+          <p:nvPr>
+            <p:ph type="title"/>
+          </p:nvPr>
+        </p:nvSpPr>
+        <p:spPr>
+          <a:xfrm>
+            <a:off x="751574" y="245184"/>
+            <a:ext cx="10515600" cy="1325563"/>
+          </a:xfrm>
+        </p:spPr>
+        <p:txBody>
+          <a:bodyPr/>
+          <a:lstStyle/>
+          <a:p>
+            <a:r>
+              <a:rPr lang="en-US" altLang="ko-KR" dirty="0"/>
+              <a:t>Metal Slug – </a:t>
+            </a:r>
+            <a:r>
+              <a:rPr lang="ko-KR" altLang="en-US" dirty="0"/>
+              <a:t>픽셀 충돌</a:t>
+            </a:r>
+          </a:p>
+        </p:txBody>
+      </p:sp>
+      <p:sp>
+        <p:nvSpPr>
+          <p:cNvPr id="5" name="TextBox 4">
+            <a:extLst>
+              <a:ext uri="{FF2B5EF4-FFF2-40B4-BE49-F238E27FC236}">
+                <a16:creationId xmlns:a16="http://schemas.microsoft.com/office/drawing/2014/main" id="{7FD94217-DE2D-4474-AF87-6B59464A31B9}"/>
+              </a:ext>
+            </a:extLst>
+          </p:cNvPr>
+          <p:cNvSpPr txBox="1"/>
+          <p:nvPr/>
+        </p:nvSpPr>
+        <p:spPr>
+          <a:xfrm>
+            <a:off x="751574" y="4482243"/>
+            <a:ext cx="5052775" cy="1200329"/>
+          </a:xfrm>
+          <a:prstGeom prst="rect">
+            <a:avLst/>
+          </a:prstGeom>
+          <a:noFill/>
+        </p:spPr>
+        <p:txBody>
+          <a:bodyPr wrap="square" rtlCol="0">
+            <a:spAutoFit/>
+          </a:bodyPr>
+          <a:lstStyle/>
+          <a:p>
+            <a:r>
+              <a:rPr lang="ko-KR" altLang="en-US" dirty="0"/>
+              <a:t>특정 픽셀 충돌 상호작용을 해야 하는 객체의 위치 값을 바탕으로 인덱스 값을 도출하고 </a:t>
+            </a:r>
+            <a:r>
+              <a:rPr lang="en-US" altLang="ko-KR" dirty="0"/>
+              <a:t>vector </a:t>
+            </a:r>
+            <a:r>
+              <a:rPr lang="ko-KR" altLang="en-US" dirty="0"/>
+              <a:t>컨테이너에 인덱스 접근을 통해 그 위치 픽셀의 색이 충돌 색과 </a:t>
+            </a:r>
+            <a:r>
+              <a:rPr lang="ko-KR" altLang="en-US" dirty="0" err="1"/>
+              <a:t>같은지</a:t>
+            </a:r>
+            <a:r>
+              <a:rPr lang="ko-KR" altLang="en-US" dirty="0"/>
+              <a:t> 확인한다</a:t>
+            </a:r>
+            <a:r>
+              <a:rPr lang="en-US" altLang="ko-KR" dirty="0"/>
+              <a:t>.</a:t>
+            </a:r>
+            <a:endParaRPr lang="ko-KR" altLang="en-US" dirty="0"/>
+          </a:p>
+        </p:txBody>
+      </p:sp>
+      <p:pic>
+        <p:nvPicPr>
+          <p:cNvPr id="6" name="그림 5">
+            <a:extLst>
+              <a:ext uri="{FF2B5EF4-FFF2-40B4-BE49-F238E27FC236}">
+                <a16:creationId xmlns:a16="http://schemas.microsoft.com/office/drawing/2014/main" id="{9BFB8555-E85A-492F-AE6F-3564E73493DE}"/>
+              </a:ext>
+            </a:extLst>
+          </p:cNvPr>
+          <p:cNvPicPr>
+            <a:picLocks noChangeAspect="1"/>
+          </p:cNvPicPr>
+          <p:nvPr/>
+        </p:nvPicPr>
+        <p:blipFill>
+          <a:blip r:embed="rId2"/>
+          <a:stretch>
+            <a:fillRect/>
+          </a:stretch>
+        </p:blipFill>
+        <p:spPr>
+          <a:xfrm>
+            <a:off x="751574" y="1647883"/>
+            <a:ext cx="5068756" cy="2165388"/>
+          </a:xfrm>
+          <a:prstGeom prst="rect">
+            <a:avLst/>
+          </a:prstGeom>
+        </p:spPr>
+      </p:pic>
+      <p:pic>
+        <p:nvPicPr>
+          <p:cNvPr id="7" name="그림 6">
+            <a:extLst>
+              <a:ext uri="{FF2B5EF4-FFF2-40B4-BE49-F238E27FC236}">
+                <a16:creationId xmlns:a16="http://schemas.microsoft.com/office/drawing/2014/main" id="{10322A3D-F46A-4E09-9296-41D693CC4DD9}"/>
+              </a:ext>
+            </a:extLst>
+          </p:cNvPr>
+          <p:cNvPicPr>
+            <a:picLocks noChangeAspect="1"/>
+          </p:cNvPicPr>
+          <p:nvPr/>
+        </p:nvPicPr>
+        <p:blipFill>
+          <a:blip r:embed="rId3"/>
+          <a:stretch>
+            <a:fillRect/>
+          </a:stretch>
+        </p:blipFill>
+        <p:spPr>
+          <a:xfrm>
+            <a:off x="6387653" y="1412271"/>
+            <a:ext cx="4684717" cy="3562234"/>
+          </a:xfrm>
+          <a:prstGeom prst="rect">
+            <a:avLst/>
+          </a:prstGeom>
+        </p:spPr>
+      </p:pic>
+      <p:sp>
+        <p:nvSpPr>
+          <p:cNvPr id="9" name="TextBox 8">
+            <a:extLst>
+              <a:ext uri="{FF2B5EF4-FFF2-40B4-BE49-F238E27FC236}">
+                <a16:creationId xmlns:a16="http://schemas.microsoft.com/office/drawing/2014/main" id="{7ED8310F-E709-4B35-B972-BDB56C9B3F87}"/>
+              </a:ext>
+            </a:extLst>
+          </p:cNvPr>
+          <p:cNvSpPr txBox="1"/>
+          <p:nvPr/>
+        </p:nvSpPr>
+        <p:spPr>
+          <a:xfrm>
+            <a:off x="6337161" y="5082407"/>
+            <a:ext cx="5052775" cy="646331"/>
+          </a:xfrm>
+          <a:prstGeom prst="rect">
+            <a:avLst/>
+          </a:prstGeom>
+          <a:noFill/>
+        </p:spPr>
+        <p:txBody>
+          <a:bodyPr wrap="square" rtlCol="0">
+            <a:spAutoFit/>
+          </a:bodyPr>
+          <a:lstStyle/>
+          <a:p>
+            <a:r>
+              <a:rPr lang="ko-KR" altLang="en-US" dirty="0"/>
+              <a:t>픽셀 충돌은 모든 게임 객체가 지형을 탈 수 있게 도와준다</a:t>
+            </a:r>
+            <a:r>
+              <a:rPr lang="en-US" altLang="ko-KR" dirty="0"/>
+              <a:t>.</a:t>
+            </a:r>
+            <a:endParaRPr lang="ko-KR" altLang="en-US" dirty="0"/>
+          </a:p>
+        </p:txBody>
+      </p:sp>
+    </p:spTree>
+    <p:extLst>
+      <p:ext uri="{BB962C8B-B14F-4D97-AF65-F5344CB8AC3E}">
+        <p14:creationId xmlns:p14="http://schemas.microsoft.com/office/powerpoint/2010/main" val="2952637403"/>
+      </p:ext>
+    </p:extLst>
+  </p:cSld>
+  <p:clrMapOvr>
+    <a:masterClrMapping/>
+  </p:clrMapOvr>
+</p:sld>
+</file>
+
+<file path=ppt/slides/slide15.xml><?xml version="1.0" encoding="utf-8"?>
+<p:sld xmlns:a="http://schemas.openxmlformats.org/drawingml/2006/main" xmlns:r="http://schemas.openxmlformats.org/officeDocument/2006/relationships" xmlns:p="http://schemas.openxmlformats.org/presentationml/2006/main">
+  <p:cSld>
+    <p:spTree>
+      <p:nvGrpSpPr>
+        <p:cNvPr id="1" name=""/>
+        <p:cNvGrpSpPr/>
+        <p:nvPr/>
+      </p:nvGrpSpPr>
+      <p:grpSpPr>
+        <a:xfrm>
+          <a:off x="0" y="0"/>
+          <a:ext cx="0" cy="0"/>
+          <a:chOff x="0" y="0"/>
+          <a:chExt cx="0" cy="0"/>
+        </a:xfrm>
+      </p:grpSpPr>
+      <p:sp>
+        <p:nvSpPr>
+          <p:cNvPr id="2" name="제목 1">
+            <a:extLst>
+              <a:ext uri="{FF2B5EF4-FFF2-40B4-BE49-F238E27FC236}">
+                <a16:creationId xmlns:a16="http://schemas.microsoft.com/office/drawing/2014/main" id="{D7FF0E4D-41E3-43B1-9096-E5321ACC710F}"/>
+              </a:ext>
+            </a:extLst>
+          </p:cNvPr>
+          <p:cNvSpPr>
+            <a:spLocks noGrp="1"/>
+          </p:cNvSpPr>
+          <p:nvPr>
+            <p:ph type="title"/>
+          </p:nvPr>
+        </p:nvSpPr>
+        <p:spPr/>
+        <p:txBody>
+          <a:bodyPr/>
+          <a:lstStyle/>
+          <a:p>
+            <a:r>
+              <a:rPr lang="en-US" altLang="ko-KR" dirty="0"/>
+              <a:t>Metal Slug – </a:t>
+            </a:r>
+            <a:r>
+              <a:rPr lang="ko-KR" altLang="en-US" dirty="0"/>
+              <a:t>상태 패턴</a:t>
+            </a:r>
+          </a:p>
+        </p:txBody>
+      </p:sp>
+      <p:pic>
+        <p:nvPicPr>
+          <p:cNvPr id="3" name="그림 2">
+            <a:extLst>
+              <a:ext uri="{FF2B5EF4-FFF2-40B4-BE49-F238E27FC236}">
+                <a16:creationId xmlns:a16="http://schemas.microsoft.com/office/drawing/2014/main" id="{A0402D3A-B3A2-4FE8-90F0-6DCA863D72BC}"/>
+              </a:ext>
+            </a:extLst>
+          </p:cNvPr>
+          <p:cNvPicPr>
+            <a:picLocks noChangeAspect="1"/>
+          </p:cNvPicPr>
+          <p:nvPr/>
+        </p:nvPicPr>
+        <p:blipFill>
+          <a:blip r:embed="rId2"/>
+          <a:stretch>
+            <a:fillRect/>
+          </a:stretch>
+        </p:blipFill>
+        <p:spPr>
+          <a:xfrm>
+            <a:off x="922026" y="1812613"/>
+            <a:ext cx="4833646" cy="2419026"/>
+          </a:xfrm>
+          <a:prstGeom prst="rect">
+            <a:avLst/>
+          </a:prstGeom>
+        </p:spPr>
+      </p:pic>
+      <p:pic>
+        <p:nvPicPr>
+          <p:cNvPr id="5" name="그림 4">
+            <a:extLst>
+              <a:ext uri="{FF2B5EF4-FFF2-40B4-BE49-F238E27FC236}">
+                <a16:creationId xmlns:a16="http://schemas.microsoft.com/office/drawing/2014/main" id="{C62214BF-5B2D-4615-8F4C-418B4F4B6760}"/>
+              </a:ext>
+            </a:extLst>
+          </p:cNvPr>
+          <p:cNvPicPr>
+            <a:picLocks noChangeAspect="1"/>
+          </p:cNvPicPr>
+          <p:nvPr/>
+        </p:nvPicPr>
+        <p:blipFill>
+          <a:blip r:embed="rId3"/>
+          <a:stretch>
+            <a:fillRect/>
+          </a:stretch>
+        </p:blipFill>
+        <p:spPr>
+          <a:xfrm>
+            <a:off x="922026" y="4491511"/>
+            <a:ext cx="4515229" cy="1771359"/>
+          </a:xfrm>
+          <a:prstGeom prst="rect">
+            <a:avLst/>
+          </a:prstGeom>
+        </p:spPr>
+      </p:pic>
+      <p:sp>
+        <p:nvSpPr>
+          <p:cNvPr id="10" name="TextBox 9">
+            <a:extLst>
+              <a:ext uri="{FF2B5EF4-FFF2-40B4-BE49-F238E27FC236}">
+                <a16:creationId xmlns:a16="http://schemas.microsoft.com/office/drawing/2014/main" id="{B0C5D860-274C-4B4D-A1B0-9F22C66B4BB1}"/>
+              </a:ext>
+            </a:extLst>
+          </p:cNvPr>
+          <p:cNvSpPr txBox="1"/>
+          <p:nvPr/>
+        </p:nvSpPr>
+        <p:spPr>
+          <a:xfrm>
+            <a:off x="6164720" y="1812613"/>
+            <a:ext cx="5189080" cy="1477328"/>
+          </a:xfrm>
+          <a:prstGeom prst="rect">
+            <a:avLst/>
+          </a:prstGeom>
+          <a:noFill/>
+        </p:spPr>
+        <p:txBody>
+          <a:bodyPr wrap="square" rtlCol="0">
+            <a:spAutoFit/>
+          </a:bodyPr>
+          <a:lstStyle/>
+          <a:p>
+            <a:r>
+              <a:rPr lang="ko-KR" altLang="en-US" dirty="0"/>
+              <a:t>이 프로젝트는 상태 패턴을 적극 이용하였다</a:t>
+            </a:r>
+            <a:r>
+              <a:rPr lang="en-US" altLang="ko-KR" dirty="0"/>
+              <a:t>. </a:t>
+            </a:r>
+            <a:r>
+              <a:rPr lang="ko-KR" altLang="en-US" dirty="0"/>
+              <a:t>게임 특성상 동작이 많기 때문에 상태로 나누어 게임 진행에 따라 상태를 전이 시키는 방식으로 가는 것이 생산성</a:t>
+            </a:r>
+            <a:r>
+              <a:rPr lang="en-US" altLang="ko-KR" dirty="0"/>
+              <a:t>, </a:t>
+            </a:r>
+            <a:r>
+              <a:rPr lang="ko-KR" altLang="en-US" dirty="0"/>
+              <a:t>유지보수 측면에서 더 효율적이라고 생각했기 때문이다</a:t>
+            </a:r>
+            <a:r>
+              <a:rPr lang="en-US" altLang="ko-KR" dirty="0"/>
+              <a:t>.</a:t>
+            </a:r>
+          </a:p>
+        </p:txBody>
+      </p:sp>
+      <p:sp>
+        <p:nvSpPr>
+          <p:cNvPr id="11" name="TextBox 10">
+            <a:extLst>
+              <a:ext uri="{FF2B5EF4-FFF2-40B4-BE49-F238E27FC236}">
+                <a16:creationId xmlns:a16="http://schemas.microsoft.com/office/drawing/2014/main" id="{90455933-06AD-412B-A0E7-FF54C6058D2F}"/>
+              </a:ext>
+            </a:extLst>
+          </p:cNvPr>
+          <p:cNvSpPr txBox="1"/>
+          <p:nvPr/>
+        </p:nvSpPr>
+        <p:spPr>
+          <a:xfrm>
+            <a:off x="6164720" y="4361847"/>
+            <a:ext cx="5025928" cy="1754326"/>
+          </a:xfrm>
+          <a:prstGeom prst="rect">
+            <a:avLst/>
+          </a:prstGeom>
+          <a:noFill/>
+        </p:spPr>
+        <p:txBody>
+          <a:bodyPr wrap="square" rtlCol="0">
+            <a:spAutoFit/>
+          </a:bodyPr>
+          <a:lstStyle/>
+          <a:p>
+            <a:r>
+              <a:rPr lang="en-US" altLang="ko-KR" dirty="0"/>
+              <a:t>State</a:t>
+            </a:r>
+            <a:r>
+              <a:rPr lang="ko-KR" altLang="en-US" dirty="0"/>
+              <a:t>라는 추상 클래스를 만들어 모든 상태 클래스가 상속 받도록 하였다</a:t>
+            </a:r>
+            <a:r>
+              <a:rPr lang="en-US" altLang="ko-KR" dirty="0"/>
+              <a:t>. </a:t>
+            </a:r>
+            <a:r>
+              <a:rPr lang="ko-KR" altLang="en-US" dirty="0"/>
+              <a:t>그리고 입력이나 어떠한 조건이 성립되면 </a:t>
+            </a:r>
+            <a:r>
+              <a:rPr lang="en-US" altLang="ko-KR" dirty="0" err="1"/>
+              <a:t>HandleInput</a:t>
+            </a:r>
+            <a:r>
+              <a:rPr lang="ko-KR" altLang="en-US" dirty="0"/>
+              <a:t>에서 다음 상태에 대한 포인터를 리턴 하면서 상태 전이가 일어난다</a:t>
+            </a:r>
+            <a:r>
+              <a:rPr lang="en-US" altLang="ko-KR" dirty="0"/>
+              <a:t>. </a:t>
+            </a:r>
+            <a:r>
+              <a:rPr lang="ko-KR" altLang="en-US" dirty="0"/>
+              <a:t> </a:t>
+            </a:r>
+          </a:p>
+          <a:p>
+            <a:endParaRPr lang="ko-KR" altLang="en-US" dirty="0"/>
+          </a:p>
+        </p:txBody>
+      </p:sp>
+    </p:spTree>
+    <p:extLst>
+      <p:ext uri="{BB962C8B-B14F-4D97-AF65-F5344CB8AC3E}">
+        <p14:creationId xmlns:p14="http://schemas.microsoft.com/office/powerpoint/2010/main" val="1019015699"/>
+      </p:ext>
+    </p:extLst>
+  </p:cSld>
+  <p:clrMapOvr>
+    <a:masterClrMapping/>
+  </p:clrMapOvr>
+</p:sld>
+</file>
+
+<file path=ppt/slides/slide16.xml><?xml version="1.0" encoding="utf-8"?>
+<p:sld xmlns:a="http://schemas.openxmlformats.org/drawingml/2006/main" xmlns:r="http://schemas.openxmlformats.org/officeDocument/2006/relationships" xmlns:p="http://schemas.openxmlformats.org/presentationml/2006/main">
+  <p:cSld>
+    <p:spTree>
+      <p:nvGrpSpPr>
+        <p:cNvPr id="1" name=""/>
+        <p:cNvGrpSpPr/>
+        <p:nvPr/>
+      </p:nvGrpSpPr>
+      <p:grpSpPr>
+        <a:xfrm>
+          <a:off x="0" y="0"/>
+          <a:ext cx="0" cy="0"/>
+          <a:chOff x="0" y="0"/>
+          <a:chExt cx="0" cy="0"/>
+        </a:xfrm>
+      </p:grpSpPr>
+      <p:sp>
+        <p:nvSpPr>
+          <p:cNvPr id="2" name="제목 1">
+            <a:extLst>
+              <a:ext uri="{FF2B5EF4-FFF2-40B4-BE49-F238E27FC236}">
+                <a16:creationId xmlns:a16="http://schemas.microsoft.com/office/drawing/2014/main" id="{D7FF0E4D-41E3-43B1-9096-E5321ACC710F}"/>
+              </a:ext>
+            </a:extLst>
+          </p:cNvPr>
+          <p:cNvSpPr>
+            <a:spLocks noGrp="1"/>
+          </p:cNvSpPr>
+          <p:nvPr>
+            <p:ph type="title"/>
+          </p:nvPr>
+        </p:nvSpPr>
+        <p:spPr/>
+        <p:txBody>
+          <a:bodyPr/>
+          <a:lstStyle/>
+          <a:p>
+            <a:r>
+              <a:rPr lang="en-US" altLang="ko-KR" dirty="0"/>
+              <a:t>Metal Slug – </a:t>
+            </a:r>
+            <a:r>
+              <a:rPr lang="ko-KR" altLang="en-US" dirty="0"/>
+              <a:t>상태 패턴</a:t>
+            </a:r>
+          </a:p>
+        </p:txBody>
+      </p:sp>
+      <p:pic>
+        <p:nvPicPr>
+          <p:cNvPr id="4" name="그림 3">
+            <a:extLst>
+              <a:ext uri="{FF2B5EF4-FFF2-40B4-BE49-F238E27FC236}">
+                <a16:creationId xmlns:a16="http://schemas.microsoft.com/office/drawing/2014/main" id="{EF6B3ED5-0516-4C5E-851B-FF00F512E19A}"/>
+              </a:ext>
+            </a:extLst>
+          </p:cNvPr>
+          <p:cNvPicPr>
+            <a:picLocks noChangeAspect="1"/>
+          </p:cNvPicPr>
+          <p:nvPr/>
+        </p:nvPicPr>
+        <p:blipFill>
+          <a:blip r:embed="rId2"/>
+          <a:stretch>
+            <a:fillRect/>
+          </a:stretch>
+        </p:blipFill>
+        <p:spPr>
+          <a:xfrm>
+            <a:off x="910801" y="1792018"/>
+            <a:ext cx="2864603" cy="4098519"/>
+          </a:xfrm>
+          <a:prstGeom prst="rect">
+            <a:avLst/>
+          </a:prstGeom>
+        </p:spPr>
+      </p:pic>
+      <p:pic>
+        <p:nvPicPr>
+          <p:cNvPr id="6" name="그림 5">
+            <a:extLst>
+              <a:ext uri="{FF2B5EF4-FFF2-40B4-BE49-F238E27FC236}">
+                <a16:creationId xmlns:a16="http://schemas.microsoft.com/office/drawing/2014/main" id="{E0946C5F-1800-4FF0-AFFB-52601DC5B935}"/>
+              </a:ext>
+            </a:extLst>
+          </p:cNvPr>
+          <p:cNvPicPr>
+            <a:picLocks noChangeAspect="1"/>
+          </p:cNvPicPr>
+          <p:nvPr/>
+        </p:nvPicPr>
+        <p:blipFill>
+          <a:blip r:embed="rId3"/>
+          <a:stretch>
+            <a:fillRect/>
+          </a:stretch>
+        </p:blipFill>
+        <p:spPr>
+          <a:xfrm>
+            <a:off x="3977359" y="1792018"/>
+            <a:ext cx="2252495" cy="2360652"/>
+          </a:xfrm>
+          <a:prstGeom prst="rect">
+            <a:avLst/>
+          </a:prstGeom>
+        </p:spPr>
+      </p:pic>
+      <p:pic>
+        <p:nvPicPr>
+          <p:cNvPr id="7" name="Picture 2" descr="소년코딩 - C++ 디자인 패턴 06. 상태 패턴, State Pattern">
+            <a:extLst>
+              <a:ext uri="{FF2B5EF4-FFF2-40B4-BE49-F238E27FC236}">
+                <a16:creationId xmlns:a16="http://schemas.microsoft.com/office/drawing/2014/main" id="{C9CD3F91-81AE-457A-A88D-C54AA755C5F6}"/>
+              </a:ext>
+            </a:extLst>
+          </p:cNvPr>
+          <p:cNvPicPr>
+            <a:picLocks noChangeAspect="1" noChangeArrowheads="1"/>
+          </p:cNvPicPr>
+          <p:nvPr/>
+        </p:nvPicPr>
+        <p:blipFill>
+          <a:blip r:embed="rId4">
+            <a:extLst>
+              <a:ext uri="{28A0092B-C50C-407E-A947-70E740481C1C}">
+                <a14:useLocalDpi xmlns:a14="http://schemas.microsoft.com/office/drawing/2010/main" val="0"/>
+              </a:ext>
+            </a:extLst>
+          </a:blip>
+          <a:srcRect/>
+          <a:stretch>
+            <a:fillRect/>
+          </a:stretch>
+        </p:blipFill>
+        <p:spPr bwMode="auto">
+          <a:xfrm>
+            <a:off x="6799096" y="1763968"/>
+            <a:ext cx="3960530" cy="2445730"/>
+          </a:xfrm>
+          <a:prstGeom prst="rect">
+            <a:avLst/>
+          </a:prstGeom>
+          <a:noFill/>
+          <a:extLst>
+            <a:ext uri="{909E8E84-426E-40DD-AFC4-6F175D3DCCD1}">
+              <a14:hiddenFill xmlns:a14="http://schemas.microsoft.com/office/drawing/2010/main">
+                <a:solidFill>
+                  <a:srgbClr val="FFFFFF"/>
+                </a:solidFill>
+              </a14:hiddenFill>
+            </a:ext>
+          </a:extLst>
+        </p:spPr>
+      </p:pic>
+      <p:sp>
+        <p:nvSpPr>
+          <p:cNvPr id="8" name="TextBox 7">
+            <a:extLst>
+              <a:ext uri="{FF2B5EF4-FFF2-40B4-BE49-F238E27FC236}">
+                <a16:creationId xmlns:a16="http://schemas.microsoft.com/office/drawing/2014/main" id="{A2C336D9-2312-4BE9-A66F-F9476615C85D}"/>
+              </a:ext>
+            </a:extLst>
+          </p:cNvPr>
+          <p:cNvSpPr txBox="1"/>
+          <p:nvPr/>
+        </p:nvSpPr>
+        <p:spPr>
+          <a:xfrm>
+            <a:off x="4235410" y="4560781"/>
+            <a:ext cx="6664461" cy="1754326"/>
+          </a:xfrm>
+          <a:prstGeom prst="rect">
+            <a:avLst/>
+          </a:prstGeom>
+          <a:noFill/>
+        </p:spPr>
+        <p:txBody>
+          <a:bodyPr wrap="square" rtlCol="0">
+            <a:spAutoFit/>
+          </a:bodyPr>
+          <a:lstStyle/>
+          <a:p>
+            <a:r>
+              <a:rPr lang="ko-KR" altLang="en-US" dirty="0"/>
+              <a:t>플레이어는 게임 특성상 </a:t>
+            </a:r>
+            <a:r>
+              <a:rPr lang="ko-KR" altLang="en-US" dirty="0" err="1"/>
+              <a:t>스프라이트</a:t>
+            </a:r>
+            <a:r>
+              <a:rPr lang="ko-KR" altLang="en-US" dirty="0"/>
+              <a:t> 상</a:t>
+            </a:r>
+            <a:r>
+              <a:rPr lang="en-US" altLang="ko-KR" dirty="0"/>
+              <a:t>, </a:t>
+            </a:r>
+            <a:r>
+              <a:rPr lang="ko-KR" altLang="en-US" dirty="0"/>
+              <a:t>하체가 나뉘어져 있을 뿐만 아니라 동작이 매우 많기 때문에 상태 패턴을 사용하였다</a:t>
+            </a:r>
+            <a:r>
+              <a:rPr lang="en-US" altLang="ko-KR" dirty="0"/>
+              <a:t>.</a:t>
+            </a:r>
+            <a:r>
+              <a:rPr lang="ko-KR" altLang="en-US" dirty="0"/>
+              <a:t> 이 패턴을 사용하고 코드가 더 </a:t>
+            </a:r>
+            <a:r>
+              <a:rPr lang="ko-KR" altLang="en-US" dirty="0" err="1"/>
+              <a:t>깔끔해보여</a:t>
+            </a:r>
+            <a:r>
+              <a:rPr lang="ko-KR" altLang="en-US" dirty="0"/>
+              <a:t> 생산성이 높아졌고</a:t>
+            </a:r>
+            <a:r>
+              <a:rPr lang="en-US" altLang="ko-KR" dirty="0"/>
+              <a:t>, </a:t>
+            </a:r>
+            <a:r>
+              <a:rPr lang="ko-KR" altLang="en-US" dirty="0"/>
+              <a:t>자연스러운 조작이 가능하도록 하였다</a:t>
+            </a:r>
+            <a:r>
+              <a:rPr lang="en-US" altLang="ko-KR" dirty="0"/>
+              <a:t>. </a:t>
+            </a:r>
+            <a:r>
+              <a:rPr lang="ko-KR" altLang="en-US" dirty="0"/>
+              <a:t>몬스터 </a:t>
+            </a:r>
+            <a:r>
+              <a:rPr lang="en-US" altLang="ko-KR" dirty="0"/>
+              <a:t>AI </a:t>
+            </a:r>
+            <a:r>
+              <a:rPr lang="ko-KR" altLang="en-US" dirty="0"/>
+              <a:t>또한 상태 패턴으로 만들어 각 상태에 어떤 작업을 </a:t>
+            </a:r>
+            <a:r>
+              <a:rPr lang="ko-KR" altLang="en-US" dirty="0" err="1"/>
+              <a:t>해야하는지를</a:t>
+            </a:r>
+            <a:r>
+              <a:rPr lang="ko-KR" altLang="en-US" dirty="0"/>
+              <a:t> 명확하게 하였다</a:t>
+            </a:r>
+            <a:r>
+              <a:rPr lang="en-US" altLang="ko-KR" dirty="0"/>
+              <a:t>.</a:t>
+            </a:r>
+            <a:endParaRPr lang="ko-KR" altLang="en-US" dirty="0"/>
+          </a:p>
+        </p:txBody>
+      </p:sp>
+    </p:spTree>
+    <p:extLst>
+      <p:ext uri="{BB962C8B-B14F-4D97-AF65-F5344CB8AC3E}">
+        <p14:creationId xmlns:p14="http://schemas.microsoft.com/office/powerpoint/2010/main" val="3129268733"/>
+      </p:ext>
+    </p:extLst>
+  </p:cSld>
+  <p:clrMapOvr>
+    <a:masterClrMapping/>
+  </p:clrMapOvr>
+</p:sld>
+</file>
+
+<file path=ppt/slides/slide17.xml><?xml version="1.0" encoding="utf-8"?>
+<p:sld xmlns:a="http://schemas.openxmlformats.org/drawingml/2006/main" xmlns:r="http://schemas.openxmlformats.org/officeDocument/2006/relationships" xmlns:p="http://schemas.openxmlformats.org/presentationml/2006/main">
+  <p:cSld>
+    <p:spTree>
+      <p:nvGrpSpPr>
+        <p:cNvPr id="1" name=""/>
+        <p:cNvGrpSpPr/>
+        <p:nvPr/>
+      </p:nvGrpSpPr>
+      <p:grpSpPr>
+        <a:xfrm>
+          <a:off x="0" y="0"/>
+          <a:ext cx="0" cy="0"/>
+          <a:chOff x="0" y="0"/>
+          <a:chExt cx="0" cy="0"/>
+        </a:xfrm>
+      </p:grpSpPr>
+      <p:sp>
+        <p:nvSpPr>
+          <p:cNvPr id="2" name="제목 1">
+            <a:extLst>
+              <a:ext uri="{FF2B5EF4-FFF2-40B4-BE49-F238E27FC236}">
+                <a16:creationId xmlns:a16="http://schemas.microsoft.com/office/drawing/2014/main" id="{D7FF0E4D-41E3-43B1-9096-E5321ACC710F}"/>
+              </a:ext>
+            </a:extLst>
+          </p:cNvPr>
+          <p:cNvSpPr>
+            <a:spLocks noGrp="1"/>
+          </p:cNvSpPr>
+          <p:nvPr>
+            <p:ph type="title"/>
+          </p:nvPr>
+        </p:nvSpPr>
+        <p:spPr>
+          <a:xfrm>
+            <a:off x="838200" y="52349"/>
+            <a:ext cx="10515600" cy="1325563"/>
+          </a:xfrm>
+        </p:spPr>
+        <p:txBody>
+          <a:bodyPr/>
+          <a:lstStyle/>
+          <a:p>
+            <a:r>
+              <a:rPr lang="en-US" altLang="ko-KR" dirty="0"/>
+              <a:t>Metal Slug – </a:t>
+            </a:r>
+            <a:r>
+              <a:rPr lang="ko-KR" altLang="en-US" dirty="0"/>
+              <a:t>툴</a:t>
+            </a:r>
+          </a:p>
+        </p:txBody>
+      </p:sp>
+      <p:pic>
+        <p:nvPicPr>
+          <p:cNvPr id="3" name="그림 2">
+            <a:extLst>
+              <a:ext uri="{FF2B5EF4-FFF2-40B4-BE49-F238E27FC236}">
+                <a16:creationId xmlns:a16="http://schemas.microsoft.com/office/drawing/2014/main" id="{A416EE45-FC16-4E6C-BB6E-21CD618F4E78}"/>
+              </a:ext>
+            </a:extLst>
+          </p:cNvPr>
+          <p:cNvPicPr>
+            <a:picLocks noChangeAspect="1"/>
+          </p:cNvPicPr>
+          <p:nvPr/>
+        </p:nvPicPr>
+        <p:blipFill>
+          <a:blip r:embed="rId2"/>
+          <a:stretch>
+            <a:fillRect/>
+          </a:stretch>
+        </p:blipFill>
+        <p:spPr>
+          <a:xfrm>
+            <a:off x="6357849" y="1377912"/>
+            <a:ext cx="4568203" cy="3429000"/>
+          </a:xfrm>
+          <a:prstGeom prst="rect">
+            <a:avLst/>
+          </a:prstGeom>
+        </p:spPr>
+      </p:pic>
+      <p:pic>
+        <p:nvPicPr>
+          <p:cNvPr id="4" name="그림 3">
+            <a:extLst>
+              <a:ext uri="{FF2B5EF4-FFF2-40B4-BE49-F238E27FC236}">
+                <a16:creationId xmlns:a16="http://schemas.microsoft.com/office/drawing/2014/main" id="{5CEEF250-B94E-4C05-ABF3-B623B90F1BB2}"/>
+              </a:ext>
+            </a:extLst>
+          </p:cNvPr>
+          <p:cNvPicPr>
+            <a:picLocks noChangeAspect="1"/>
+          </p:cNvPicPr>
+          <p:nvPr/>
+        </p:nvPicPr>
+        <p:blipFill>
+          <a:blip r:embed="rId3"/>
+          <a:stretch>
+            <a:fillRect/>
+          </a:stretch>
+        </p:blipFill>
+        <p:spPr>
+          <a:xfrm>
+            <a:off x="1014617" y="1377912"/>
+            <a:ext cx="4568202" cy="2977567"/>
+          </a:xfrm>
+          <a:prstGeom prst="rect">
+            <a:avLst/>
+          </a:prstGeom>
+        </p:spPr>
+      </p:pic>
+      <p:sp>
+        <p:nvSpPr>
+          <p:cNvPr id="5" name="TextBox 4">
+            <a:extLst>
+              <a:ext uri="{FF2B5EF4-FFF2-40B4-BE49-F238E27FC236}">
+                <a16:creationId xmlns:a16="http://schemas.microsoft.com/office/drawing/2014/main" id="{BEDA81CA-61D9-4DE0-991E-FF4EC374DF17}"/>
+              </a:ext>
+            </a:extLst>
+          </p:cNvPr>
+          <p:cNvSpPr txBox="1"/>
+          <p:nvPr/>
+        </p:nvSpPr>
+        <p:spPr>
+          <a:xfrm>
+            <a:off x="839779" y="4741424"/>
+            <a:ext cx="5342237" cy="1477328"/>
+          </a:xfrm>
+          <a:prstGeom prst="rect">
+            <a:avLst/>
+          </a:prstGeom>
+          <a:noFill/>
+        </p:spPr>
+        <p:txBody>
+          <a:bodyPr wrap="square" rtlCol="0">
+            <a:spAutoFit/>
+          </a:bodyPr>
+          <a:lstStyle/>
+          <a:p>
+            <a:r>
+              <a:rPr lang="ko-KR" altLang="en-US" dirty="0"/>
+              <a:t>몬스터를 하드 코딩하여 배치하기 보다는 툴을 만들어 몬스터를 효율적으로 배치할 수 있도록 하였다</a:t>
+            </a:r>
+            <a:r>
+              <a:rPr lang="en-US" altLang="ko-KR" dirty="0"/>
+              <a:t>. </a:t>
+            </a:r>
+            <a:r>
+              <a:rPr lang="ko-KR" altLang="en-US" dirty="0"/>
+              <a:t>마우스로 원하는 위치에 배치하여 파일 입출력을 사용하여 저장 후</a:t>
+            </a:r>
+            <a:r>
+              <a:rPr lang="en-US" altLang="ko-KR" dirty="0"/>
+              <a:t>, </a:t>
+            </a:r>
+            <a:r>
+              <a:rPr lang="ko-KR" altLang="en-US" dirty="0"/>
+              <a:t>스테이지 초기화시 파일을 불러와 배치한 몬스터 들을 불러오도록 하였다</a:t>
+            </a:r>
+            <a:r>
+              <a:rPr lang="en-US" altLang="ko-KR" dirty="0"/>
+              <a:t>.</a:t>
+            </a:r>
+            <a:endParaRPr lang="ko-KR" altLang="en-US" dirty="0"/>
+          </a:p>
+        </p:txBody>
+      </p:sp>
+    </p:spTree>
+    <p:extLst>
+      <p:ext uri="{BB962C8B-B14F-4D97-AF65-F5344CB8AC3E}">
+        <p14:creationId xmlns:p14="http://schemas.microsoft.com/office/powerpoint/2010/main" val="809061423"/>
+      </p:ext>
+    </p:extLst>
+  </p:cSld>
+  <p:clrMapOvr>
+    <a:masterClrMapping/>
+  </p:clrMapOvr>
+</p:sld>
+</file>
+
+<file path=ppt/slides/slide18.xml><?xml version="1.0" encoding="utf-8"?>
+<p:sld xmlns:a="http://schemas.openxmlformats.org/drawingml/2006/main" xmlns:r="http://schemas.openxmlformats.org/officeDocument/2006/relationships" xmlns:p="http://schemas.openxmlformats.org/presentationml/2006/main">
+  <p:cSld>
+    <p:spTree>
+      <p:nvGrpSpPr>
+        <p:cNvPr id="1" name=""/>
+        <p:cNvGrpSpPr/>
+        <p:nvPr/>
+      </p:nvGrpSpPr>
+      <p:grpSpPr>
+        <a:xfrm>
+          <a:off x="0" y="0"/>
+          <a:ext cx="0" cy="0"/>
+          <a:chOff x="0" y="0"/>
+          <a:chExt cx="0" cy="0"/>
+        </a:xfrm>
+      </p:grpSpPr>
+      <p:sp>
+        <p:nvSpPr>
+          <p:cNvPr id="2" name="제목 1">
+            <a:extLst>
+              <a:ext uri="{FF2B5EF4-FFF2-40B4-BE49-F238E27FC236}">
+                <a16:creationId xmlns:a16="http://schemas.microsoft.com/office/drawing/2014/main" id="{D7FF0E4D-41E3-43B1-9096-E5321ACC710F}"/>
+              </a:ext>
+            </a:extLst>
+          </p:cNvPr>
+          <p:cNvSpPr>
+            <a:spLocks noGrp="1"/>
+          </p:cNvSpPr>
+          <p:nvPr>
+            <p:ph type="title"/>
+          </p:nvPr>
+        </p:nvSpPr>
+        <p:spPr/>
+        <p:txBody>
+          <a:bodyPr/>
+          <a:lstStyle/>
+          <a:p>
+            <a:r>
+              <a:rPr lang="en-US" altLang="ko-KR" dirty="0"/>
+              <a:t>Metal Slug – FMOD</a:t>
+            </a:r>
+            <a:endParaRPr lang="ko-KR" altLang="en-US" dirty="0"/>
+          </a:p>
+        </p:txBody>
+      </p:sp>
+      <p:pic>
+        <p:nvPicPr>
+          <p:cNvPr id="3" name="그림 2">
+            <a:extLst>
+              <a:ext uri="{FF2B5EF4-FFF2-40B4-BE49-F238E27FC236}">
+                <a16:creationId xmlns:a16="http://schemas.microsoft.com/office/drawing/2014/main" id="{A49C2D62-BA24-48CE-A793-38194DB7722D}"/>
+              </a:ext>
+            </a:extLst>
+          </p:cNvPr>
+          <p:cNvPicPr>
+            <a:picLocks noChangeAspect="1"/>
+          </p:cNvPicPr>
+          <p:nvPr/>
+        </p:nvPicPr>
+        <p:blipFill>
+          <a:blip r:embed="rId2"/>
+          <a:stretch>
+            <a:fillRect/>
+          </a:stretch>
+        </p:blipFill>
+        <p:spPr>
+          <a:xfrm>
+            <a:off x="785857" y="1909470"/>
+            <a:ext cx="5205882" cy="3767663"/>
+          </a:xfrm>
+          <a:prstGeom prst="rect">
+            <a:avLst/>
+          </a:prstGeom>
+        </p:spPr>
+      </p:pic>
+      <p:pic>
+        <p:nvPicPr>
+          <p:cNvPr id="4" name="그림 3">
+            <a:extLst>
+              <a:ext uri="{FF2B5EF4-FFF2-40B4-BE49-F238E27FC236}">
+                <a16:creationId xmlns:a16="http://schemas.microsoft.com/office/drawing/2014/main" id="{003EF263-611C-415F-88AB-6249A1A76B46}"/>
+              </a:ext>
+            </a:extLst>
+          </p:cNvPr>
+          <p:cNvPicPr>
+            <a:picLocks noChangeAspect="1"/>
+          </p:cNvPicPr>
+          <p:nvPr/>
+        </p:nvPicPr>
+        <p:blipFill>
+          <a:blip r:embed="rId3"/>
+          <a:stretch>
+            <a:fillRect/>
+          </a:stretch>
+        </p:blipFill>
+        <p:spPr>
+          <a:xfrm>
+            <a:off x="6063629" y="1909470"/>
+            <a:ext cx="1242805" cy="1572713"/>
+          </a:xfrm>
+          <a:prstGeom prst="rect">
+            <a:avLst/>
+          </a:prstGeom>
+        </p:spPr>
+      </p:pic>
+      <p:sp>
+        <p:nvSpPr>
+          <p:cNvPr id="5" name="TextBox 4">
+            <a:extLst>
+              <a:ext uri="{FF2B5EF4-FFF2-40B4-BE49-F238E27FC236}">
+                <a16:creationId xmlns:a16="http://schemas.microsoft.com/office/drawing/2014/main" id="{46936093-49F7-4E54-B712-570D0F19971B}"/>
+              </a:ext>
+            </a:extLst>
+          </p:cNvPr>
+          <p:cNvSpPr txBox="1"/>
+          <p:nvPr/>
+        </p:nvSpPr>
+        <p:spPr>
+          <a:xfrm>
+            <a:off x="7702277" y="1818663"/>
+            <a:ext cx="4145654" cy="3693319"/>
+          </a:xfrm>
+          <a:prstGeom prst="rect">
+            <a:avLst/>
+          </a:prstGeom>
+          <a:noFill/>
+        </p:spPr>
+        <p:txBody>
+          <a:bodyPr wrap="square" rtlCol="0">
+            <a:spAutoFit/>
+          </a:bodyPr>
+          <a:lstStyle/>
+          <a:p>
+            <a:r>
+              <a:rPr lang="en-US" altLang="ko-KR" dirty="0"/>
+              <a:t>FMOD</a:t>
+            </a:r>
+            <a:r>
+              <a:rPr lang="ko-KR" altLang="en-US" dirty="0"/>
+              <a:t> 미들웨어를 사용하여 소리를 간편하게 재생 할 수 있도록 매니저를 만들어 관리할 수 있도록 하였다</a:t>
+            </a:r>
+            <a:r>
+              <a:rPr lang="en-US" altLang="ko-KR" dirty="0"/>
+              <a:t>. </a:t>
+            </a:r>
+          </a:p>
+          <a:p>
+            <a:endParaRPr lang="en-US" altLang="ko-KR" dirty="0"/>
+          </a:p>
+          <a:p>
+            <a:r>
+              <a:rPr lang="ko-KR" altLang="en-US" dirty="0"/>
+              <a:t>매니저 생성 및 초기화시 </a:t>
+            </a:r>
+            <a:r>
+              <a:rPr lang="en-US" altLang="ko-KR" dirty="0"/>
+              <a:t>Sound </a:t>
+            </a:r>
+            <a:r>
+              <a:rPr lang="ko-KR" altLang="en-US" dirty="0"/>
+              <a:t>폴더에 존재하는 모든 사운드를 불러와 </a:t>
+            </a:r>
+            <a:r>
+              <a:rPr lang="en-US" altLang="ko-KR" dirty="0"/>
+              <a:t>map</a:t>
+            </a:r>
+            <a:r>
+              <a:rPr lang="ko-KR" altLang="en-US" dirty="0"/>
+              <a:t> </a:t>
+            </a:r>
+            <a:r>
+              <a:rPr lang="ko-KR" altLang="en-US" dirty="0" err="1"/>
+              <a:t>컨네이너에</a:t>
+            </a:r>
+            <a:r>
+              <a:rPr lang="ko-KR" altLang="en-US" dirty="0"/>
+              <a:t> </a:t>
+            </a:r>
+            <a:r>
+              <a:rPr lang="ko-KR" altLang="en-US" dirty="0" err="1"/>
+              <a:t>담아놓는다</a:t>
+            </a:r>
+            <a:r>
+              <a:rPr lang="en-US" altLang="ko-KR" dirty="0"/>
+              <a:t>. </a:t>
+            </a:r>
+            <a:r>
+              <a:rPr lang="ko-KR" altLang="en-US" dirty="0"/>
+              <a:t>소리가 서로 중첩되지 않도록 채널을 나누어 재생할 수 있게 만들었다</a:t>
+            </a:r>
+            <a:r>
+              <a:rPr lang="en-US" altLang="ko-KR" dirty="0"/>
+              <a:t>.</a:t>
+            </a:r>
+          </a:p>
+          <a:p>
+            <a:endParaRPr lang="en-US" altLang="ko-KR" dirty="0"/>
+          </a:p>
+          <a:p>
+            <a:r>
+              <a:rPr lang="ko-KR" altLang="en-US" dirty="0"/>
+              <a:t>간편하고 좋은 성능을 지녀 모든 프로젝트의 게임 사운드 출력은 </a:t>
+            </a:r>
+            <a:r>
+              <a:rPr lang="en-US" altLang="ko-KR" dirty="0"/>
+              <a:t>FMOD</a:t>
+            </a:r>
+            <a:r>
+              <a:rPr lang="ko-KR" altLang="en-US" dirty="0"/>
+              <a:t>를 활용하였다</a:t>
+            </a:r>
+            <a:r>
+              <a:rPr lang="en-US" altLang="ko-KR" dirty="0"/>
+              <a:t>.</a:t>
+            </a:r>
+            <a:endParaRPr lang="ko-KR" altLang="en-US" dirty="0"/>
+          </a:p>
+        </p:txBody>
+      </p:sp>
+      <p:pic>
+        <p:nvPicPr>
+          <p:cNvPr id="6" name="그림 5">
+            <a:extLst>
+              <a:ext uri="{FF2B5EF4-FFF2-40B4-BE49-F238E27FC236}">
+                <a16:creationId xmlns:a16="http://schemas.microsoft.com/office/drawing/2014/main" id="{B2A56C2B-407C-43BB-B969-2C8B1C3D92F6}"/>
+              </a:ext>
+            </a:extLst>
+          </p:cNvPr>
+          <p:cNvPicPr>
+            <a:picLocks noChangeAspect="1"/>
+          </p:cNvPicPr>
+          <p:nvPr/>
+        </p:nvPicPr>
+        <p:blipFill>
+          <a:blip r:embed="rId4"/>
+          <a:stretch>
+            <a:fillRect/>
+          </a:stretch>
+        </p:blipFill>
+        <p:spPr>
+          <a:xfrm>
+            <a:off x="785857" y="5895915"/>
+            <a:ext cx="5103573" cy="252442"/>
+          </a:xfrm>
+          <a:prstGeom prst="rect">
+            <a:avLst/>
+          </a:prstGeom>
+        </p:spPr>
+      </p:pic>
+    </p:spTree>
+    <p:extLst>
+      <p:ext uri="{BB962C8B-B14F-4D97-AF65-F5344CB8AC3E}">
+        <p14:creationId xmlns:p14="http://schemas.microsoft.com/office/powerpoint/2010/main" val="3129114872"/>
+      </p:ext>
+    </p:extLst>
+  </p:cSld>
+  <p:clrMapOvr>
+    <a:masterClrMapping/>
+  </p:clrMapOvr>
+</p:sld>
+</file>
+
+<file path=ppt/slides/slide19.xml><?xml version="1.0" encoding="utf-8"?>
+<p:sld xmlns:a="http://schemas.openxmlformats.org/drawingml/2006/main" xmlns:r="http://schemas.openxmlformats.org/officeDocument/2006/relationships" xmlns:p="http://schemas.openxmlformats.org/presentationml/2006/main">
+  <p:cSld>
+    <p:spTree>
+      <p:nvGrpSpPr>
+        <p:cNvPr id="1" name=""/>
+        <p:cNvGrpSpPr/>
+        <p:nvPr/>
+      </p:nvGrpSpPr>
+      <p:grpSpPr>
+        <a:xfrm>
+          <a:off x="0" y="0"/>
+          <a:ext cx="0" cy="0"/>
+          <a:chOff x="0" y="0"/>
+          <a:chExt cx="0" cy="0"/>
+        </a:xfrm>
+      </p:grpSpPr>
+      <p:sp>
+        <p:nvSpPr>
+          <p:cNvPr id="2" name="제목 1">
+            <a:extLst>
+              <a:ext uri="{FF2B5EF4-FFF2-40B4-BE49-F238E27FC236}">
+                <a16:creationId xmlns:a16="http://schemas.microsoft.com/office/drawing/2014/main" id="{DA854544-456A-4788-B894-753419486829}"/>
+              </a:ext>
+            </a:extLst>
+          </p:cNvPr>
+          <p:cNvSpPr>
+            <a:spLocks noGrp="1"/>
+          </p:cNvSpPr>
+          <p:nvPr>
+            <p:ph type="title"/>
+          </p:nvPr>
+        </p:nvSpPr>
+        <p:spPr/>
+        <p:txBody>
+          <a:bodyPr/>
+          <a:lstStyle/>
+          <a:p>
+            <a:r>
+              <a:rPr lang="en-US" altLang="ko-KR" dirty="0"/>
+              <a:t>API Network(Maple Story)</a:t>
+            </a:r>
+            <a:endParaRPr lang="ko-KR" altLang="en-US" dirty="0"/>
+          </a:p>
+        </p:txBody>
+      </p:sp>
+      <p:sp>
+        <p:nvSpPr>
+          <p:cNvPr id="3" name="내용 개체 틀 2">
+            <a:extLst>
+              <a:ext uri="{FF2B5EF4-FFF2-40B4-BE49-F238E27FC236}">
+                <a16:creationId xmlns:a16="http://schemas.microsoft.com/office/drawing/2014/main" id="{B2917A21-4247-4F26-A184-ECF9A366565D}"/>
+              </a:ext>
+            </a:extLst>
+          </p:cNvPr>
+          <p:cNvSpPr>
+            <a:spLocks noGrp="1"/>
+          </p:cNvSpPr>
+          <p:nvPr>
+            <p:ph idx="1"/>
+          </p:nvPr>
+        </p:nvSpPr>
+        <p:spPr/>
+        <p:txBody>
+          <a:bodyPr/>
+          <a:lstStyle/>
+          <a:p>
+            <a:pPr marL="0" indent="0">
+              <a:buNone/>
+            </a:pPr>
+            <a:r>
+              <a:rPr lang="en-US" altLang="ko-KR" dirty="0"/>
+              <a:t>IOCP</a:t>
+            </a:r>
+          </a:p>
+          <a:p>
+            <a:pPr marL="0" indent="0">
+              <a:buNone/>
+            </a:pPr>
+            <a:r>
+              <a:rPr lang="ko-KR" altLang="en-US" dirty="0"/>
+              <a:t>맵</a:t>
+            </a:r>
+            <a:r>
+              <a:rPr lang="en-US" altLang="ko-KR" dirty="0"/>
+              <a:t>, </a:t>
+            </a:r>
+            <a:r>
+              <a:rPr lang="ko-KR" altLang="en-US" dirty="0"/>
+              <a:t>몬스터</a:t>
+            </a:r>
+            <a:r>
+              <a:rPr lang="en-US" altLang="ko-KR" dirty="0"/>
+              <a:t>, </a:t>
+            </a:r>
+            <a:r>
+              <a:rPr lang="ko-KR" altLang="en-US" dirty="0"/>
+              <a:t>충돌 서버에서 처리</a:t>
+            </a:r>
+            <a:endParaRPr lang="en-US" altLang="ko-KR" dirty="0"/>
+          </a:p>
+          <a:p>
+            <a:pPr marL="0" indent="0">
+              <a:buNone/>
+            </a:pPr>
+            <a:r>
+              <a:rPr lang="ko-KR" altLang="en-US" dirty="0"/>
+              <a:t>채팅기능</a:t>
+            </a:r>
+            <a:r>
+              <a:rPr lang="en-US" altLang="ko-KR" dirty="0"/>
+              <a:t>,</a:t>
+            </a:r>
+            <a:r>
+              <a:rPr lang="ko-KR" altLang="en-US" dirty="0"/>
+              <a:t> 이동기능</a:t>
+            </a:r>
+            <a:endParaRPr lang="en-US" altLang="ko-KR" dirty="0"/>
+          </a:p>
+          <a:p>
+            <a:pPr marL="0" indent="0">
+              <a:buNone/>
+            </a:pPr>
+            <a:r>
+              <a:rPr lang="ko-KR" altLang="en-US" dirty="0" err="1"/>
+              <a:t>멀티쓰레드</a:t>
+            </a:r>
+            <a:r>
+              <a:rPr lang="ko-KR" altLang="en-US" dirty="0"/>
+              <a:t> 활용</a:t>
+            </a:r>
+            <a:endParaRPr lang="en-US" altLang="ko-KR" dirty="0"/>
+          </a:p>
+        </p:txBody>
+      </p:sp>
+    </p:spTree>
+    <p:extLst>
+      <p:ext uri="{BB962C8B-B14F-4D97-AF65-F5344CB8AC3E}">
+        <p14:creationId xmlns:p14="http://schemas.microsoft.com/office/powerpoint/2010/main" val="4246893595"/>
+      </p:ext>
+    </p:extLst>
+  </p:cSld>
+  <p:clrMapOvr>
+    <a:masterClrMapping/>
+  </p:clrMapOvr>
+</p:sld>
+</file>
+
+<file path=ppt/slides/slide2.xml><?xml version="1.0" encoding="utf-8"?>
+<p:sld xmlns:a="http://schemas.openxmlformats.org/drawingml/2006/main" xmlns:r="http://schemas.openxmlformats.org/officeDocument/2006/relationships" xmlns:p="http://schemas.openxmlformats.org/presentationml/2006/main">
+  <p:cSld>
+    <p:spTree>
+      <p:nvGrpSpPr>
+        <p:cNvPr id="1" name=""/>
+        <p:cNvGrpSpPr/>
+        <p:nvPr/>
+      </p:nvGrpSpPr>
+      <p:grpSpPr>
+        <a:xfrm>
+          <a:off x="0" y="0"/>
+          <a:ext cx="0" cy="0"/>
+          <a:chOff x="0" y="0"/>
+          <a:chExt cx="0" cy="0"/>
+        </a:xfrm>
+      </p:grpSpPr>
+      <p:sp>
+        <p:nvSpPr>
+          <p:cNvPr id="2" name="제목 1">
+            <a:extLst>
+              <a:ext uri="{FF2B5EF4-FFF2-40B4-BE49-F238E27FC236}">
+                <a16:creationId xmlns:a16="http://schemas.microsoft.com/office/drawing/2014/main" id="{3360FE69-8144-4B69-9B2A-9C5F981CE3B3}"/>
+              </a:ext>
+            </a:extLst>
+          </p:cNvPr>
+          <p:cNvSpPr>
+            <a:spLocks noGrp="1"/>
+          </p:cNvSpPr>
+          <p:nvPr>
+            <p:ph type="title"/>
+          </p:nvPr>
+        </p:nvSpPr>
+        <p:spPr/>
+        <p:txBody>
+          <a:bodyPr>
+            <a:normAutofit/>
+          </a:bodyPr>
+          <a:lstStyle/>
+          <a:p>
+            <a:r>
+              <a:rPr lang="en-US" altLang="ko-KR" dirty="0"/>
+              <a:t>Console, API, Network, Direct2D, Python2D Direct3D(Team1, 2, </a:t>
+            </a:r>
+            <a:r>
+              <a:rPr lang="ko-KR" altLang="en-US" dirty="0"/>
+              <a:t>졸작</a:t>
+            </a:r>
+            <a:r>
+              <a:rPr lang="en-US" altLang="ko-KR" dirty="0"/>
+              <a:t>), </a:t>
+            </a:r>
+            <a:endParaRPr lang="ko-KR" altLang="en-US" dirty="0"/>
+          </a:p>
+        </p:txBody>
+      </p:sp>
+      <p:sp>
+        <p:nvSpPr>
+          <p:cNvPr id="3" name="내용 개체 틀 2">
+            <a:extLst>
+              <a:ext uri="{FF2B5EF4-FFF2-40B4-BE49-F238E27FC236}">
+                <a16:creationId xmlns:a16="http://schemas.microsoft.com/office/drawing/2014/main" id="{3CF09D05-E326-45EC-8897-E4F03F203155}"/>
+              </a:ext>
+            </a:extLst>
+          </p:cNvPr>
+          <p:cNvSpPr>
+            <a:spLocks noGrp="1"/>
+          </p:cNvSpPr>
+          <p:nvPr>
+            <p:ph idx="1"/>
+          </p:nvPr>
+        </p:nvSpPr>
+        <p:spPr/>
+        <p:txBody>
+          <a:bodyPr/>
+          <a:lstStyle/>
+          <a:p>
+            <a:endParaRPr lang="ko-KR" altLang="en-US" dirty="0"/>
+          </a:p>
+        </p:txBody>
+      </p:sp>
+    </p:spTree>
+    <p:extLst>
+      <p:ext uri="{BB962C8B-B14F-4D97-AF65-F5344CB8AC3E}">
+        <p14:creationId xmlns:p14="http://schemas.microsoft.com/office/powerpoint/2010/main" val="2137540297"/>
+      </p:ext>
+    </p:extLst>
+  </p:cSld>
+  <p:clrMapOvr>
+    <a:masterClrMapping/>
+  </p:clrMapOvr>
+</p:sld>
+</file>
+
+<file path=ppt/slides/slide20.xml><?xml version="1.0" encoding="utf-8"?>
+<p:sld xmlns:a="http://schemas.openxmlformats.org/drawingml/2006/main" xmlns:r="http://schemas.openxmlformats.org/officeDocument/2006/relationships" xmlns:p="http://schemas.openxmlformats.org/presentationml/2006/main">
+  <p:cSld>
+    <p:spTree>
+      <p:nvGrpSpPr>
+        <p:cNvPr id="1" name=""/>
+        <p:cNvGrpSpPr/>
+        <p:nvPr/>
+      </p:nvGrpSpPr>
+      <p:grpSpPr>
+        <a:xfrm>
+          <a:off x="0" y="0"/>
+          <a:ext cx="0" cy="0"/>
+          <a:chOff x="0" y="0"/>
+          <a:chExt cx="0" cy="0"/>
+        </a:xfrm>
+      </p:grpSpPr>
+      <p:sp>
+        <p:nvSpPr>
+          <p:cNvPr id="2" name="제목 1">
+            <a:extLst>
+              <a:ext uri="{FF2B5EF4-FFF2-40B4-BE49-F238E27FC236}">
+                <a16:creationId xmlns:a16="http://schemas.microsoft.com/office/drawing/2014/main" id="{6E562689-915E-42F3-9663-E3E22D578985}"/>
+              </a:ext>
+            </a:extLst>
+          </p:cNvPr>
+          <p:cNvSpPr>
+            <a:spLocks noGrp="1"/>
+          </p:cNvSpPr>
+          <p:nvPr>
+            <p:ph type="title"/>
+          </p:nvPr>
+        </p:nvSpPr>
+        <p:spPr/>
+        <p:txBody>
+          <a:bodyPr/>
+          <a:lstStyle/>
+          <a:p>
+            <a:r>
+              <a:rPr lang="en-US" altLang="ko-KR" dirty="0"/>
+              <a:t>Python (</a:t>
+            </a:r>
+            <a:r>
+              <a:rPr lang="ko-KR" altLang="en-US" dirty="0" err="1"/>
+              <a:t>드래곤플라이트</a:t>
+            </a:r>
+            <a:r>
+              <a:rPr lang="en-US" altLang="ko-KR" dirty="0"/>
+              <a:t>)</a:t>
+            </a:r>
+            <a:endParaRPr lang="ko-KR" altLang="en-US" dirty="0"/>
+          </a:p>
+        </p:txBody>
+      </p:sp>
+      <p:sp>
+        <p:nvSpPr>
+          <p:cNvPr id="3" name="내용 개체 틀 2">
+            <a:extLst>
+              <a:ext uri="{FF2B5EF4-FFF2-40B4-BE49-F238E27FC236}">
+                <a16:creationId xmlns:a16="http://schemas.microsoft.com/office/drawing/2014/main" id="{E4BB1253-4D5A-4DF5-81F7-9E01F0770CD4}"/>
+              </a:ext>
+            </a:extLst>
+          </p:cNvPr>
+          <p:cNvSpPr>
+            <a:spLocks noGrp="1"/>
+          </p:cNvSpPr>
+          <p:nvPr>
+            <p:ph idx="1"/>
+          </p:nvPr>
+        </p:nvSpPr>
+        <p:spPr/>
+        <p:txBody>
+          <a:bodyPr/>
+          <a:lstStyle/>
+          <a:p>
+            <a:pPr marL="0" indent="0">
+              <a:buNone/>
+            </a:pPr>
+            <a:r>
+              <a:rPr lang="ko-KR" altLang="en-US" dirty="0"/>
+              <a:t>무한 난이도</a:t>
+            </a:r>
+            <a:endParaRPr lang="en-US" altLang="ko-KR" dirty="0"/>
+          </a:p>
+          <a:p>
+            <a:pPr marL="0" indent="0">
+              <a:buNone/>
+            </a:pPr>
+            <a:endParaRPr lang="ko-KR" altLang="en-US" dirty="0"/>
+          </a:p>
+        </p:txBody>
+      </p:sp>
+    </p:spTree>
+    <p:extLst>
+      <p:ext uri="{BB962C8B-B14F-4D97-AF65-F5344CB8AC3E}">
+        <p14:creationId xmlns:p14="http://schemas.microsoft.com/office/powerpoint/2010/main" val="3431819206"/>
+      </p:ext>
+    </p:extLst>
+  </p:cSld>
+  <p:clrMapOvr>
+    <a:masterClrMapping/>
+  </p:clrMapOvr>
+</p:sld>
+</file>
+
+<file path=ppt/slides/slide21.xml><?xml version="1.0" encoding="utf-8"?>
+<p:sld xmlns:a="http://schemas.openxmlformats.org/drawingml/2006/main" xmlns:r="http://schemas.openxmlformats.org/officeDocument/2006/relationships" xmlns:p="http://schemas.openxmlformats.org/presentationml/2006/main">
+  <p:cSld>
+    <p:spTree>
+      <p:nvGrpSpPr>
+        <p:cNvPr id="1" name=""/>
+        <p:cNvGrpSpPr/>
+        <p:nvPr/>
+      </p:nvGrpSpPr>
+      <p:grpSpPr>
+        <a:xfrm>
+          <a:off x="0" y="0"/>
+          <a:ext cx="0" cy="0"/>
+          <a:chOff x="0" y="0"/>
+          <a:chExt cx="0" cy="0"/>
+        </a:xfrm>
+      </p:grpSpPr>
+      <p:sp>
+        <p:nvSpPr>
+          <p:cNvPr id="2" name="제목 1">
+            <a:extLst>
+              <a:ext uri="{FF2B5EF4-FFF2-40B4-BE49-F238E27FC236}">
+                <a16:creationId xmlns:a16="http://schemas.microsoft.com/office/drawing/2014/main" id="{8233187A-988F-49FD-8DFF-53DF7926BF73}"/>
+              </a:ext>
+            </a:extLst>
+          </p:cNvPr>
+          <p:cNvSpPr>
+            <a:spLocks noGrp="1"/>
+          </p:cNvSpPr>
+          <p:nvPr>
+            <p:ph type="title"/>
+          </p:nvPr>
+        </p:nvSpPr>
+        <p:spPr/>
+        <p:txBody>
+          <a:bodyPr/>
+          <a:lstStyle/>
+          <a:p>
+            <a:r>
+              <a:rPr lang="en-US" altLang="ko-KR" dirty="0"/>
+              <a:t>Direct2D (</a:t>
+            </a:r>
+            <a:r>
+              <a:rPr lang="ko-KR" altLang="en-US" dirty="0" err="1"/>
+              <a:t>테일즈위버</a:t>
+            </a:r>
+            <a:r>
+              <a:rPr lang="en-US" altLang="ko-KR" dirty="0"/>
+              <a:t>)</a:t>
+            </a:r>
+            <a:endParaRPr lang="ko-KR" altLang="en-US" dirty="0"/>
+          </a:p>
+        </p:txBody>
+      </p:sp>
+      <p:sp>
+        <p:nvSpPr>
+          <p:cNvPr id="3" name="내용 개체 틀 2">
+            <a:extLst>
+              <a:ext uri="{FF2B5EF4-FFF2-40B4-BE49-F238E27FC236}">
+                <a16:creationId xmlns:a16="http://schemas.microsoft.com/office/drawing/2014/main" id="{AE2114B0-1709-4E49-9AE9-1231C024167E}"/>
+              </a:ext>
+            </a:extLst>
+          </p:cNvPr>
+          <p:cNvSpPr>
+            <a:spLocks noGrp="1"/>
+          </p:cNvSpPr>
+          <p:nvPr>
+            <p:ph idx="1"/>
+          </p:nvPr>
+        </p:nvSpPr>
+        <p:spPr/>
+        <p:txBody>
+          <a:bodyPr/>
+          <a:lstStyle/>
+          <a:p>
+            <a:pPr marL="0" indent="0">
+              <a:buNone/>
+            </a:pPr>
+            <a:r>
+              <a:rPr lang="en-US" altLang="ko-KR" dirty="0"/>
+              <a:t>A* </a:t>
+            </a:r>
+            <a:r>
+              <a:rPr lang="ko-KR" altLang="en-US" dirty="0"/>
+              <a:t>구현</a:t>
+            </a:r>
+            <a:endParaRPr lang="en-US" altLang="ko-KR" dirty="0"/>
+          </a:p>
+          <a:p>
+            <a:pPr marL="0" indent="0">
+              <a:buNone/>
+            </a:pPr>
+            <a:r>
+              <a:rPr lang="ko-KR" altLang="en-US" dirty="0"/>
+              <a:t>툴 기능 구현</a:t>
+            </a:r>
+            <a:endParaRPr lang="en-US" altLang="ko-KR" dirty="0"/>
+          </a:p>
+          <a:p>
+            <a:pPr marL="0" indent="0">
+              <a:buNone/>
+            </a:pPr>
+            <a:r>
+              <a:rPr lang="ko-KR" altLang="en-US" dirty="0" err="1"/>
+              <a:t>알파블렌딩</a:t>
+            </a:r>
+            <a:endParaRPr lang="en-US" altLang="ko-KR" dirty="0"/>
+          </a:p>
+          <a:p>
+            <a:pPr marL="0" indent="0">
+              <a:buNone/>
+            </a:pPr>
+            <a:r>
+              <a:rPr lang="ko-KR" altLang="en-US" dirty="0"/>
+              <a:t>카메라 </a:t>
+            </a:r>
+            <a:r>
+              <a:rPr lang="ko-KR" altLang="en-US" dirty="0" err="1"/>
+              <a:t>쉐이킹</a:t>
+            </a:r>
+            <a:endParaRPr lang="ko-KR" altLang="en-US" dirty="0"/>
+          </a:p>
+        </p:txBody>
+      </p:sp>
+    </p:spTree>
+    <p:extLst>
+      <p:ext uri="{BB962C8B-B14F-4D97-AF65-F5344CB8AC3E}">
+        <p14:creationId xmlns:p14="http://schemas.microsoft.com/office/powerpoint/2010/main" val="3174136959"/>
+      </p:ext>
+    </p:extLst>
+  </p:cSld>
+  <p:clrMapOvr>
+    <a:masterClrMapping/>
+  </p:clrMapOvr>
+</p:sld>
+</file>
+
+<file path=ppt/slides/slide22.xml><?xml version="1.0" encoding="utf-8"?>
+<p:sld xmlns:a="http://schemas.openxmlformats.org/drawingml/2006/main" xmlns:r="http://schemas.openxmlformats.org/officeDocument/2006/relationships" xmlns:p="http://schemas.openxmlformats.org/presentationml/2006/main">
+  <p:cSld>
+    <p:spTree>
+      <p:nvGrpSpPr>
+        <p:cNvPr id="1" name=""/>
+        <p:cNvGrpSpPr/>
+        <p:nvPr/>
+      </p:nvGrpSpPr>
+      <p:grpSpPr>
+        <a:xfrm>
+          <a:off x="0" y="0"/>
+          <a:ext cx="0" cy="0"/>
+          <a:chOff x="0" y="0"/>
+          <a:chExt cx="0" cy="0"/>
+        </a:xfrm>
+      </p:grpSpPr>
+      <p:sp>
+        <p:nvSpPr>
+          <p:cNvPr id="2" name="제목 1">
+            <a:extLst>
+              <a:ext uri="{FF2B5EF4-FFF2-40B4-BE49-F238E27FC236}">
+                <a16:creationId xmlns:a16="http://schemas.microsoft.com/office/drawing/2014/main" id="{7CED29D0-F6A0-4646-B815-6D5605FD535C}"/>
+              </a:ext>
+            </a:extLst>
+          </p:cNvPr>
+          <p:cNvSpPr>
+            <a:spLocks noGrp="1"/>
+          </p:cNvSpPr>
+          <p:nvPr>
+            <p:ph type="title"/>
+          </p:nvPr>
+        </p:nvSpPr>
+        <p:spPr/>
+        <p:txBody>
+          <a:bodyPr/>
+          <a:lstStyle/>
+          <a:p>
+            <a:r>
+              <a:rPr lang="en-US" altLang="ko-KR" dirty="0"/>
+              <a:t>Direct3D(</a:t>
+            </a:r>
+            <a:r>
+              <a:rPr lang="ko-KR" altLang="en-US" dirty="0" err="1"/>
+              <a:t>둠펜슈타인</a:t>
+            </a:r>
+            <a:r>
+              <a:rPr lang="en-US" altLang="ko-KR" dirty="0"/>
+              <a:t>)</a:t>
+            </a:r>
+            <a:endParaRPr lang="ko-KR" altLang="en-US" dirty="0"/>
+          </a:p>
+        </p:txBody>
+      </p:sp>
+      <p:sp>
+        <p:nvSpPr>
+          <p:cNvPr id="3" name="내용 개체 틀 2">
+            <a:extLst>
+              <a:ext uri="{FF2B5EF4-FFF2-40B4-BE49-F238E27FC236}">
+                <a16:creationId xmlns:a16="http://schemas.microsoft.com/office/drawing/2014/main" id="{8C54C83E-8BAA-42D2-9D29-0607A923399F}"/>
+              </a:ext>
+            </a:extLst>
+          </p:cNvPr>
+          <p:cNvSpPr>
+            <a:spLocks noGrp="1"/>
+          </p:cNvSpPr>
+          <p:nvPr>
+            <p:ph idx="1"/>
+          </p:nvPr>
+        </p:nvSpPr>
+        <p:spPr/>
+        <p:txBody>
+          <a:bodyPr/>
+          <a:lstStyle/>
+          <a:p>
+            <a:pPr marL="0" indent="0">
+              <a:buNone/>
+            </a:pPr>
+            <a:r>
+              <a:rPr lang="ko-KR" altLang="en-US" dirty="0"/>
+              <a:t>맵 툴</a:t>
+            </a:r>
+            <a:endParaRPr lang="en-US" altLang="ko-KR" dirty="0"/>
+          </a:p>
+          <a:p>
+            <a:pPr marL="0" indent="0">
+              <a:buNone/>
+            </a:pPr>
+            <a:endParaRPr lang="ko-KR" altLang="en-US" dirty="0"/>
+          </a:p>
+        </p:txBody>
+      </p:sp>
+    </p:spTree>
+    <p:extLst>
+      <p:ext uri="{BB962C8B-B14F-4D97-AF65-F5344CB8AC3E}">
+        <p14:creationId xmlns:p14="http://schemas.microsoft.com/office/powerpoint/2010/main" val="1113000880"/>
+      </p:ext>
+    </p:extLst>
+  </p:cSld>
+  <p:clrMapOvr>
+    <a:masterClrMapping/>
+  </p:clrMapOvr>
+</p:sld>
+</file>
+
+<file path=ppt/slides/slide23.xml><?xml version="1.0" encoding="utf-8"?>
+<p:sld xmlns:a="http://schemas.openxmlformats.org/drawingml/2006/main" xmlns:r="http://schemas.openxmlformats.org/officeDocument/2006/relationships" xmlns:p="http://schemas.openxmlformats.org/presentationml/2006/main">
+  <p:cSld>
+    <p:spTree>
+      <p:nvGrpSpPr>
+        <p:cNvPr id="1" name=""/>
+        <p:cNvGrpSpPr/>
+        <p:nvPr/>
+      </p:nvGrpSpPr>
+      <p:grpSpPr>
+        <a:xfrm>
+          <a:off x="0" y="0"/>
+          <a:ext cx="0" cy="0"/>
+          <a:chOff x="0" y="0"/>
+          <a:chExt cx="0" cy="0"/>
+        </a:xfrm>
+      </p:grpSpPr>
+      <p:sp>
+        <p:nvSpPr>
+          <p:cNvPr id="2" name="제목 1">
+            <a:extLst>
+              <a:ext uri="{FF2B5EF4-FFF2-40B4-BE49-F238E27FC236}">
+                <a16:creationId xmlns:a16="http://schemas.microsoft.com/office/drawing/2014/main" id="{46A8E3EC-121F-4D05-A685-197F868599BE}"/>
+              </a:ext>
+            </a:extLst>
+          </p:cNvPr>
+          <p:cNvSpPr>
+            <a:spLocks noGrp="1"/>
+          </p:cNvSpPr>
+          <p:nvPr>
+            <p:ph type="title"/>
+          </p:nvPr>
+        </p:nvSpPr>
+        <p:spPr/>
+        <p:txBody>
+          <a:bodyPr/>
+          <a:lstStyle/>
+          <a:p>
+            <a:r>
+              <a:rPr lang="en-US" altLang="ko-KR" dirty="0"/>
+              <a:t>Direct3D(</a:t>
+            </a:r>
+            <a:r>
+              <a:rPr lang="ko-KR" altLang="en-US" dirty="0" err="1"/>
+              <a:t>블랙스</a:t>
+            </a:r>
+            <a:r>
+              <a:rPr lang="en-US" altLang="ko-KR" dirty="0"/>
+              <a:t>)</a:t>
+            </a:r>
+            <a:endParaRPr lang="ko-KR" altLang="en-US" dirty="0"/>
+          </a:p>
+        </p:txBody>
+      </p:sp>
+      <p:sp>
+        <p:nvSpPr>
+          <p:cNvPr id="3" name="내용 개체 틀 2">
+            <a:extLst>
+              <a:ext uri="{FF2B5EF4-FFF2-40B4-BE49-F238E27FC236}">
+                <a16:creationId xmlns:a16="http://schemas.microsoft.com/office/drawing/2014/main" id="{44104394-229D-455C-BB11-FFD60BF80858}"/>
+              </a:ext>
+            </a:extLst>
+          </p:cNvPr>
+          <p:cNvSpPr>
+            <a:spLocks noGrp="1"/>
+          </p:cNvSpPr>
+          <p:nvPr>
+            <p:ph idx="1"/>
+          </p:nvPr>
+        </p:nvSpPr>
+        <p:spPr/>
+        <p:txBody>
+          <a:bodyPr/>
+          <a:lstStyle/>
+          <a:p>
+            <a:pPr marL="0" indent="0">
+              <a:buNone/>
+            </a:pPr>
+            <a:r>
+              <a:rPr lang="ko-KR" altLang="en-US" dirty="0"/>
+              <a:t>퍼지 알고리즘</a:t>
+            </a:r>
+            <a:endParaRPr lang="en-US" altLang="ko-KR" dirty="0"/>
+          </a:p>
+          <a:p>
+            <a:pPr marL="0" indent="0">
+              <a:buNone/>
+            </a:pPr>
+            <a:r>
+              <a:rPr lang="ko-KR" altLang="en-US" dirty="0"/>
+              <a:t>이벤트 툴</a:t>
+            </a:r>
+            <a:endParaRPr lang="en-US" altLang="ko-KR" dirty="0"/>
+          </a:p>
+          <a:p>
+            <a:pPr marL="0" indent="0">
+              <a:buNone/>
+            </a:pPr>
+            <a:endParaRPr lang="ko-KR" altLang="en-US" dirty="0"/>
+          </a:p>
+        </p:txBody>
+      </p:sp>
+    </p:spTree>
+    <p:extLst>
+      <p:ext uri="{BB962C8B-B14F-4D97-AF65-F5344CB8AC3E}">
+        <p14:creationId xmlns:p14="http://schemas.microsoft.com/office/powerpoint/2010/main" val="3222820007"/>
+      </p:ext>
+    </p:extLst>
+  </p:cSld>
+  <p:clrMapOvr>
+    <a:masterClrMapping/>
+  </p:clrMapOvr>
+</p:sld>
+</file>
+
+<file path=ppt/slides/slide24.xml><?xml version="1.0" encoding="utf-8"?>
+<p:sld xmlns:a="http://schemas.openxmlformats.org/drawingml/2006/main" xmlns:r="http://schemas.openxmlformats.org/officeDocument/2006/relationships" xmlns:p="http://schemas.openxmlformats.org/presentationml/2006/main">
+  <p:cSld>
+    <p:spTree>
+      <p:nvGrpSpPr>
+        <p:cNvPr id="1" name=""/>
+        <p:cNvGrpSpPr/>
+        <p:nvPr/>
+      </p:nvGrpSpPr>
+      <p:grpSpPr>
+        <a:xfrm>
+          <a:off x="0" y="0"/>
+          <a:ext cx="0" cy="0"/>
+          <a:chOff x="0" y="0"/>
+          <a:chExt cx="0" cy="0"/>
+        </a:xfrm>
+      </p:grpSpPr>
+      <p:sp>
+        <p:nvSpPr>
+          <p:cNvPr id="2" name="제목 1">
+            <a:extLst>
+              <a:ext uri="{FF2B5EF4-FFF2-40B4-BE49-F238E27FC236}">
+                <a16:creationId xmlns:a16="http://schemas.microsoft.com/office/drawing/2014/main" id="{BD55A865-4D9E-419B-9DF1-7F1EB185F371}"/>
+              </a:ext>
+            </a:extLst>
+          </p:cNvPr>
+          <p:cNvSpPr>
+            <a:spLocks noGrp="1"/>
+          </p:cNvSpPr>
+          <p:nvPr>
+            <p:ph type="title"/>
+          </p:nvPr>
+        </p:nvSpPr>
+        <p:spPr/>
+        <p:txBody>
+          <a:bodyPr/>
+          <a:lstStyle/>
+          <a:p>
+            <a:r>
+              <a:rPr lang="en-US" altLang="ko-KR" dirty="0"/>
+              <a:t>Direct3D(</a:t>
+            </a:r>
+            <a:r>
+              <a:rPr lang="ko-KR" altLang="en-US" dirty="0"/>
+              <a:t>졸작</a:t>
+            </a:r>
+            <a:r>
+              <a:rPr lang="en-US" altLang="ko-KR" dirty="0"/>
+              <a:t>, </a:t>
+            </a:r>
+            <a:r>
+              <a:rPr lang="ko-KR" altLang="en-US" dirty="0"/>
+              <a:t>몬스터의 숲</a:t>
+            </a:r>
+            <a:r>
+              <a:rPr lang="en-US" altLang="ko-KR" dirty="0"/>
+              <a:t>)</a:t>
+            </a:r>
+            <a:endParaRPr lang="ko-KR" altLang="en-US" dirty="0"/>
+          </a:p>
+        </p:txBody>
+      </p:sp>
+      <p:sp>
+        <p:nvSpPr>
+          <p:cNvPr id="3" name="내용 개체 틀 2">
+            <a:extLst>
+              <a:ext uri="{FF2B5EF4-FFF2-40B4-BE49-F238E27FC236}">
+                <a16:creationId xmlns:a16="http://schemas.microsoft.com/office/drawing/2014/main" id="{601CC4AB-881B-402A-8FE3-2F342A7F3F15}"/>
+              </a:ext>
+            </a:extLst>
+          </p:cNvPr>
+          <p:cNvSpPr>
+            <a:spLocks noGrp="1"/>
+          </p:cNvSpPr>
+          <p:nvPr>
+            <p:ph idx="1"/>
+          </p:nvPr>
+        </p:nvSpPr>
+        <p:spPr/>
+        <p:txBody>
+          <a:bodyPr/>
+          <a:lstStyle/>
+          <a:p>
+            <a:pPr marL="0" indent="0">
+              <a:buNone/>
+            </a:pPr>
+            <a:r>
+              <a:rPr lang="ko-KR" altLang="en-US" dirty="0"/>
+              <a:t>환경 툴</a:t>
+            </a:r>
+            <a:r>
+              <a:rPr lang="en-US" altLang="ko-KR" dirty="0"/>
+              <a:t>, </a:t>
+            </a:r>
+            <a:r>
+              <a:rPr lang="ko-KR" altLang="en-US" dirty="0"/>
+              <a:t>이펙트 툴</a:t>
+            </a:r>
+            <a:r>
+              <a:rPr lang="en-US" altLang="ko-KR" dirty="0"/>
+              <a:t>, </a:t>
+            </a:r>
+            <a:r>
+              <a:rPr lang="ko-KR" altLang="en-US" dirty="0"/>
+              <a:t>애니메이션 툴</a:t>
+            </a:r>
+            <a:r>
+              <a:rPr lang="en-US" altLang="ko-KR" dirty="0"/>
+              <a:t>, </a:t>
+            </a:r>
+            <a:r>
+              <a:rPr lang="ko-KR" altLang="en-US" dirty="0"/>
+              <a:t>그림자</a:t>
+            </a:r>
+          </a:p>
+        </p:txBody>
+      </p:sp>
+    </p:spTree>
+    <p:extLst>
+      <p:ext uri="{BB962C8B-B14F-4D97-AF65-F5344CB8AC3E}">
+        <p14:creationId xmlns:p14="http://schemas.microsoft.com/office/powerpoint/2010/main" val="1995740961"/>
+      </p:ext>
+    </p:extLst>
+  </p:cSld>
+  <p:clrMapOvr>
+    <a:masterClrMapping/>
+  </p:clrMapOvr>
+</p:sld>
+</file>
+
+<file path=ppt/slides/slide3.xml><?xml version="1.0" encoding="utf-8"?>
+<p:sld xmlns:a="http://schemas.openxmlformats.org/drawingml/2006/main" xmlns:r="http://schemas.openxmlformats.org/officeDocument/2006/relationships" xmlns:p="http://schemas.openxmlformats.org/presentationml/2006/main">
+  <p:cSld>
+    <p:spTree>
+      <p:nvGrpSpPr>
+        <p:cNvPr id="1" name=""/>
+        <p:cNvGrpSpPr/>
+        <p:nvPr/>
+      </p:nvGrpSpPr>
+      <p:grpSpPr>
+        <a:xfrm>
+          <a:off x="0" y="0"/>
+          <a:ext cx="0" cy="0"/>
+          <a:chOff x="0" y="0"/>
+          <a:chExt cx="0" cy="0"/>
+        </a:xfrm>
+      </p:grpSpPr>
+      <p:sp>
+        <p:nvSpPr>
+          <p:cNvPr id="2" name="제목 1">
+            <a:extLst>
+              <a:ext uri="{FF2B5EF4-FFF2-40B4-BE49-F238E27FC236}">
                 <a16:creationId xmlns:a16="http://schemas.microsoft.com/office/drawing/2014/main" id="{7C763E41-4B24-4819-B31F-37E8636E20B3}"/>
               </a:ext>
             </a:extLst>
@@ -3451,16 +6322,8 @@
           <a:lstStyle/>
           <a:p>
             <a:r>
-              <a:rPr lang="en-US" altLang="ko-KR"/>
-              <a:t>API(Metal</a:t>
-            </a:r>
-            <a:r>
-              <a:rPr lang="ko-KR" altLang="en-US"/>
-              <a:t> </a:t>
-            </a:r>
-            <a:r>
-              <a:rPr lang="en-US" altLang="ko-KR"/>
-              <a:t>Slug)</a:t>
+              <a:rPr lang="en-US" altLang="ko-KR" dirty="0"/>
+              <a:t>Console(Tetris)</a:t>
             </a:r>
             <a:endParaRPr lang="ko-KR" altLang="en-US" dirty="0"/>
           </a:p>
@@ -3485,12 +6348,12 @@
         <p:spPr>
           <a:xfrm>
             <a:off x="838200" y="1791665"/>
-            <a:ext cx="5764509" cy="1325563"/>
+            <a:ext cx="5764509" cy="1498191"/>
           </a:xfrm>
         </p:spPr>
         <p:txBody>
           <a:bodyPr>
-            <a:normAutofit fontScale="92500"/>
+            <a:normAutofit/>
           </a:bodyPr>
           <a:lstStyle/>
           <a:p>
@@ -3499,12 +6362,17 @@
             </a:pPr>
             <a:r>
               <a:rPr lang="ko-KR" altLang="en-US" sz="2400" dirty="0"/>
-              <a:t>메탈슬러그 모작</a:t>
-            </a:r>
-            <a:r>
-              <a:rPr lang="en-US" altLang="ko-KR" sz="2400" dirty="0"/>
-              <a:t>.</a:t>
-            </a:r>
+              <a:t>기존의 </a:t>
+            </a:r>
+            <a:r>
+              <a:rPr lang="ko-KR" altLang="en-US" sz="2400" dirty="0" err="1"/>
+              <a:t>테트리스</a:t>
+            </a:r>
+            <a:r>
+              <a:rPr lang="ko-KR" altLang="en-US" sz="2400" dirty="0"/>
+              <a:t> 게임</a:t>
+            </a:r>
+            <a:endParaRPr lang="en-US" altLang="ko-KR" sz="2400" dirty="0"/>
           </a:p>
           <a:p>
             <a:pPr marL="0" indent="0">
@@ -3512,7 +6380,7 @@
             </a:pPr>
             <a:r>
               <a:rPr lang="ko-KR" altLang="en-US" sz="2400" dirty="0"/>
-              <a:t>각종 아이템과 탈것을 이용하여 직접 배치한 적들을 격파하며 미션을 클리어 하자</a:t>
+              <a:t>남들이 세운 최고 점수를 갱신하라</a:t>
             </a:r>
             <a:r>
               <a:rPr lang="en-US" altLang="ko-KR" sz="2400" dirty="0"/>
@@ -3523,16 +6391,47 @@
             <a:pPr marL="0" indent="0">
               <a:buNone/>
             </a:pPr>
-            <a:endParaRPr lang="en-US" altLang="ko-KR" sz="2400" dirty="0"/>
-          </a:p>
-          <a:p>
-            <a:pPr marL="0" indent="0">
-              <a:buNone/>
-            </a:pPr>
-            <a:endParaRPr lang="en-US" altLang="ko-KR" sz="2400" dirty="0"/>
-          </a:p>
-        </p:txBody>
-      </p:sp>
+            <a:r>
+              <a:rPr lang="ko-KR" altLang="en-US" sz="2400" dirty="0"/>
+              <a:t>점수를 올릴수록 점점 빨라진다</a:t>
+            </a:r>
+            <a:r>
+              <a:rPr lang="en-US" altLang="ko-KR" sz="2400" dirty="0"/>
+              <a:t>!</a:t>
+            </a:r>
+          </a:p>
+        </p:txBody>
+      </p:sp>
+      <p:pic>
+        <p:nvPicPr>
+          <p:cNvPr id="7" name="그림 6">
+            <a:extLst>
+              <a:ext uri="{FF2B5EF4-FFF2-40B4-BE49-F238E27FC236}">
+                <a16:creationId xmlns:a16="http://schemas.microsoft.com/office/drawing/2014/main" id="{E30EF6C5-2D17-4ED1-BEC6-DBE3C87392F9}"/>
+              </a:ext>
+            </a:extLst>
+          </p:cNvPr>
+          <p:cNvPicPr>
+            <a:picLocks noChangeAspect="1"/>
+          </p:cNvPicPr>
+          <p:nvPr/>
+        </p:nvPicPr>
+        <p:blipFill>
+          <a:blip r:embed="rId2"/>
+          <a:stretch>
+            <a:fillRect/>
+          </a:stretch>
+        </p:blipFill>
+        <p:spPr>
+          <a:xfrm>
+            <a:off x="7053366" y="1759139"/>
+            <a:ext cx="4387541" cy="3797871"/>
+          </a:xfrm>
+          <a:prstGeom prst="rect">
+            <a:avLst/>
+          </a:prstGeom>
+        </p:spPr>
+      </p:pic>
       <p:sp>
         <p:nvSpPr>
           <p:cNvPr id="5" name="내용 개체 틀 2">
@@ -3549,8 +6448,8 @@
         </p:nvSpPr>
         <p:spPr>
           <a:xfrm>
-            <a:off x="664295" y="5316921"/>
-            <a:ext cx="7778477" cy="1587275"/>
+            <a:off x="838200" y="4807915"/>
+            <a:ext cx="6108701" cy="1498191"/>
           </a:xfrm>
           <a:prstGeom prst="rect">
             <a:avLst/>
@@ -3729,1335 +6628,47 @@
               <a:buNone/>
             </a:pPr>
             <a:r>
-              <a:rPr lang="ko-KR" altLang="en-US" sz="1800" dirty="0"/>
+              <a:rPr lang="ko-KR" altLang="en-US" sz="2000" dirty="0"/>
               <a:t>시연영상 </a:t>
             </a:r>
             <a:r>
-              <a:rPr lang="en-US" altLang="ko-KR" sz="1800" dirty="0"/>
+              <a:rPr lang="en-US" altLang="ko-KR" sz="2000" dirty="0"/>
               <a:t>: </a:t>
             </a:r>
             <a:r>
-              <a:rPr lang="en-US" altLang="ko-KR" sz="1800" dirty="0">
-                <a:hlinkClick r:id="rId2"/>
-              </a:rPr>
-              <a:t>https://www.youtube.com/watch?v=i1ZLxu472KA</a:t>
-            </a:r>
-            <a:endParaRPr lang="en-US" altLang="ko-KR" sz="1800" dirty="0"/>
-          </a:p>
-          <a:p>
-            <a:pPr marL="0" indent="0">
-              <a:buNone/>
-            </a:pPr>
-            <a:r>
-              <a:rPr lang="en-US" altLang="ko-KR" sz="1800" dirty="0" err="1"/>
-              <a:t>Github</a:t>
-            </a:r>
-            <a:r>
-              <a:rPr lang="en-US" altLang="ko-KR" sz="1800" dirty="0"/>
-              <a:t> : </a:t>
-            </a:r>
-            <a:r>
-              <a:rPr lang="en-US" altLang="ko-KR" sz="1800" dirty="0">
+              <a:rPr lang="en-US" altLang="ko-KR" sz="2000" dirty="0">
                 <a:hlinkClick r:id="rId3"/>
               </a:rPr>
-              <a:t>https://github.com/Beom-portfolio/MetalSlug</a:t>
-            </a:r>
-            <a:endParaRPr lang="en-US" altLang="ko-KR" sz="1800" dirty="0"/>
-          </a:p>
-        </p:txBody>
-      </p:sp>
-      <p:pic>
-        <p:nvPicPr>
-          <p:cNvPr id="4" name="그림 3">
-            <a:extLst>
-              <a:ext uri="{FF2B5EF4-FFF2-40B4-BE49-F238E27FC236}">
-                <a16:creationId xmlns:a16="http://schemas.microsoft.com/office/drawing/2014/main" id="{F1B42157-6E52-4FA4-846D-68911D2680AE}"/>
-              </a:ext>
-            </a:extLst>
-          </p:cNvPr>
-          <p:cNvPicPr>
-            <a:picLocks noChangeAspect="1"/>
-          </p:cNvPicPr>
-          <p:nvPr/>
-        </p:nvPicPr>
-        <p:blipFill>
-          <a:blip r:embed="rId4"/>
-          <a:stretch>
-            <a:fillRect/>
-          </a:stretch>
-        </p:blipFill>
-        <p:spPr>
-          <a:xfrm>
-            <a:off x="6722680" y="1269457"/>
-            <a:ext cx="4923297" cy="3695542"/>
-          </a:xfrm>
-          <a:prstGeom prst="rect">
-            <a:avLst/>
-          </a:prstGeom>
-        </p:spPr>
-      </p:pic>
+              <a:t>https://youtu.be/_46-5b1yheE</a:t>
+            </a:r>
+            <a:endParaRPr lang="en-US" altLang="ko-KR" sz="2000" dirty="0"/>
+          </a:p>
+          <a:p>
+            <a:pPr marL="0" indent="0">
+              <a:buNone/>
+            </a:pPr>
+            <a:r>
+              <a:rPr lang="en-US" altLang="ko-KR" sz="2000" dirty="0" err="1"/>
+              <a:t>Github</a:t>
+            </a:r>
+            <a:r>
+              <a:rPr lang="en-US" altLang="ko-KR" sz="2000" dirty="0"/>
+              <a:t> : </a:t>
+            </a:r>
+            <a:r>
+              <a:rPr lang="en-US" altLang="ko-KR" sz="2000" dirty="0">
+                <a:hlinkClick r:id="rId4"/>
+              </a:rPr>
+              <a:t>https://github.com/Beom-portfolio/Tetris</a:t>
+            </a:r>
+            <a:endParaRPr lang="en-US" altLang="ko-KR" sz="2000" dirty="0"/>
+          </a:p>
+        </p:txBody>
+      </p:sp>
     </p:spTree>
     <p:extLst>
       <p:ext uri="{BB962C8B-B14F-4D97-AF65-F5344CB8AC3E}">
-        <p14:creationId xmlns:p14="http://schemas.microsoft.com/office/powerpoint/2010/main" val="797990627"/>
-      </p:ext>
-    </p:extLst>
-  </p:cSld>
-  <p:clrMapOvr>
-    <a:masterClrMapping/>
-  </p:clrMapOvr>
-</p:sld>
-</file>
-
-<file path=ppt/slides/slide11.xml><?xml version="1.0" encoding="utf-8"?>
-<p:sld xmlns:a="http://schemas.openxmlformats.org/drawingml/2006/main" xmlns:r="http://schemas.openxmlformats.org/officeDocument/2006/relationships" xmlns:p="http://schemas.openxmlformats.org/presentationml/2006/main">
-  <p:cSld>
-    <p:spTree>
-      <p:nvGrpSpPr>
-        <p:cNvPr id="1" name=""/>
-        <p:cNvGrpSpPr/>
-        <p:nvPr/>
-      </p:nvGrpSpPr>
-      <p:grpSpPr>
-        <a:xfrm>
-          <a:off x="0" y="0"/>
-          <a:ext cx="0" cy="0"/>
-          <a:chOff x="0" y="0"/>
-          <a:chExt cx="0" cy="0"/>
-        </a:xfrm>
-      </p:grpSpPr>
-      <p:sp>
-        <p:nvSpPr>
-          <p:cNvPr id="2" name="제목 1">
-            <a:extLst>
-              <a:ext uri="{FF2B5EF4-FFF2-40B4-BE49-F238E27FC236}">
-                <a16:creationId xmlns:a16="http://schemas.microsoft.com/office/drawing/2014/main" id="{D7FF0E4D-41E3-43B1-9096-E5321ACC710F}"/>
-              </a:ext>
-            </a:extLst>
-          </p:cNvPr>
-          <p:cNvSpPr>
-            <a:spLocks noGrp="1"/>
-          </p:cNvSpPr>
-          <p:nvPr>
-            <p:ph type="title"/>
-          </p:nvPr>
-        </p:nvSpPr>
-        <p:spPr/>
-        <p:txBody>
-          <a:bodyPr/>
-          <a:lstStyle/>
-          <a:p>
-            <a:r>
-              <a:rPr lang="en-US" altLang="ko-KR" dirty="0"/>
-              <a:t>Metal Slug – </a:t>
-            </a:r>
-            <a:r>
-              <a:rPr lang="ko-KR" altLang="en-US" dirty="0"/>
-              <a:t>데이터 관리</a:t>
-            </a:r>
-          </a:p>
-        </p:txBody>
-      </p:sp>
-    </p:spTree>
-    <p:extLst>
-      <p:ext uri="{BB962C8B-B14F-4D97-AF65-F5344CB8AC3E}">
-        <p14:creationId xmlns:p14="http://schemas.microsoft.com/office/powerpoint/2010/main" val="3146214392"/>
-      </p:ext>
-    </p:extLst>
-  </p:cSld>
-  <p:clrMapOvr>
-    <a:masterClrMapping/>
-  </p:clrMapOvr>
-</p:sld>
-</file>
-
-<file path=ppt/slides/slide12.xml><?xml version="1.0" encoding="utf-8"?>
-<p:sld xmlns:a="http://schemas.openxmlformats.org/drawingml/2006/main" xmlns:r="http://schemas.openxmlformats.org/officeDocument/2006/relationships" xmlns:p="http://schemas.openxmlformats.org/presentationml/2006/main">
-  <p:cSld>
-    <p:spTree>
-      <p:nvGrpSpPr>
-        <p:cNvPr id="1" name=""/>
-        <p:cNvGrpSpPr/>
-        <p:nvPr/>
-      </p:nvGrpSpPr>
-      <p:grpSpPr>
-        <a:xfrm>
-          <a:off x="0" y="0"/>
-          <a:ext cx="0" cy="0"/>
-          <a:chOff x="0" y="0"/>
-          <a:chExt cx="0" cy="0"/>
-        </a:xfrm>
-      </p:grpSpPr>
-      <p:sp>
-        <p:nvSpPr>
-          <p:cNvPr id="2" name="제목 1">
-            <a:extLst>
-              <a:ext uri="{FF2B5EF4-FFF2-40B4-BE49-F238E27FC236}">
-                <a16:creationId xmlns:a16="http://schemas.microsoft.com/office/drawing/2014/main" id="{D7FF0E4D-41E3-43B1-9096-E5321ACC710F}"/>
-              </a:ext>
-            </a:extLst>
-          </p:cNvPr>
-          <p:cNvSpPr>
-            <a:spLocks noGrp="1"/>
-          </p:cNvSpPr>
-          <p:nvPr>
-            <p:ph type="title"/>
-          </p:nvPr>
-        </p:nvSpPr>
-        <p:spPr/>
-        <p:txBody>
-          <a:bodyPr/>
-          <a:lstStyle/>
-          <a:p>
-            <a:r>
-              <a:rPr lang="en-US" altLang="ko-KR" dirty="0"/>
-              <a:t>Metal Slug – </a:t>
-            </a:r>
-            <a:r>
-              <a:rPr lang="ko-KR" altLang="en-US" dirty="0"/>
-              <a:t>픽셀 충돌</a:t>
-            </a:r>
-          </a:p>
-        </p:txBody>
-      </p:sp>
-    </p:spTree>
-    <p:extLst>
-      <p:ext uri="{BB962C8B-B14F-4D97-AF65-F5344CB8AC3E}">
-        <p14:creationId xmlns:p14="http://schemas.microsoft.com/office/powerpoint/2010/main" val="353239264"/>
-      </p:ext>
-    </p:extLst>
-  </p:cSld>
-  <p:clrMapOvr>
-    <a:masterClrMapping/>
-  </p:clrMapOvr>
-</p:sld>
-</file>
-
-<file path=ppt/slides/slide13.xml><?xml version="1.0" encoding="utf-8"?>
-<p:sld xmlns:a="http://schemas.openxmlformats.org/drawingml/2006/main" xmlns:r="http://schemas.openxmlformats.org/officeDocument/2006/relationships" xmlns:p="http://schemas.openxmlformats.org/presentationml/2006/main">
-  <p:cSld>
-    <p:spTree>
-      <p:nvGrpSpPr>
-        <p:cNvPr id="1" name=""/>
-        <p:cNvGrpSpPr/>
-        <p:nvPr/>
-      </p:nvGrpSpPr>
-      <p:grpSpPr>
-        <a:xfrm>
-          <a:off x="0" y="0"/>
-          <a:ext cx="0" cy="0"/>
-          <a:chOff x="0" y="0"/>
-          <a:chExt cx="0" cy="0"/>
-        </a:xfrm>
-      </p:grpSpPr>
-      <p:sp>
-        <p:nvSpPr>
-          <p:cNvPr id="2" name="제목 1">
-            <a:extLst>
-              <a:ext uri="{FF2B5EF4-FFF2-40B4-BE49-F238E27FC236}">
-                <a16:creationId xmlns:a16="http://schemas.microsoft.com/office/drawing/2014/main" id="{D7FF0E4D-41E3-43B1-9096-E5321ACC710F}"/>
-              </a:ext>
-            </a:extLst>
-          </p:cNvPr>
-          <p:cNvSpPr>
-            <a:spLocks noGrp="1"/>
-          </p:cNvSpPr>
-          <p:nvPr>
-            <p:ph type="title"/>
-          </p:nvPr>
-        </p:nvSpPr>
-        <p:spPr/>
-        <p:txBody>
-          <a:bodyPr/>
-          <a:lstStyle/>
-          <a:p>
-            <a:r>
-              <a:rPr lang="en-US" altLang="ko-KR" dirty="0"/>
-              <a:t>Metal Slug – </a:t>
-            </a:r>
-            <a:r>
-              <a:rPr lang="ko-KR" altLang="en-US" dirty="0"/>
-              <a:t>상태 패턴</a:t>
-            </a:r>
-          </a:p>
-        </p:txBody>
-      </p:sp>
-    </p:spTree>
-    <p:extLst>
-      <p:ext uri="{BB962C8B-B14F-4D97-AF65-F5344CB8AC3E}">
-        <p14:creationId xmlns:p14="http://schemas.microsoft.com/office/powerpoint/2010/main" val="1019015699"/>
-      </p:ext>
-    </p:extLst>
-  </p:cSld>
-  <p:clrMapOvr>
-    <a:masterClrMapping/>
-  </p:clrMapOvr>
-</p:sld>
-</file>
-
-<file path=ppt/slides/slide14.xml><?xml version="1.0" encoding="utf-8"?>
-<p:sld xmlns:a="http://schemas.openxmlformats.org/drawingml/2006/main" xmlns:r="http://schemas.openxmlformats.org/officeDocument/2006/relationships" xmlns:p="http://schemas.openxmlformats.org/presentationml/2006/main">
-  <p:cSld>
-    <p:spTree>
-      <p:nvGrpSpPr>
-        <p:cNvPr id="1" name=""/>
-        <p:cNvGrpSpPr/>
-        <p:nvPr/>
-      </p:nvGrpSpPr>
-      <p:grpSpPr>
-        <a:xfrm>
-          <a:off x="0" y="0"/>
-          <a:ext cx="0" cy="0"/>
-          <a:chOff x="0" y="0"/>
-          <a:chExt cx="0" cy="0"/>
-        </a:xfrm>
-      </p:grpSpPr>
-      <p:sp>
-        <p:nvSpPr>
-          <p:cNvPr id="2" name="제목 1">
-            <a:extLst>
-              <a:ext uri="{FF2B5EF4-FFF2-40B4-BE49-F238E27FC236}">
-                <a16:creationId xmlns:a16="http://schemas.microsoft.com/office/drawing/2014/main" id="{D7FF0E4D-41E3-43B1-9096-E5321ACC710F}"/>
-              </a:ext>
-            </a:extLst>
-          </p:cNvPr>
-          <p:cNvSpPr>
-            <a:spLocks noGrp="1"/>
-          </p:cNvSpPr>
-          <p:nvPr>
-            <p:ph type="title"/>
-          </p:nvPr>
-        </p:nvSpPr>
-        <p:spPr/>
-        <p:txBody>
-          <a:bodyPr/>
-          <a:lstStyle/>
-          <a:p>
-            <a:r>
-              <a:rPr lang="en-US" altLang="ko-KR" dirty="0"/>
-              <a:t>Metal Slug – </a:t>
-            </a:r>
-            <a:r>
-              <a:rPr lang="ko-KR" altLang="en-US" dirty="0" err="1"/>
-              <a:t>툴기능</a:t>
-            </a:r>
-            <a:endParaRPr lang="ko-KR" altLang="en-US" dirty="0"/>
-          </a:p>
-        </p:txBody>
-      </p:sp>
-    </p:spTree>
-    <p:extLst>
-      <p:ext uri="{BB962C8B-B14F-4D97-AF65-F5344CB8AC3E}">
-        <p14:creationId xmlns:p14="http://schemas.microsoft.com/office/powerpoint/2010/main" val="809061423"/>
-      </p:ext>
-    </p:extLst>
-  </p:cSld>
-  <p:clrMapOvr>
-    <a:masterClrMapping/>
-  </p:clrMapOvr>
-</p:sld>
-</file>
-
-<file path=ppt/slides/slide15.xml><?xml version="1.0" encoding="utf-8"?>
-<p:sld xmlns:a="http://schemas.openxmlformats.org/drawingml/2006/main" xmlns:r="http://schemas.openxmlformats.org/officeDocument/2006/relationships" xmlns:p="http://schemas.openxmlformats.org/presentationml/2006/main">
-  <p:cSld>
-    <p:spTree>
-      <p:nvGrpSpPr>
-        <p:cNvPr id="1" name=""/>
-        <p:cNvGrpSpPr/>
-        <p:nvPr/>
-      </p:nvGrpSpPr>
-      <p:grpSpPr>
-        <a:xfrm>
-          <a:off x="0" y="0"/>
-          <a:ext cx="0" cy="0"/>
-          <a:chOff x="0" y="0"/>
-          <a:chExt cx="0" cy="0"/>
-        </a:xfrm>
-      </p:grpSpPr>
-      <p:sp>
-        <p:nvSpPr>
-          <p:cNvPr id="2" name="제목 1">
-            <a:extLst>
-              <a:ext uri="{FF2B5EF4-FFF2-40B4-BE49-F238E27FC236}">
-                <a16:creationId xmlns:a16="http://schemas.microsoft.com/office/drawing/2014/main" id="{D7FF0E4D-41E3-43B1-9096-E5321ACC710F}"/>
-              </a:ext>
-            </a:extLst>
-          </p:cNvPr>
-          <p:cNvSpPr>
-            <a:spLocks noGrp="1"/>
-          </p:cNvSpPr>
-          <p:nvPr>
-            <p:ph type="title"/>
-          </p:nvPr>
-        </p:nvSpPr>
-        <p:spPr/>
-        <p:txBody>
-          <a:bodyPr/>
-          <a:lstStyle/>
-          <a:p>
-            <a:r>
-              <a:rPr lang="en-US" altLang="ko-KR" dirty="0"/>
-              <a:t>Metal Slug – FMOD</a:t>
-            </a:r>
-            <a:endParaRPr lang="ko-KR" altLang="en-US" dirty="0"/>
-          </a:p>
-        </p:txBody>
-      </p:sp>
-    </p:spTree>
-    <p:extLst>
-      <p:ext uri="{BB962C8B-B14F-4D97-AF65-F5344CB8AC3E}">
-        <p14:creationId xmlns:p14="http://schemas.microsoft.com/office/powerpoint/2010/main" val="3129114872"/>
-      </p:ext>
-    </p:extLst>
-  </p:cSld>
-  <p:clrMapOvr>
-    <a:masterClrMapping/>
-  </p:clrMapOvr>
-</p:sld>
-</file>
-
-<file path=ppt/slides/slide16.xml><?xml version="1.0" encoding="utf-8"?>
-<p:sld xmlns:a="http://schemas.openxmlformats.org/drawingml/2006/main" xmlns:r="http://schemas.openxmlformats.org/officeDocument/2006/relationships" xmlns:p="http://schemas.openxmlformats.org/presentationml/2006/main">
-  <p:cSld>
-    <p:spTree>
-      <p:nvGrpSpPr>
-        <p:cNvPr id="1" name=""/>
-        <p:cNvGrpSpPr/>
-        <p:nvPr/>
-      </p:nvGrpSpPr>
-      <p:grpSpPr>
-        <a:xfrm>
-          <a:off x="0" y="0"/>
-          <a:ext cx="0" cy="0"/>
-          <a:chOff x="0" y="0"/>
-          <a:chExt cx="0" cy="0"/>
-        </a:xfrm>
-      </p:grpSpPr>
-      <p:sp>
-        <p:nvSpPr>
-          <p:cNvPr id="2" name="제목 1">
-            <a:extLst>
-              <a:ext uri="{FF2B5EF4-FFF2-40B4-BE49-F238E27FC236}">
-                <a16:creationId xmlns:a16="http://schemas.microsoft.com/office/drawing/2014/main" id="{DA854544-456A-4788-B894-753419486829}"/>
-              </a:ext>
-            </a:extLst>
-          </p:cNvPr>
-          <p:cNvSpPr>
-            <a:spLocks noGrp="1"/>
-          </p:cNvSpPr>
-          <p:nvPr>
-            <p:ph type="title"/>
-          </p:nvPr>
-        </p:nvSpPr>
-        <p:spPr/>
-        <p:txBody>
-          <a:bodyPr/>
-          <a:lstStyle/>
-          <a:p>
-            <a:r>
-              <a:rPr lang="en-US" altLang="ko-KR" dirty="0"/>
-              <a:t>API Network(Maple Story)</a:t>
-            </a:r>
-            <a:endParaRPr lang="ko-KR" altLang="en-US" dirty="0"/>
-          </a:p>
-        </p:txBody>
-      </p:sp>
-      <p:sp>
-        <p:nvSpPr>
-          <p:cNvPr id="3" name="내용 개체 틀 2">
-            <a:extLst>
-              <a:ext uri="{FF2B5EF4-FFF2-40B4-BE49-F238E27FC236}">
-                <a16:creationId xmlns:a16="http://schemas.microsoft.com/office/drawing/2014/main" id="{B2917A21-4247-4F26-A184-ECF9A366565D}"/>
-              </a:ext>
-            </a:extLst>
-          </p:cNvPr>
-          <p:cNvSpPr>
-            <a:spLocks noGrp="1"/>
-          </p:cNvSpPr>
-          <p:nvPr>
-            <p:ph idx="1"/>
-          </p:nvPr>
-        </p:nvSpPr>
-        <p:spPr/>
-        <p:txBody>
-          <a:bodyPr/>
-          <a:lstStyle/>
-          <a:p>
-            <a:pPr marL="0" indent="0">
-              <a:buNone/>
-            </a:pPr>
-            <a:r>
-              <a:rPr lang="en-US" altLang="ko-KR" dirty="0"/>
-              <a:t>IOCP</a:t>
-            </a:r>
-          </a:p>
-          <a:p>
-            <a:pPr marL="0" indent="0">
-              <a:buNone/>
-            </a:pPr>
-            <a:r>
-              <a:rPr lang="ko-KR" altLang="en-US" dirty="0"/>
-              <a:t>맵</a:t>
-            </a:r>
-            <a:r>
-              <a:rPr lang="en-US" altLang="ko-KR" dirty="0"/>
-              <a:t>, </a:t>
-            </a:r>
-            <a:r>
-              <a:rPr lang="ko-KR" altLang="en-US" dirty="0"/>
-              <a:t>몬스터</a:t>
-            </a:r>
-            <a:r>
-              <a:rPr lang="en-US" altLang="ko-KR" dirty="0"/>
-              <a:t>, </a:t>
-            </a:r>
-            <a:r>
-              <a:rPr lang="ko-KR" altLang="en-US" dirty="0"/>
-              <a:t>충돌 서버에서 처리</a:t>
-            </a:r>
-            <a:endParaRPr lang="en-US" altLang="ko-KR" dirty="0"/>
-          </a:p>
-          <a:p>
-            <a:pPr marL="0" indent="0">
-              <a:buNone/>
-            </a:pPr>
-            <a:r>
-              <a:rPr lang="ko-KR" altLang="en-US" dirty="0"/>
-              <a:t>채팅기능</a:t>
-            </a:r>
-            <a:r>
-              <a:rPr lang="en-US" altLang="ko-KR" dirty="0"/>
-              <a:t>,</a:t>
-            </a:r>
-            <a:r>
-              <a:rPr lang="ko-KR" altLang="en-US" dirty="0"/>
-              <a:t> 이동기능</a:t>
-            </a:r>
-            <a:endParaRPr lang="en-US" altLang="ko-KR" dirty="0"/>
-          </a:p>
-          <a:p>
-            <a:pPr marL="0" indent="0">
-              <a:buNone/>
-            </a:pPr>
-            <a:r>
-              <a:rPr lang="ko-KR" altLang="en-US" dirty="0" err="1"/>
-              <a:t>멀티쓰레드</a:t>
-            </a:r>
-            <a:r>
-              <a:rPr lang="ko-KR" altLang="en-US" dirty="0"/>
-              <a:t> 활용</a:t>
-            </a:r>
-            <a:endParaRPr lang="en-US" altLang="ko-KR" dirty="0"/>
-          </a:p>
-        </p:txBody>
-      </p:sp>
-    </p:spTree>
-    <p:extLst>
-      <p:ext uri="{BB962C8B-B14F-4D97-AF65-F5344CB8AC3E}">
-        <p14:creationId xmlns:p14="http://schemas.microsoft.com/office/powerpoint/2010/main" val="4246893595"/>
-      </p:ext>
-    </p:extLst>
-  </p:cSld>
-  <p:clrMapOvr>
-    <a:masterClrMapping/>
-  </p:clrMapOvr>
-</p:sld>
-</file>
-
-<file path=ppt/slides/slide17.xml><?xml version="1.0" encoding="utf-8"?>
-<p:sld xmlns:a="http://schemas.openxmlformats.org/drawingml/2006/main" xmlns:r="http://schemas.openxmlformats.org/officeDocument/2006/relationships" xmlns:p="http://schemas.openxmlformats.org/presentationml/2006/main">
-  <p:cSld>
-    <p:spTree>
-      <p:nvGrpSpPr>
-        <p:cNvPr id="1" name=""/>
-        <p:cNvGrpSpPr/>
-        <p:nvPr/>
-      </p:nvGrpSpPr>
-      <p:grpSpPr>
-        <a:xfrm>
-          <a:off x="0" y="0"/>
-          <a:ext cx="0" cy="0"/>
-          <a:chOff x="0" y="0"/>
-          <a:chExt cx="0" cy="0"/>
-        </a:xfrm>
-      </p:grpSpPr>
-      <p:sp>
-        <p:nvSpPr>
-          <p:cNvPr id="2" name="제목 1">
-            <a:extLst>
-              <a:ext uri="{FF2B5EF4-FFF2-40B4-BE49-F238E27FC236}">
-                <a16:creationId xmlns:a16="http://schemas.microsoft.com/office/drawing/2014/main" id="{6E562689-915E-42F3-9663-E3E22D578985}"/>
-              </a:ext>
-            </a:extLst>
-          </p:cNvPr>
-          <p:cNvSpPr>
-            <a:spLocks noGrp="1"/>
-          </p:cNvSpPr>
-          <p:nvPr>
-            <p:ph type="title"/>
-          </p:nvPr>
-        </p:nvSpPr>
-        <p:spPr/>
-        <p:txBody>
-          <a:bodyPr/>
-          <a:lstStyle/>
-          <a:p>
-            <a:r>
-              <a:rPr lang="en-US" altLang="ko-KR" dirty="0"/>
-              <a:t>Python (</a:t>
-            </a:r>
-            <a:r>
-              <a:rPr lang="ko-KR" altLang="en-US" dirty="0" err="1"/>
-              <a:t>드래곤플라이트</a:t>
-            </a:r>
-            <a:r>
-              <a:rPr lang="en-US" altLang="ko-KR" dirty="0"/>
-              <a:t>)</a:t>
-            </a:r>
-            <a:endParaRPr lang="ko-KR" altLang="en-US" dirty="0"/>
-          </a:p>
-        </p:txBody>
-      </p:sp>
-      <p:sp>
-        <p:nvSpPr>
-          <p:cNvPr id="3" name="내용 개체 틀 2">
-            <a:extLst>
-              <a:ext uri="{FF2B5EF4-FFF2-40B4-BE49-F238E27FC236}">
-                <a16:creationId xmlns:a16="http://schemas.microsoft.com/office/drawing/2014/main" id="{E4BB1253-4D5A-4DF5-81F7-9E01F0770CD4}"/>
-              </a:ext>
-            </a:extLst>
-          </p:cNvPr>
-          <p:cNvSpPr>
-            <a:spLocks noGrp="1"/>
-          </p:cNvSpPr>
-          <p:nvPr>
-            <p:ph idx="1"/>
-          </p:nvPr>
-        </p:nvSpPr>
-        <p:spPr/>
-        <p:txBody>
-          <a:bodyPr/>
-          <a:lstStyle/>
-          <a:p>
-            <a:pPr marL="0" indent="0">
-              <a:buNone/>
-            </a:pPr>
-            <a:r>
-              <a:rPr lang="ko-KR" altLang="en-US" dirty="0"/>
-              <a:t>무한 난이도</a:t>
-            </a:r>
-            <a:endParaRPr lang="en-US" altLang="ko-KR" dirty="0"/>
-          </a:p>
-          <a:p>
-            <a:pPr marL="0" indent="0">
-              <a:buNone/>
-            </a:pPr>
-            <a:endParaRPr lang="ko-KR" altLang="en-US" dirty="0"/>
-          </a:p>
-        </p:txBody>
-      </p:sp>
-    </p:spTree>
-    <p:extLst>
-      <p:ext uri="{BB962C8B-B14F-4D97-AF65-F5344CB8AC3E}">
-        <p14:creationId xmlns:p14="http://schemas.microsoft.com/office/powerpoint/2010/main" val="3431819206"/>
-      </p:ext>
-    </p:extLst>
-  </p:cSld>
-  <p:clrMapOvr>
-    <a:masterClrMapping/>
-  </p:clrMapOvr>
-</p:sld>
-</file>
-
-<file path=ppt/slides/slide18.xml><?xml version="1.0" encoding="utf-8"?>
-<p:sld xmlns:a="http://schemas.openxmlformats.org/drawingml/2006/main" xmlns:r="http://schemas.openxmlformats.org/officeDocument/2006/relationships" xmlns:p="http://schemas.openxmlformats.org/presentationml/2006/main">
-  <p:cSld>
-    <p:spTree>
-      <p:nvGrpSpPr>
-        <p:cNvPr id="1" name=""/>
-        <p:cNvGrpSpPr/>
-        <p:nvPr/>
-      </p:nvGrpSpPr>
-      <p:grpSpPr>
-        <a:xfrm>
-          <a:off x="0" y="0"/>
-          <a:ext cx="0" cy="0"/>
-          <a:chOff x="0" y="0"/>
-          <a:chExt cx="0" cy="0"/>
-        </a:xfrm>
-      </p:grpSpPr>
-      <p:sp>
-        <p:nvSpPr>
-          <p:cNvPr id="2" name="제목 1">
-            <a:extLst>
-              <a:ext uri="{FF2B5EF4-FFF2-40B4-BE49-F238E27FC236}">
-                <a16:creationId xmlns:a16="http://schemas.microsoft.com/office/drawing/2014/main" id="{8233187A-988F-49FD-8DFF-53DF7926BF73}"/>
-              </a:ext>
-            </a:extLst>
-          </p:cNvPr>
-          <p:cNvSpPr>
-            <a:spLocks noGrp="1"/>
-          </p:cNvSpPr>
-          <p:nvPr>
-            <p:ph type="title"/>
-          </p:nvPr>
-        </p:nvSpPr>
-        <p:spPr/>
-        <p:txBody>
-          <a:bodyPr/>
-          <a:lstStyle/>
-          <a:p>
-            <a:r>
-              <a:rPr lang="en-US" altLang="ko-KR" dirty="0"/>
-              <a:t>Direct2D (</a:t>
-            </a:r>
-            <a:r>
-              <a:rPr lang="ko-KR" altLang="en-US" dirty="0" err="1"/>
-              <a:t>테일즈위버</a:t>
-            </a:r>
-            <a:r>
-              <a:rPr lang="en-US" altLang="ko-KR" dirty="0"/>
-              <a:t>)</a:t>
-            </a:r>
-            <a:endParaRPr lang="ko-KR" altLang="en-US" dirty="0"/>
-          </a:p>
-        </p:txBody>
-      </p:sp>
-      <p:sp>
-        <p:nvSpPr>
-          <p:cNvPr id="3" name="내용 개체 틀 2">
-            <a:extLst>
-              <a:ext uri="{FF2B5EF4-FFF2-40B4-BE49-F238E27FC236}">
-                <a16:creationId xmlns:a16="http://schemas.microsoft.com/office/drawing/2014/main" id="{AE2114B0-1709-4E49-9AE9-1231C024167E}"/>
-              </a:ext>
-            </a:extLst>
-          </p:cNvPr>
-          <p:cNvSpPr>
-            <a:spLocks noGrp="1"/>
-          </p:cNvSpPr>
-          <p:nvPr>
-            <p:ph idx="1"/>
-          </p:nvPr>
-        </p:nvSpPr>
-        <p:spPr/>
-        <p:txBody>
-          <a:bodyPr/>
-          <a:lstStyle/>
-          <a:p>
-            <a:pPr marL="0" indent="0">
-              <a:buNone/>
-            </a:pPr>
-            <a:r>
-              <a:rPr lang="en-US" altLang="ko-KR" dirty="0"/>
-              <a:t>A* </a:t>
-            </a:r>
-            <a:r>
-              <a:rPr lang="ko-KR" altLang="en-US" dirty="0"/>
-              <a:t>구현</a:t>
-            </a:r>
-            <a:endParaRPr lang="en-US" altLang="ko-KR" dirty="0"/>
-          </a:p>
-          <a:p>
-            <a:pPr marL="0" indent="0">
-              <a:buNone/>
-            </a:pPr>
-            <a:r>
-              <a:rPr lang="ko-KR" altLang="en-US" dirty="0"/>
-              <a:t>툴 기능 구현</a:t>
-            </a:r>
-            <a:endParaRPr lang="en-US" altLang="ko-KR" dirty="0"/>
-          </a:p>
-          <a:p>
-            <a:pPr marL="0" indent="0">
-              <a:buNone/>
-            </a:pPr>
-            <a:r>
-              <a:rPr lang="ko-KR" altLang="en-US" dirty="0" err="1"/>
-              <a:t>알파블렌딩</a:t>
-            </a:r>
-            <a:endParaRPr lang="en-US" altLang="ko-KR" dirty="0"/>
-          </a:p>
-          <a:p>
-            <a:pPr marL="0" indent="0">
-              <a:buNone/>
-            </a:pPr>
-            <a:r>
-              <a:rPr lang="ko-KR" altLang="en-US" dirty="0"/>
-              <a:t>카메라 </a:t>
-            </a:r>
-            <a:r>
-              <a:rPr lang="ko-KR" altLang="en-US" dirty="0" err="1"/>
-              <a:t>쉐이킹</a:t>
-            </a:r>
-            <a:endParaRPr lang="ko-KR" altLang="en-US" dirty="0"/>
-          </a:p>
-        </p:txBody>
-      </p:sp>
-    </p:spTree>
-    <p:extLst>
-      <p:ext uri="{BB962C8B-B14F-4D97-AF65-F5344CB8AC3E}">
-        <p14:creationId xmlns:p14="http://schemas.microsoft.com/office/powerpoint/2010/main" val="3174136959"/>
-      </p:ext>
-    </p:extLst>
-  </p:cSld>
-  <p:clrMapOvr>
-    <a:masterClrMapping/>
-  </p:clrMapOvr>
-</p:sld>
-</file>
-
-<file path=ppt/slides/slide19.xml><?xml version="1.0" encoding="utf-8"?>
-<p:sld xmlns:a="http://schemas.openxmlformats.org/drawingml/2006/main" xmlns:r="http://schemas.openxmlformats.org/officeDocument/2006/relationships" xmlns:p="http://schemas.openxmlformats.org/presentationml/2006/main">
-  <p:cSld>
-    <p:spTree>
-      <p:nvGrpSpPr>
-        <p:cNvPr id="1" name=""/>
-        <p:cNvGrpSpPr/>
-        <p:nvPr/>
-      </p:nvGrpSpPr>
-      <p:grpSpPr>
-        <a:xfrm>
-          <a:off x="0" y="0"/>
-          <a:ext cx="0" cy="0"/>
-          <a:chOff x="0" y="0"/>
-          <a:chExt cx="0" cy="0"/>
-        </a:xfrm>
-      </p:grpSpPr>
-      <p:sp>
-        <p:nvSpPr>
-          <p:cNvPr id="2" name="제목 1">
-            <a:extLst>
-              <a:ext uri="{FF2B5EF4-FFF2-40B4-BE49-F238E27FC236}">
-                <a16:creationId xmlns:a16="http://schemas.microsoft.com/office/drawing/2014/main" id="{7CED29D0-F6A0-4646-B815-6D5605FD535C}"/>
-              </a:ext>
-            </a:extLst>
-          </p:cNvPr>
-          <p:cNvSpPr>
-            <a:spLocks noGrp="1"/>
-          </p:cNvSpPr>
-          <p:nvPr>
-            <p:ph type="title"/>
-          </p:nvPr>
-        </p:nvSpPr>
-        <p:spPr/>
-        <p:txBody>
-          <a:bodyPr/>
-          <a:lstStyle/>
-          <a:p>
-            <a:r>
-              <a:rPr lang="en-US" altLang="ko-KR" dirty="0"/>
-              <a:t>Direct3D(</a:t>
-            </a:r>
-            <a:r>
-              <a:rPr lang="ko-KR" altLang="en-US" dirty="0" err="1"/>
-              <a:t>둠펜슈타인</a:t>
-            </a:r>
-            <a:r>
-              <a:rPr lang="en-US" altLang="ko-KR" dirty="0"/>
-              <a:t>)</a:t>
-            </a:r>
-            <a:endParaRPr lang="ko-KR" altLang="en-US" dirty="0"/>
-          </a:p>
-        </p:txBody>
-      </p:sp>
-      <p:sp>
-        <p:nvSpPr>
-          <p:cNvPr id="3" name="내용 개체 틀 2">
-            <a:extLst>
-              <a:ext uri="{FF2B5EF4-FFF2-40B4-BE49-F238E27FC236}">
-                <a16:creationId xmlns:a16="http://schemas.microsoft.com/office/drawing/2014/main" id="{8C54C83E-8BAA-42D2-9D29-0607A923399F}"/>
-              </a:ext>
-            </a:extLst>
-          </p:cNvPr>
-          <p:cNvSpPr>
-            <a:spLocks noGrp="1"/>
-          </p:cNvSpPr>
-          <p:nvPr>
-            <p:ph idx="1"/>
-          </p:nvPr>
-        </p:nvSpPr>
-        <p:spPr/>
-        <p:txBody>
-          <a:bodyPr/>
-          <a:lstStyle/>
-          <a:p>
-            <a:pPr marL="0" indent="0">
-              <a:buNone/>
-            </a:pPr>
-            <a:r>
-              <a:rPr lang="ko-KR" altLang="en-US" dirty="0"/>
-              <a:t>맵 툴</a:t>
-            </a:r>
-            <a:endParaRPr lang="en-US" altLang="ko-KR" dirty="0"/>
-          </a:p>
-          <a:p>
-            <a:pPr marL="0" indent="0">
-              <a:buNone/>
-            </a:pPr>
-            <a:endParaRPr lang="ko-KR" altLang="en-US" dirty="0"/>
-          </a:p>
-        </p:txBody>
-      </p:sp>
-    </p:spTree>
-    <p:extLst>
-      <p:ext uri="{BB962C8B-B14F-4D97-AF65-F5344CB8AC3E}">
-        <p14:creationId xmlns:p14="http://schemas.microsoft.com/office/powerpoint/2010/main" val="1113000880"/>
-      </p:ext>
-    </p:extLst>
-  </p:cSld>
-  <p:clrMapOvr>
-    <a:masterClrMapping/>
-  </p:clrMapOvr>
-</p:sld>
-</file>
-
-<file path=ppt/slides/slide2.xml><?xml version="1.0" encoding="utf-8"?>
-<p:sld xmlns:a="http://schemas.openxmlformats.org/drawingml/2006/main" xmlns:r="http://schemas.openxmlformats.org/officeDocument/2006/relationships" xmlns:p="http://schemas.openxmlformats.org/presentationml/2006/main">
-  <p:cSld>
-    <p:spTree>
-      <p:nvGrpSpPr>
-        <p:cNvPr id="1" name=""/>
-        <p:cNvGrpSpPr/>
-        <p:nvPr/>
-      </p:nvGrpSpPr>
-      <p:grpSpPr>
-        <a:xfrm>
-          <a:off x="0" y="0"/>
-          <a:ext cx="0" cy="0"/>
-          <a:chOff x="0" y="0"/>
-          <a:chExt cx="0" cy="0"/>
-        </a:xfrm>
-      </p:grpSpPr>
-      <p:sp>
-        <p:nvSpPr>
-          <p:cNvPr id="2" name="제목 1">
-            <a:extLst>
-              <a:ext uri="{FF2B5EF4-FFF2-40B4-BE49-F238E27FC236}">
-                <a16:creationId xmlns:a16="http://schemas.microsoft.com/office/drawing/2014/main" id="{3360FE69-8144-4B69-9B2A-9C5F981CE3B3}"/>
-              </a:ext>
-            </a:extLst>
-          </p:cNvPr>
-          <p:cNvSpPr>
-            <a:spLocks noGrp="1"/>
-          </p:cNvSpPr>
-          <p:nvPr>
-            <p:ph type="title"/>
-          </p:nvPr>
-        </p:nvSpPr>
-        <p:spPr/>
-        <p:txBody>
-          <a:bodyPr>
-            <a:normAutofit/>
-          </a:bodyPr>
-          <a:lstStyle/>
-          <a:p>
-            <a:r>
-              <a:rPr lang="en-US" altLang="ko-KR" dirty="0"/>
-              <a:t>Console, API, Network, Direct2D, Python2D Direct3D(Team1, 2, </a:t>
-            </a:r>
-            <a:r>
-              <a:rPr lang="ko-KR" altLang="en-US" dirty="0"/>
-              <a:t>졸작</a:t>
-            </a:r>
-            <a:r>
-              <a:rPr lang="en-US" altLang="ko-KR" dirty="0"/>
-              <a:t>), </a:t>
-            </a:r>
-            <a:endParaRPr lang="ko-KR" altLang="en-US" dirty="0"/>
-          </a:p>
-        </p:txBody>
-      </p:sp>
-      <p:sp>
-        <p:nvSpPr>
-          <p:cNvPr id="3" name="내용 개체 틀 2">
-            <a:extLst>
-              <a:ext uri="{FF2B5EF4-FFF2-40B4-BE49-F238E27FC236}">
-                <a16:creationId xmlns:a16="http://schemas.microsoft.com/office/drawing/2014/main" id="{3CF09D05-E326-45EC-8897-E4F03F203155}"/>
-              </a:ext>
-            </a:extLst>
-          </p:cNvPr>
-          <p:cNvSpPr>
-            <a:spLocks noGrp="1"/>
-          </p:cNvSpPr>
-          <p:nvPr>
-            <p:ph idx="1"/>
-          </p:nvPr>
-        </p:nvSpPr>
-        <p:spPr/>
-        <p:txBody>
-          <a:bodyPr/>
-          <a:lstStyle/>
-          <a:p>
-            <a:endParaRPr lang="ko-KR" altLang="en-US" dirty="0"/>
-          </a:p>
-        </p:txBody>
-      </p:sp>
-    </p:spTree>
-    <p:extLst>
-      <p:ext uri="{BB962C8B-B14F-4D97-AF65-F5344CB8AC3E}">
-        <p14:creationId xmlns:p14="http://schemas.microsoft.com/office/powerpoint/2010/main" val="2137540297"/>
-      </p:ext>
-    </p:extLst>
-  </p:cSld>
-  <p:clrMapOvr>
-    <a:masterClrMapping/>
-  </p:clrMapOvr>
-</p:sld>
-</file>
-
-<file path=ppt/slides/slide20.xml><?xml version="1.0" encoding="utf-8"?>
-<p:sld xmlns:a="http://schemas.openxmlformats.org/drawingml/2006/main" xmlns:r="http://schemas.openxmlformats.org/officeDocument/2006/relationships" xmlns:p="http://schemas.openxmlformats.org/presentationml/2006/main">
-  <p:cSld>
-    <p:spTree>
-      <p:nvGrpSpPr>
-        <p:cNvPr id="1" name=""/>
-        <p:cNvGrpSpPr/>
-        <p:nvPr/>
-      </p:nvGrpSpPr>
-      <p:grpSpPr>
-        <a:xfrm>
-          <a:off x="0" y="0"/>
-          <a:ext cx="0" cy="0"/>
-          <a:chOff x="0" y="0"/>
-          <a:chExt cx="0" cy="0"/>
-        </a:xfrm>
-      </p:grpSpPr>
-      <p:sp>
-        <p:nvSpPr>
-          <p:cNvPr id="2" name="제목 1">
-            <a:extLst>
-              <a:ext uri="{FF2B5EF4-FFF2-40B4-BE49-F238E27FC236}">
-                <a16:creationId xmlns:a16="http://schemas.microsoft.com/office/drawing/2014/main" id="{46A8E3EC-121F-4D05-A685-197F868599BE}"/>
-              </a:ext>
-            </a:extLst>
-          </p:cNvPr>
-          <p:cNvSpPr>
-            <a:spLocks noGrp="1"/>
-          </p:cNvSpPr>
-          <p:nvPr>
-            <p:ph type="title"/>
-          </p:nvPr>
-        </p:nvSpPr>
-        <p:spPr/>
-        <p:txBody>
-          <a:bodyPr/>
-          <a:lstStyle/>
-          <a:p>
-            <a:r>
-              <a:rPr lang="en-US" altLang="ko-KR" dirty="0"/>
-              <a:t>Direct3D(</a:t>
-            </a:r>
-            <a:r>
-              <a:rPr lang="ko-KR" altLang="en-US" dirty="0" err="1"/>
-              <a:t>블랙스</a:t>
-            </a:r>
-            <a:r>
-              <a:rPr lang="en-US" altLang="ko-KR" dirty="0"/>
-              <a:t>)</a:t>
-            </a:r>
-            <a:endParaRPr lang="ko-KR" altLang="en-US" dirty="0"/>
-          </a:p>
-        </p:txBody>
-      </p:sp>
-      <p:sp>
-        <p:nvSpPr>
-          <p:cNvPr id="3" name="내용 개체 틀 2">
-            <a:extLst>
-              <a:ext uri="{FF2B5EF4-FFF2-40B4-BE49-F238E27FC236}">
-                <a16:creationId xmlns:a16="http://schemas.microsoft.com/office/drawing/2014/main" id="{44104394-229D-455C-BB11-FFD60BF80858}"/>
-              </a:ext>
-            </a:extLst>
-          </p:cNvPr>
-          <p:cNvSpPr>
-            <a:spLocks noGrp="1"/>
-          </p:cNvSpPr>
-          <p:nvPr>
-            <p:ph idx="1"/>
-          </p:nvPr>
-        </p:nvSpPr>
-        <p:spPr/>
-        <p:txBody>
-          <a:bodyPr/>
-          <a:lstStyle/>
-          <a:p>
-            <a:pPr marL="0" indent="0">
-              <a:buNone/>
-            </a:pPr>
-            <a:r>
-              <a:rPr lang="ko-KR" altLang="en-US" dirty="0"/>
-              <a:t>퍼지 알고리즘</a:t>
-            </a:r>
-            <a:endParaRPr lang="en-US" altLang="ko-KR" dirty="0"/>
-          </a:p>
-          <a:p>
-            <a:pPr marL="0" indent="0">
-              <a:buNone/>
-            </a:pPr>
-            <a:r>
-              <a:rPr lang="ko-KR" altLang="en-US" dirty="0"/>
-              <a:t>이벤트 툴</a:t>
-            </a:r>
-            <a:endParaRPr lang="en-US" altLang="ko-KR" dirty="0"/>
-          </a:p>
-          <a:p>
-            <a:pPr marL="0" indent="0">
-              <a:buNone/>
-            </a:pPr>
-            <a:endParaRPr lang="ko-KR" altLang="en-US" dirty="0"/>
-          </a:p>
-        </p:txBody>
-      </p:sp>
-    </p:spTree>
-    <p:extLst>
-      <p:ext uri="{BB962C8B-B14F-4D97-AF65-F5344CB8AC3E}">
-        <p14:creationId xmlns:p14="http://schemas.microsoft.com/office/powerpoint/2010/main" val="3222820007"/>
-      </p:ext>
-    </p:extLst>
-  </p:cSld>
-  <p:clrMapOvr>
-    <a:masterClrMapping/>
-  </p:clrMapOvr>
-</p:sld>
-</file>
-
-<file path=ppt/slides/slide21.xml><?xml version="1.0" encoding="utf-8"?>
-<p:sld xmlns:a="http://schemas.openxmlformats.org/drawingml/2006/main" xmlns:r="http://schemas.openxmlformats.org/officeDocument/2006/relationships" xmlns:p="http://schemas.openxmlformats.org/presentationml/2006/main">
-  <p:cSld>
-    <p:spTree>
-      <p:nvGrpSpPr>
-        <p:cNvPr id="1" name=""/>
-        <p:cNvGrpSpPr/>
-        <p:nvPr/>
-      </p:nvGrpSpPr>
-      <p:grpSpPr>
-        <a:xfrm>
-          <a:off x="0" y="0"/>
-          <a:ext cx="0" cy="0"/>
-          <a:chOff x="0" y="0"/>
-          <a:chExt cx="0" cy="0"/>
-        </a:xfrm>
-      </p:grpSpPr>
-      <p:sp>
-        <p:nvSpPr>
-          <p:cNvPr id="2" name="제목 1">
-            <a:extLst>
-              <a:ext uri="{FF2B5EF4-FFF2-40B4-BE49-F238E27FC236}">
-                <a16:creationId xmlns:a16="http://schemas.microsoft.com/office/drawing/2014/main" id="{BD55A865-4D9E-419B-9DF1-7F1EB185F371}"/>
-              </a:ext>
-            </a:extLst>
-          </p:cNvPr>
-          <p:cNvSpPr>
-            <a:spLocks noGrp="1"/>
-          </p:cNvSpPr>
-          <p:nvPr>
-            <p:ph type="title"/>
-          </p:nvPr>
-        </p:nvSpPr>
-        <p:spPr/>
-        <p:txBody>
-          <a:bodyPr/>
-          <a:lstStyle/>
-          <a:p>
-            <a:r>
-              <a:rPr lang="en-US" altLang="ko-KR" dirty="0"/>
-              <a:t>Direct3D(</a:t>
-            </a:r>
-            <a:r>
-              <a:rPr lang="ko-KR" altLang="en-US" dirty="0"/>
-              <a:t>졸작</a:t>
-            </a:r>
-            <a:r>
-              <a:rPr lang="en-US" altLang="ko-KR" dirty="0"/>
-              <a:t>, </a:t>
-            </a:r>
-            <a:r>
-              <a:rPr lang="ko-KR" altLang="en-US" dirty="0"/>
-              <a:t>몬스터의 숲</a:t>
-            </a:r>
-            <a:r>
-              <a:rPr lang="en-US" altLang="ko-KR" dirty="0"/>
-              <a:t>)</a:t>
-            </a:r>
-            <a:endParaRPr lang="ko-KR" altLang="en-US" dirty="0"/>
-          </a:p>
-        </p:txBody>
-      </p:sp>
-      <p:sp>
-        <p:nvSpPr>
-          <p:cNvPr id="3" name="내용 개체 틀 2">
-            <a:extLst>
-              <a:ext uri="{FF2B5EF4-FFF2-40B4-BE49-F238E27FC236}">
-                <a16:creationId xmlns:a16="http://schemas.microsoft.com/office/drawing/2014/main" id="{601CC4AB-881B-402A-8FE3-2F342A7F3F15}"/>
-              </a:ext>
-            </a:extLst>
-          </p:cNvPr>
-          <p:cNvSpPr>
-            <a:spLocks noGrp="1"/>
-          </p:cNvSpPr>
-          <p:nvPr>
-            <p:ph idx="1"/>
-          </p:nvPr>
-        </p:nvSpPr>
-        <p:spPr/>
-        <p:txBody>
-          <a:bodyPr/>
-          <a:lstStyle/>
-          <a:p>
-            <a:pPr marL="0" indent="0">
-              <a:buNone/>
-            </a:pPr>
-            <a:r>
-              <a:rPr lang="ko-KR" altLang="en-US" dirty="0"/>
-              <a:t>환경 툴</a:t>
-            </a:r>
-            <a:r>
-              <a:rPr lang="en-US" altLang="ko-KR" dirty="0"/>
-              <a:t>, </a:t>
-            </a:r>
-            <a:r>
-              <a:rPr lang="ko-KR" altLang="en-US" dirty="0"/>
-              <a:t>이펙트 툴</a:t>
-            </a:r>
-            <a:r>
-              <a:rPr lang="en-US" altLang="ko-KR" dirty="0"/>
-              <a:t>, </a:t>
-            </a:r>
-            <a:r>
-              <a:rPr lang="ko-KR" altLang="en-US" dirty="0"/>
-              <a:t>애니메이션 툴</a:t>
-            </a:r>
-            <a:r>
-              <a:rPr lang="en-US" altLang="ko-KR" dirty="0"/>
-              <a:t>, </a:t>
-            </a:r>
-            <a:r>
-              <a:rPr lang="ko-KR" altLang="en-US" dirty="0"/>
-              <a:t>그림자</a:t>
-            </a:r>
-          </a:p>
-        </p:txBody>
-      </p:sp>
-    </p:spTree>
-    <p:extLst>
-      <p:ext uri="{BB962C8B-B14F-4D97-AF65-F5344CB8AC3E}">
-        <p14:creationId xmlns:p14="http://schemas.microsoft.com/office/powerpoint/2010/main" val="1995740961"/>
-      </p:ext>
-    </p:extLst>
-  </p:cSld>
-  <p:clrMapOvr>
-    <a:masterClrMapping/>
-  </p:clrMapOvr>
-</p:sld>
-</file>
-
-<file path=ppt/slides/slide3.xml><?xml version="1.0" encoding="utf-8"?>
-<p:sld xmlns:a="http://schemas.openxmlformats.org/drawingml/2006/main" xmlns:r="http://schemas.openxmlformats.org/officeDocument/2006/relationships" xmlns:p="http://schemas.openxmlformats.org/presentationml/2006/main">
-  <p:cSld>
-    <p:spTree>
-      <p:nvGrpSpPr>
-        <p:cNvPr id="1" name=""/>
-        <p:cNvGrpSpPr/>
-        <p:nvPr/>
-      </p:nvGrpSpPr>
-      <p:grpSpPr>
-        <a:xfrm>
-          <a:off x="0" y="0"/>
-          <a:ext cx="0" cy="0"/>
-          <a:chOff x="0" y="0"/>
-          <a:chExt cx="0" cy="0"/>
-        </a:xfrm>
-      </p:grpSpPr>
-      <p:sp>
-        <p:nvSpPr>
-          <p:cNvPr id="2" name="제목 1">
-            <a:extLst>
-              <a:ext uri="{FF2B5EF4-FFF2-40B4-BE49-F238E27FC236}">
-                <a16:creationId xmlns:a16="http://schemas.microsoft.com/office/drawing/2014/main" id="{7C763E41-4B24-4819-B31F-37E8636E20B3}"/>
-              </a:ext>
-            </a:extLst>
-          </p:cNvPr>
-          <p:cNvSpPr>
-            <a:spLocks noGrp="1"/>
-          </p:cNvSpPr>
-          <p:nvPr>
-            <p:ph type="title"/>
-          </p:nvPr>
-        </p:nvSpPr>
-        <p:spPr/>
-        <p:txBody>
-          <a:bodyPr/>
-          <a:lstStyle/>
-          <a:p>
-            <a:r>
-              <a:rPr lang="en-US" altLang="ko-KR" dirty="0"/>
-              <a:t>Console(Tetris)</a:t>
-            </a:r>
-            <a:endParaRPr lang="ko-KR" altLang="en-US" dirty="0"/>
-          </a:p>
-        </p:txBody>
-      </p:sp>
-      <p:sp>
-        <p:nvSpPr>
-          <p:cNvPr id="3" name="내용 개체 틀 2">
-            <a:extLst>
-              <a:ext uri="{FF2B5EF4-FFF2-40B4-BE49-F238E27FC236}">
-                <a16:creationId xmlns:a16="http://schemas.microsoft.com/office/drawing/2014/main" id="{F6CEE0A6-EB62-4325-88F9-DF060239C355}"/>
-              </a:ext>
-            </a:extLst>
-          </p:cNvPr>
-          <p:cNvSpPr>
-            <a:spLocks noGrp="1"/>
-          </p:cNvSpPr>
-          <p:nvPr>
-            <p:ph idx="1"/>
-          </p:nvPr>
-        </p:nvSpPr>
-        <p:spPr>
-          <a:xfrm>
-            <a:off x="787711" y="1730259"/>
-            <a:ext cx="10515600" cy="4351338"/>
-          </a:xfrm>
-        </p:spPr>
-        <p:txBody>
-          <a:bodyPr/>
-          <a:lstStyle/>
-          <a:p>
-            <a:pPr marL="0" indent="0">
-              <a:buNone/>
-            </a:pPr>
-            <a:r>
-              <a:rPr lang="ko-KR" altLang="en-US" dirty="0"/>
-              <a:t>주요기술</a:t>
-            </a:r>
-            <a:endParaRPr lang="en-US" altLang="ko-KR" dirty="0"/>
-          </a:p>
-          <a:p>
-            <a:pPr marL="0" indent="0">
-              <a:buNone/>
-            </a:pPr>
-            <a:r>
-              <a:rPr lang="ko-KR" altLang="en-US" dirty="0" err="1"/>
-              <a:t>더블버퍼링</a:t>
-            </a:r>
-            <a:endParaRPr lang="en-US" altLang="ko-KR" dirty="0"/>
-          </a:p>
-          <a:p>
-            <a:pPr marL="0" indent="0">
-              <a:buNone/>
-            </a:pPr>
-            <a:r>
-              <a:rPr lang="ko-KR" altLang="en-US" dirty="0"/>
-              <a:t>랜덤엔진</a:t>
-            </a:r>
-            <a:endParaRPr lang="en-US" altLang="ko-KR" dirty="0"/>
-          </a:p>
-        </p:txBody>
-      </p:sp>
-    </p:spTree>
-    <p:extLst>
-      <p:ext uri="{BB962C8B-B14F-4D97-AF65-F5344CB8AC3E}">
-        <p14:creationId xmlns:p14="http://schemas.microsoft.com/office/powerpoint/2010/main" val="910575974"/>
+        <p14:creationId xmlns:p14="http://schemas.microsoft.com/office/powerpoint/2010/main" val="493857378"/>
       </p:ext>
     </p:extLst>
   </p:cSld>
@@ -5089,7 +6700,7 @@
           <p:cNvPr id="2" name="제목 1">
             <a:extLst>
               <a:ext uri="{FF2B5EF4-FFF2-40B4-BE49-F238E27FC236}">
-                <a16:creationId xmlns:a16="http://schemas.microsoft.com/office/drawing/2014/main" id="{7C763E41-4B24-4819-B31F-37E8636E20B3}"/>
+                <a16:creationId xmlns:a16="http://schemas.microsoft.com/office/drawing/2014/main" id="{D7FF0E4D-41E3-43B1-9096-E5321ACC710F}"/>
               </a:ext>
             </a:extLst>
           </p:cNvPr>
@@ -5106,92 +6717,23 @@
           <a:lstStyle/>
           <a:p>
             <a:r>
-              <a:rPr lang="en-US" altLang="ko-KR" dirty="0"/>
-              <a:t>Console(Tetris)</a:t>
+              <a:rPr lang="en-US" altLang="ko-KR"/>
+              <a:t>Tetris - </a:t>
+            </a:r>
+            <a:r>
+              <a:rPr lang="ko-KR" altLang="en-US"/>
+              <a:t>더블버퍼링</a:t>
             </a:r>
             <a:endParaRPr lang="ko-KR" altLang="en-US" dirty="0"/>
-          </a:p>
-        </p:txBody>
-      </p:sp>
-      <p:sp>
-        <p:nvSpPr>
-          <p:cNvPr id="3" name="내용 개체 틀 2">
-            <a:extLst>
-              <a:ext uri="{FF2B5EF4-FFF2-40B4-BE49-F238E27FC236}">
-                <a16:creationId xmlns:a16="http://schemas.microsoft.com/office/drawing/2014/main" id="{F6CEE0A6-EB62-4325-88F9-DF060239C355}"/>
-              </a:ext>
-            </a:extLst>
-          </p:cNvPr>
-          <p:cNvSpPr>
-            <a:spLocks noGrp="1"/>
-          </p:cNvSpPr>
-          <p:nvPr>
-            <p:ph idx="1"/>
-          </p:nvPr>
-        </p:nvSpPr>
-        <p:spPr>
-          <a:xfrm>
-            <a:off x="838200" y="1791665"/>
-            <a:ext cx="5764509" cy="1498191"/>
-          </a:xfrm>
-        </p:spPr>
-        <p:txBody>
-          <a:bodyPr>
-            <a:normAutofit/>
-          </a:bodyPr>
-          <a:lstStyle/>
-          <a:p>
-            <a:pPr marL="0" indent="0">
-              <a:buNone/>
-            </a:pPr>
-            <a:r>
-              <a:rPr lang="ko-KR" altLang="en-US" sz="2400" dirty="0"/>
-              <a:t>기존의 </a:t>
-            </a:r>
-            <a:r>
-              <a:rPr lang="ko-KR" altLang="en-US" sz="2400" dirty="0" err="1"/>
-              <a:t>테트리스</a:t>
-            </a:r>
-            <a:r>
-              <a:rPr lang="ko-KR" altLang="en-US" sz="2400" dirty="0"/>
-              <a:t> 게임</a:t>
-            </a:r>
-            <a:endParaRPr lang="en-US" altLang="ko-KR" sz="2400" dirty="0"/>
-          </a:p>
-          <a:p>
-            <a:pPr marL="0" indent="0">
-              <a:buNone/>
-            </a:pPr>
-            <a:r>
-              <a:rPr lang="ko-KR" altLang="en-US" sz="2400" dirty="0"/>
-              <a:t>남들이 세운 최고 점수를 갱신하라</a:t>
-            </a:r>
-            <a:r>
-              <a:rPr lang="en-US" altLang="ko-KR" sz="2400" dirty="0"/>
-              <a:t>!</a:t>
-            </a:r>
-          </a:p>
-          <a:p>
-            <a:pPr marL="0" indent="0">
-              <a:buNone/>
-            </a:pPr>
-            <a:r>
-              <a:rPr lang="ko-KR" altLang="en-US" sz="2400" dirty="0"/>
-              <a:t>점수를 올릴수록 점점 빨라진다</a:t>
-            </a:r>
-            <a:r>
-              <a:rPr lang="en-US" altLang="ko-KR" sz="2400" dirty="0"/>
-              <a:t>!</a:t>
-            </a:r>
           </a:p>
         </p:txBody>
       </p:sp>
       <p:pic>
         <p:nvPicPr>
-          <p:cNvPr id="7" name="그림 6">
-            <a:extLst>
-              <a:ext uri="{FF2B5EF4-FFF2-40B4-BE49-F238E27FC236}">
-                <a16:creationId xmlns:a16="http://schemas.microsoft.com/office/drawing/2014/main" id="{E30EF6C5-2D17-4ED1-BEC6-DBE3C87392F9}"/>
+          <p:cNvPr id="10" name="그림 9" descr="사진, 앉아있는, 화면, 거리이(가) 표시된 사진&#10;&#10;자동 생성된 설명">
+            <a:extLst>
+              <a:ext uri="{FF2B5EF4-FFF2-40B4-BE49-F238E27FC236}">
+                <a16:creationId xmlns:a16="http://schemas.microsoft.com/office/drawing/2014/main" id="{387A93BF-F375-4A6F-9B0E-E44C619AFFC2}"/>
               </a:ext>
             </a:extLst>
           </p:cNvPr>
@@ -5208,14 +6750,1211 @@
         </p:blipFill>
         <p:spPr>
           <a:xfrm>
-            <a:off x="7053366" y="1759139"/>
-            <a:ext cx="4387541" cy="3797871"/>
+            <a:off x="1012104" y="2198609"/>
+            <a:ext cx="5417669" cy="1007460"/>
           </a:xfrm>
           <a:prstGeom prst="rect">
             <a:avLst/>
           </a:prstGeom>
         </p:spPr>
       </p:pic>
+      <p:pic>
+        <p:nvPicPr>
+          <p:cNvPr id="1026" name="Picture 2" descr="슭의 개발 블로그: copy와 flip - Double buffering의 2가지 기법">
+            <a:extLst>
+              <a:ext uri="{FF2B5EF4-FFF2-40B4-BE49-F238E27FC236}">
+                <a16:creationId xmlns:a16="http://schemas.microsoft.com/office/drawing/2014/main" id="{9EAE37D0-FAB2-40CE-8125-3D5F0BA62019}"/>
+              </a:ext>
+            </a:extLst>
+          </p:cNvPr>
+          <p:cNvPicPr>
+            <a:picLocks noChangeAspect="1" noChangeArrowheads="1"/>
+          </p:cNvPicPr>
+          <p:nvPr/>
+        </p:nvPicPr>
+        <p:blipFill>
+          <a:blip r:embed="rId3">
+            <a:extLst>
+              <a:ext uri="{28A0092B-C50C-407E-A947-70E740481C1C}">
+                <a14:useLocalDpi xmlns:a14="http://schemas.microsoft.com/office/drawing/2010/main" val="0"/>
+              </a:ext>
+            </a:extLst>
+          </a:blip>
+          <a:srcRect/>
+          <a:stretch>
+            <a:fillRect/>
+          </a:stretch>
+        </p:blipFill>
+        <p:spPr bwMode="auto">
+          <a:xfrm>
+            <a:off x="7213300" y="1317852"/>
+            <a:ext cx="4140500" cy="4751967"/>
+          </a:xfrm>
+          <a:prstGeom prst="rect">
+            <a:avLst/>
+          </a:prstGeom>
+          <a:noFill/>
+          <a:extLst>
+            <a:ext uri="{909E8E84-426E-40DD-AFC4-6F175D3DCCD1}">
+              <a14:hiddenFill xmlns:a14="http://schemas.microsoft.com/office/drawing/2010/main">
+                <a:solidFill>
+                  <a:srgbClr val="FFFFFF"/>
+                </a:solidFill>
+              </a14:hiddenFill>
+            </a:ext>
+          </a:extLst>
+        </p:spPr>
+      </p:pic>
+      <p:sp>
+        <p:nvSpPr>
+          <p:cNvPr id="7" name="TextBox 6">
+            <a:extLst>
+              <a:ext uri="{FF2B5EF4-FFF2-40B4-BE49-F238E27FC236}">
+                <a16:creationId xmlns:a16="http://schemas.microsoft.com/office/drawing/2014/main" id="{91D1B044-1E9B-413D-9EF6-D05E4B864691}"/>
+              </a:ext>
+            </a:extLst>
+          </p:cNvPr>
+          <p:cNvSpPr txBox="1"/>
+          <p:nvPr/>
+        </p:nvSpPr>
+        <p:spPr>
+          <a:xfrm>
+            <a:off x="925620" y="1600931"/>
+            <a:ext cx="6103480" cy="369332"/>
+          </a:xfrm>
+          <a:prstGeom prst="rect">
+            <a:avLst/>
+          </a:prstGeom>
+          <a:noFill/>
+        </p:spPr>
+        <p:txBody>
+          <a:bodyPr wrap="square" rtlCol="0">
+            <a:spAutoFit/>
+          </a:bodyPr>
+          <a:lstStyle/>
+          <a:p>
+            <a:r>
+              <a:rPr lang="ko-KR" altLang="en-US" dirty="0"/>
+              <a:t>화면 깜빡임을 해결하기 위해 콘솔에서 </a:t>
+            </a:r>
+            <a:r>
+              <a:rPr lang="ko-KR" altLang="en-US" dirty="0" err="1"/>
+              <a:t>더블버퍼링</a:t>
+            </a:r>
+            <a:r>
+              <a:rPr lang="ko-KR" altLang="en-US" dirty="0"/>
+              <a:t> 활용</a:t>
+            </a:r>
+          </a:p>
+        </p:txBody>
+      </p:sp>
+      <p:sp>
+        <p:nvSpPr>
+          <p:cNvPr id="12" name="TextBox 11">
+            <a:extLst>
+              <a:ext uri="{FF2B5EF4-FFF2-40B4-BE49-F238E27FC236}">
+                <a16:creationId xmlns:a16="http://schemas.microsoft.com/office/drawing/2014/main" id="{2C85FD88-9EE3-4B09-91CF-EBFF7C7A1E5E}"/>
+              </a:ext>
+            </a:extLst>
+          </p:cNvPr>
+          <p:cNvSpPr txBox="1"/>
+          <p:nvPr/>
+        </p:nvSpPr>
+        <p:spPr>
+          <a:xfrm>
+            <a:off x="925620" y="3534584"/>
+            <a:ext cx="6103480" cy="923330"/>
+          </a:xfrm>
+          <a:prstGeom prst="rect">
+            <a:avLst/>
+          </a:prstGeom>
+          <a:noFill/>
+        </p:spPr>
+        <p:txBody>
+          <a:bodyPr wrap="square" rtlCol="0">
+            <a:spAutoFit/>
+          </a:bodyPr>
+          <a:lstStyle/>
+          <a:p>
+            <a:r>
+              <a:rPr lang="ko-KR" altLang="en-US" dirty="0"/>
+              <a:t>두 개의 콘솔 스크린 버퍼를 만들어 참조하고 있지 않은 버퍼에 다음 프레임의 장면을 그린 후 참조 만하여 </a:t>
+            </a:r>
+            <a:r>
+              <a:rPr lang="ko-KR" altLang="en-US" dirty="0" err="1"/>
+              <a:t>깜빡거림을</a:t>
+            </a:r>
+            <a:r>
+              <a:rPr lang="ko-KR" altLang="en-US" dirty="0"/>
+              <a:t> 해결</a:t>
+            </a:r>
+            <a:r>
+              <a:rPr lang="en-US" altLang="ko-KR" dirty="0"/>
+              <a:t>.</a:t>
+            </a:r>
+            <a:endParaRPr lang="ko-KR" altLang="en-US" dirty="0"/>
+          </a:p>
+        </p:txBody>
+      </p:sp>
+    </p:spTree>
+    <p:extLst>
+      <p:ext uri="{BB962C8B-B14F-4D97-AF65-F5344CB8AC3E}">
+        <p14:creationId xmlns:p14="http://schemas.microsoft.com/office/powerpoint/2010/main" val="643469581"/>
+      </p:ext>
+    </p:extLst>
+  </p:cSld>
+  <p:clrMapOvr>
+    <a:masterClrMapping/>
+  </p:clrMapOvr>
+</p:sld>
+</file>
+
+<file path=ppt/slides/slide5.xml><?xml version="1.0" encoding="utf-8"?>
+<p:sld xmlns:a="http://schemas.openxmlformats.org/drawingml/2006/main" xmlns:r="http://schemas.openxmlformats.org/officeDocument/2006/relationships" xmlns:p="http://schemas.openxmlformats.org/presentationml/2006/main">
+  <p:cSld>
+    <p:spTree>
+      <p:nvGrpSpPr>
+        <p:cNvPr id="1" name=""/>
+        <p:cNvGrpSpPr/>
+        <p:nvPr/>
+      </p:nvGrpSpPr>
+      <p:grpSpPr>
+        <a:xfrm>
+          <a:off x="0" y="0"/>
+          <a:ext cx="0" cy="0"/>
+          <a:chOff x="0" y="0"/>
+          <a:chExt cx="0" cy="0"/>
+        </a:xfrm>
+      </p:grpSpPr>
+      <p:sp>
+        <p:nvSpPr>
+          <p:cNvPr id="2" name="제목 1">
+            <a:extLst>
+              <a:ext uri="{FF2B5EF4-FFF2-40B4-BE49-F238E27FC236}">
+                <a16:creationId xmlns:a16="http://schemas.microsoft.com/office/drawing/2014/main" id="{D7FF0E4D-41E3-43B1-9096-E5321ACC710F}"/>
+              </a:ext>
+            </a:extLst>
+          </p:cNvPr>
+          <p:cNvSpPr>
+            <a:spLocks noGrp="1"/>
+          </p:cNvSpPr>
+          <p:nvPr>
+            <p:ph type="title"/>
+          </p:nvPr>
+        </p:nvSpPr>
+        <p:spPr/>
+        <p:txBody>
+          <a:bodyPr/>
+          <a:lstStyle/>
+          <a:p>
+            <a:r>
+              <a:rPr lang="en-US" altLang="ko-KR"/>
+              <a:t>Tetris - </a:t>
+            </a:r>
+            <a:r>
+              <a:rPr lang="ko-KR" altLang="en-US"/>
+              <a:t>더블버퍼링</a:t>
+            </a:r>
+            <a:endParaRPr lang="ko-KR" altLang="en-US" dirty="0"/>
+          </a:p>
+        </p:txBody>
+      </p:sp>
+      <p:pic>
+        <p:nvPicPr>
+          <p:cNvPr id="4" name="그림 3" descr="앉아있는이(가) 표시된 사진&#10;&#10;자동 생성된 설명">
+            <a:extLst>
+              <a:ext uri="{FF2B5EF4-FFF2-40B4-BE49-F238E27FC236}">
+                <a16:creationId xmlns:a16="http://schemas.microsoft.com/office/drawing/2014/main" id="{18177384-67A3-46D6-AE8C-24EA78017EAA}"/>
+              </a:ext>
+            </a:extLst>
+          </p:cNvPr>
+          <p:cNvPicPr>
+            <a:picLocks noChangeAspect="1"/>
+          </p:cNvPicPr>
+          <p:nvPr/>
+        </p:nvPicPr>
+        <p:blipFill>
+          <a:blip r:embed="rId2"/>
+          <a:stretch>
+            <a:fillRect/>
+          </a:stretch>
+        </p:blipFill>
+        <p:spPr>
+          <a:xfrm>
+            <a:off x="970211" y="1774836"/>
+            <a:ext cx="3817128" cy="2524746"/>
+          </a:xfrm>
+          <a:prstGeom prst="rect">
+            <a:avLst/>
+          </a:prstGeom>
+        </p:spPr>
+      </p:pic>
+      <p:pic>
+        <p:nvPicPr>
+          <p:cNvPr id="6" name="그림 5" descr="스크린샷, 모니터, 화면이(가) 표시된 사진&#10;&#10;자동 생성된 설명">
+            <a:extLst>
+              <a:ext uri="{FF2B5EF4-FFF2-40B4-BE49-F238E27FC236}">
+                <a16:creationId xmlns:a16="http://schemas.microsoft.com/office/drawing/2014/main" id="{D524A008-12A9-43FC-8BB3-D05040F2A50E}"/>
+              </a:ext>
+            </a:extLst>
+          </p:cNvPr>
+          <p:cNvPicPr>
+            <a:picLocks noChangeAspect="1"/>
+          </p:cNvPicPr>
+          <p:nvPr/>
+        </p:nvPicPr>
+        <p:blipFill>
+          <a:blip r:embed="rId3"/>
+          <a:stretch>
+            <a:fillRect/>
+          </a:stretch>
+        </p:blipFill>
+        <p:spPr>
+          <a:xfrm>
+            <a:off x="970211" y="4478272"/>
+            <a:ext cx="6316059" cy="1940370"/>
+          </a:xfrm>
+          <a:prstGeom prst="rect">
+            <a:avLst/>
+          </a:prstGeom>
+        </p:spPr>
+      </p:pic>
+      <p:sp>
+        <p:nvSpPr>
+          <p:cNvPr id="7" name="직사각형 6">
+            <a:extLst>
+              <a:ext uri="{FF2B5EF4-FFF2-40B4-BE49-F238E27FC236}">
+                <a16:creationId xmlns:a16="http://schemas.microsoft.com/office/drawing/2014/main" id="{F71EBC4B-40BA-4661-884D-B5A7F4BA182F}"/>
+              </a:ext>
+            </a:extLst>
+          </p:cNvPr>
+          <p:cNvSpPr/>
+          <p:nvPr/>
+        </p:nvSpPr>
+        <p:spPr>
+          <a:xfrm>
+            <a:off x="5309181" y="1754531"/>
+            <a:ext cx="7128875" cy="1477328"/>
+          </a:xfrm>
+          <a:prstGeom prst="rect">
+            <a:avLst/>
+          </a:prstGeom>
+        </p:spPr>
+        <p:txBody>
+          <a:bodyPr wrap="square">
+            <a:spAutoFit/>
+          </a:bodyPr>
+          <a:lstStyle/>
+          <a:p>
+            <a:r>
+              <a:rPr lang="ko-KR" altLang="en-US" dirty="0"/>
+              <a:t>게임이 돌아가는 </a:t>
+            </a:r>
+            <a:r>
+              <a:rPr lang="en-US" altLang="ko-KR" dirty="0"/>
+              <a:t>Logic()</a:t>
+            </a:r>
+            <a:r>
+              <a:rPr lang="ko-KR" altLang="en-US" dirty="0"/>
+              <a:t>에서 다음 프레임을 위해 게임 월드의</a:t>
+            </a:r>
+            <a:endParaRPr lang="en-US" altLang="ko-KR" dirty="0"/>
+          </a:p>
+          <a:p>
+            <a:r>
+              <a:rPr lang="ko-KR" altLang="en-US" dirty="0"/>
+              <a:t>객체들을 업데이트 한 후 </a:t>
+            </a:r>
+            <a:r>
+              <a:rPr lang="en-US" altLang="ko-KR" dirty="0"/>
+              <a:t>Flipping()</a:t>
+            </a:r>
+            <a:r>
+              <a:rPr lang="ko-KR" altLang="en-US" dirty="0"/>
+              <a:t>을 통해 참조하고 있지 않은 </a:t>
+            </a:r>
+            <a:endParaRPr lang="en-US" altLang="ko-KR" dirty="0"/>
+          </a:p>
+          <a:p>
+            <a:r>
+              <a:rPr lang="ko-KR" altLang="en-US" dirty="0"/>
+              <a:t>버퍼를 참조하여 화면에 세팅한다</a:t>
+            </a:r>
+            <a:r>
+              <a:rPr lang="en-US" altLang="ko-KR" dirty="0"/>
+              <a:t>. </a:t>
+            </a:r>
+            <a:r>
+              <a:rPr lang="ko-KR" altLang="en-US" dirty="0"/>
+              <a:t>그리고 참조가 끝난 버퍼는 </a:t>
+            </a:r>
+            <a:endParaRPr lang="en-US" altLang="ko-KR" dirty="0"/>
+          </a:p>
+          <a:p>
+            <a:r>
+              <a:rPr lang="en-US" altLang="ko-KR" dirty="0"/>
+              <a:t>Clear()</a:t>
+            </a:r>
+            <a:r>
+              <a:rPr lang="ko-KR" altLang="en-US" dirty="0"/>
+              <a:t>를 통해 기록되어 있는 내용을 지워주고 다음 프레임의 </a:t>
+            </a:r>
+            <a:endParaRPr lang="en-US" altLang="ko-KR" dirty="0"/>
+          </a:p>
+          <a:p>
+            <a:r>
+              <a:rPr lang="ko-KR" altLang="en-US" dirty="0"/>
+              <a:t>버퍼 내용을 채워 넣는다</a:t>
+            </a:r>
+            <a:r>
+              <a:rPr lang="en-US" altLang="ko-KR" dirty="0"/>
+              <a:t>.</a:t>
+            </a:r>
+            <a:endParaRPr lang="ko-KR" altLang="en-US" dirty="0"/>
+          </a:p>
+        </p:txBody>
+      </p:sp>
+      <p:sp>
+        <p:nvSpPr>
+          <p:cNvPr id="8" name="직사각형 7">
+            <a:extLst>
+              <a:ext uri="{FF2B5EF4-FFF2-40B4-BE49-F238E27FC236}">
+                <a16:creationId xmlns:a16="http://schemas.microsoft.com/office/drawing/2014/main" id="{155024A9-F439-4F9A-B032-A171FDD4E4DB}"/>
+              </a:ext>
+            </a:extLst>
+          </p:cNvPr>
+          <p:cNvSpPr/>
+          <p:nvPr/>
+        </p:nvSpPr>
+        <p:spPr>
+          <a:xfrm>
+            <a:off x="7525525" y="4478272"/>
+            <a:ext cx="4311186" cy="923330"/>
+          </a:xfrm>
+          <a:prstGeom prst="rect">
+            <a:avLst/>
+          </a:prstGeom>
+        </p:spPr>
+        <p:txBody>
+          <a:bodyPr wrap="square">
+            <a:spAutoFit/>
+          </a:bodyPr>
+          <a:lstStyle/>
+          <a:p>
+            <a:r>
+              <a:rPr lang="en-US" altLang="ko-KR" dirty="0" err="1"/>
+              <a:t>m_currentBuffer</a:t>
+            </a:r>
+            <a:r>
+              <a:rPr lang="en-US" altLang="ko-KR" dirty="0"/>
+              <a:t> </a:t>
+            </a:r>
+            <a:r>
+              <a:rPr lang="ko-KR" altLang="en-US" dirty="0"/>
+              <a:t>멤버변수를 통해 참조할 다음 버퍼가 무엇인지를 알 수 있게 해준다</a:t>
+            </a:r>
+            <a:r>
+              <a:rPr lang="en-US" altLang="ko-KR" dirty="0"/>
+              <a:t>.</a:t>
+            </a:r>
+            <a:endParaRPr lang="ko-KR" altLang="en-US" dirty="0"/>
+          </a:p>
+        </p:txBody>
+      </p:sp>
+    </p:spTree>
+    <p:extLst>
+      <p:ext uri="{BB962C8B-B14F-4D97-AF65-F5344CB8AC3E}">
+        <p14:creationId xmlns:p14="http://schemas.microsoft.com/office/powerpoint/2010/main" val="2763001545"/>
+      </p:ext>
+    </p:extLst>
+  </p:cSld>
+  <p:clrMapOvr>
+    <a:masterClrMapping/>
+  </p:clrMapOvr>
+</p:sld>
+</file>
+
+<file path=ppt/slides/slide6.xml><?xml version="1.0" encoding="utf-8"?>
+<p:sld xmlns:a="http://schemas.openxmlformats.org/drawingml/2006/main" xmlns:r="http://schemas.openxmlformats.org/officeDocument/2006/relationships" xmlns:p="http://schemas.openxmlformats.org/presentationml/2006/main">
+  <p:cSld>
+    <p:spTree>
+      <p:nvGrpSpPr>
+        <p:cNvPr id="1" name=""/>
+        <p:cNvGrpSpPr/>
+        <p:nvPr/>
+      </p:nvGrpSpPr>
+      <p:grpSpPr>
+        <a:xfrm>
+          <a:off x="0" y="0"/>
+          <a:ext cx="0" cy="0"/>
+          <a:chOff x="0" y="0"/>
+          <a:chExt cx="0" cy="0"/>
+        </a:xfrm>
+      </p:grpSpPr>
+      <p:sp>
+        <p:nvSpPr>
+          <p:cNvPr id="2" name="제목 1">
+            <a:extLst>
+              <a:ext uri="{FF2B5EF4-FFF2-40B4-BE49-F238E27FC236}">
+                <a16:creationId xmlns:a16="http://schemas.microsoft.com/office/drawing/2014/main" id="{D7FF0E4D-41E3-43B1-9096-E5321ACC710F}"/>
+              </a:ext>
+            </a:extLst>
+          </p:cNvPr>
+          <p:cNvSpPr>
+            <a:spLocks noGrp="1"/>
+          </p:cNvSpPr>
+          <p:nvPr>
+            <p:ph type="title"/>
+          </p:nvPr>
+        </p:nvSpPr>
+        <p:spPr/>
+        <p:txBody>
+          <a:bodyPr/>
+          <a:lstStyle/>
+          <a:p>
+            <a:r>
+              <a:rPr lang="en-US" altLang="ko-KR" dirty="0"/>
+              <a:t>Tetris – </a:t>
+            </a:r>
+            <a:r>
+              <a:rPr lang="ko-KR" altLang="en-US" dirty="0"/>
+              <a:t>난수 엔진</a:t>
+            </a:r>
+          </a:p>
+        </p:txBody>
+      </p:sp>
+      <p:sp>
+        <p:nvSpPr>
+          <p:cNvPr id="7" name="직사각형 6">
+            <a:extLst>
+              <a:ext uri="{FF2B5EF4-FFF2-40B4-BE49-F238E27FC236}">
+                <a16:creationId xmlns:a16="http://schemas.microsoft.com/office/drawing/2014/main" id="{F71EBC4B-40BA-4661-884D-B5A7F4BA182F}"/>
+              </a:ext>
+            </a:extLst>
+          </p:cNvPr>
+          <p:cNvSpPr/>
+          <p:nvPr/>
+        </p:nvSpPr>
+        <p:spPr>
+          <a:xfrm>
+            <a:off x="5542499" y="1506022"/>
+            <a:ext cx="4923883" cy="923330"/>
+          </a:xfrm>
+          <a:prstGeom prst="rect">
+            <a:avLst/>
+          </a:prstGeom>
+        </p:spPr>
+        <p:txBody>
+          <a:bodyPr wrap="square">
+            <a:spAutoFit/>
+          </a:bodyPr>
+          <a:lstStyle/>
+          <a:p>
+            <a:r>
+              <a:rPr lang="ko-KR" altLang="en-US" dirty="0"/>
+              <a:t>난수 엔진을 활용하여 기존의 </a:t>
+            </a:r>
+            <a:r>
+              <a:rPr lang="en-US" altLang="ko-KR" dirty="0"/>
+              <a:t>rand</a:t>
+            </a:r>
+            <a:r>
+              <a:rPr lang="ko-KR" altLang="en-US" dirty="0"/>
+              <a:t>보다 더 명확한 난수를 추출</a:t>
+            </a:r>
+            <a:r>
+              <a:rPr lang="en-US" altLang="ko-KR" dirty="0"/>
+              <a:t>. </a:t>
+            </a:r>
+            <a:r>
+              <a:rPr lang="ko-KR" altLang="en-US" dirty="0"/>
+              <a:t>난수 엔진은 기본적으로 </a:t>
+            </a:r>
+            <a:r>
+              <a:rPr lang="ko-KR" altLang="en-US" dirty="0" err="1"/>
+              <a:t>메르센</a:t>
+            </a:r>
+            <a:r>
+              <a:rPr lang="ko-KR" altLang="en-US" dirty="0"/>
+              <a:t> </a:t>
+            </a:r>
+            <a:r>
+              <a:rPr lang="ko-KR" altLang="en-US" dirty="0" err="1"/>
+              <a:t>트위스터</a:t>
+            </a:r>
+            <a:r>
+              <a:rPr lang="ko-KR" altLang="en-US" dirty="0"/>
+              <a:t> 엔진이 사용됨</a:t>
+            </a:r>
+          </a:p>
+        </p:txBody>
+      </p:sp>
+      <p:pic>
+        <p:nvPicPr>
+          <p:cNvPr id="12" name="그림 11">
+            <a:extLst>
+              <a:ext uri="{FF2B5EF4-FFF2-40B4-BE49-F238E27FC236}">
+                <a16:creationId xmlns:a16="http://schemas.microsoft.com/office/drawing/2014/main" id="{3D6E45EF-2B54-46C2-8056-E7D7EC8CDA7B}"/>
+              </a:ext>
+            </a:extLst>
+          </p:cNvPr>
+          <p:cNvPicPr>
+            <a:picLocks noChangeAspect="1"/>
+          </p:cNvPicPr>
+          <p:nvPr/>
+        </p:nvPicPr>
+        <p:blipFill>
+          <a:blip r:embed="rId2"/>
+          <a:stretch>
+            <a:fillRect/>
+          </a:stretch>
+        </p:blipFill>
+        <p:spPr>
+          <a:xfrm>
+            <a:off x="998038" y="1598035"/>
+            <a:ext cx="4118114" cy="4649301"/>
+          </a:xfrm>
+          <a:prstGeom prst="rect">
+            <a:avLst/>
+          </a:prstGeom>
+        </p:spPr>
+      </p:pic>
+      <p:sp>
+        <p:nvSpPr>
+          <p:cNvPr id="13" name="직사각형 12">
+            <a:extLst>
+              <a:ext uri="{FF2B5EF4-FFF2-40B4-BE49-F238E27FC236}">
+                <a16:creationId xmlns:a16="http://schemas.microsoft.com/office/drawing/2014/main" id="{7823E164-86F4-410D-BFAC-F213A9CE650B}"/>
+              </a:ext>
+            </a:extLst>
+          </p:cNvPr>
+          <p:cNvSpPr/>
+          <p:nvPr/>
+        </p:nvSpPr>
+        <p:spPr>
+          <a:xfrm>
+            <a:off x="5542497" y="2436110"/>
+            <a:ext cx="4923883" cy="523220"/>
+          </a:xfrm>
+          <a:prstGeom prst="rect">
+            <a:avLst/>
+          </a:prstGeom>
+        </p:spPr>
+        <p:txBody>
+          <a:bodyPr wrap="square">
+            <a:spAutoFit/>
+          </a:bodyPr>
+          <a:lstStyle/>
+          <a:p>
+            <a:r>
+              <a:rPr lang="en-US" altLang="ko-KR" sz="1400" dirty="0"/>
+              <a:t>※ </a:t>
+            </a:r>
+            <a:r>
+              <a:rPr lang="ko-KR" altLang="en-US" sz="1400" dirty="0" err="1"/>
+              <a:t>메르센</a:t>
+            </a:r>
+            <a:r>
+              <a:rPr lang="ko-KR" altLang="en-US" sz="1400" dirty="0"/>
+              <a:t> </a:t>
+            </a:r>
+            <a:r>
+              <a:rPr lang="ko-KR" altLang="en-US" sz="1400" dirty="0" err="1"/>
+              <a:t>트위스터</a:t>
+            </a:r>
+            <a:r>
+              <a:rPr lang="ko-KR" altLang="en-US" sz="1400" dirty="0"/>
+              <a:t> </a:t>
+            </a:r>
+            <a:r>
+              <a:rPr lang="en-US" altLang="ko-KR" sz="1400" dirty="0"/>
+              <a:t>: 1997</a:t>
+            </a:r>
+            <a:r>
+              <a:rPr lang="ko-KR" altLang="en-US" sz="1400" dirty="0"/>
+              <a:t>년 개발된 </a:t>
+            </a:r>
+            <a:r>
+              <a:rPr lang="ko-KR" altLang="en-US" sz="1400" dirty="0" err="1"/>
+              <a:t>유사난수</a:t>
+            </a:r>
+            <a:r>
+              <a:rPr lang="ko-KR" altLang="en-US" sz="1400" dirty="0"/>
+              <a:t> 생성기이다</a:t>
+            </a:r>
+            <a:r>
+              <a:rPr lang="en-US" altLang="ko-KR" sz="1400" dirty="0"/>
+              <a:t>. </a:t>
+            </a:r>
+            <a:r>
+              <a:rPr lang="ko-KR" altLang="en-US" sz="1400" dirty="0"/>
+              <a:t>난수의 반복주기가 </a:t>
+            </a:r>
+            <a:r>
+              <a:rPr lang="ko-KR" altLang="en-US" sz="1400" dirty="0" err="1"/>
+              <a:t>메르센</a:t>
+            </a:r>
+            <a:r>
+              <a:rPr lang="ko-KR" altLang="en-US" sz="1400" dirty="0"/>
+              <a:t> 소수인데에서 유래되었다</a:t>
+            </a:r>
+            <a:r>
+              <a:rPr lang="en-US" altLang="ko-KR" sz="1400" dirty="0"/>
+              <a:t>.</a:t>
+            </a:r>
+            <a:endParaRPr lang="ko-KR" altLang="en-US" sz="1400" dirty="0"/>
+          </a:p>
+        </p:txBody>
+      </p:sp>
+      <p:sp>
+        <p:nvSpPr>
+          <p:cNvPr id="14" name="직사각형 13">
+            <a:extLst>
+              <a:ext uri="{FF2B5EF4-FFF2-40B4-BE49-F238E27FC236}">
+                <a16:creationId xmlns:a16="http://schemas.microsoft.com/office/drawing/2014/main" id="{94C30688-CEAA-4013-B97E-9E9AB4943AED}"/>
+              </a:ext>
+            </a:extLst>
+          </p:cNvPr>
+          <p:cNvSpPr/>
+          <p:nvPr/>
+        </p:nvSpPr>
+        <p:spPr>
+          <a:xfrm>
+            <a:off x="5542496" y="3020885"/>
+            <a:ext cx="4923883" cy="307777"/>
+          </a:xfrm>
+          <a:prstGeom prst="rect">
+            <a:avLst/>
+          </a:prstGeom>
+        </p:spPr>
+        <p:txBody>
+          <a:bodyPr wrap="square">
+            <a:spAutoFit/>
+          </a:bodyPr>
+          <a:lstStyle/>
+          <a:p>
+            <a:r>
+              <a:rPr lang="en-US" altLang="ko-KR" sz="1400" dirty="0"/>
+              <a:t>※ </a:t>
+            </a:r>
+            <a:r>
+              <a:rPr lang="ko-KR" altLang="en-US" sz="1400" dirty="0" err="1"/>
+              <a:t>메르센</a:t>
+            </a:r>
+            <a:r>
+              <a:rPr lang="ko-KR" altLang="en-US" sz="1400" dirty="0"/>
+              <a:t> 소수 </a:t>
+            </a:r>
+            <a:r>
+              <a:rPr lang="en-US" altLang="ko-KR" sz="1400" dirty="0"/>
+              <a:t>: 2</a:t>
+            </a:r>
+            <a:r>
+              <a:rPr lang="ko-KR" altLang="en-US" sz="1400" dirty="0"/>
+              <a:t>의 거듭제곱에서 </a:t>
+            </a:r>
+            <a:r>
+              <a:rPr lang="en-US" altLang="ko-KR" sz="1400" dirty="0"/>
+              <a:t>-1</a:t>
+            </a:r>
+            <a:r>
+              <a:rPr lang="ko-KR" altLang="en-US" sz="1400" dirty="0"/>
+              <a:t>을 한 수</a:t>
+            </a:r>
+          </a:p>
+        </p:txBody>
+      </p:sp>
+      <p:sp>
+        <p:nvSpPr>
+          <p:cNvPr id="15" name="직사각형 14">
+            <a:extLst>
+              <a:ext uri="{FF2B5EF4-FFF2-40B4-BE49-F238E27FC236}">
+                <a16:creationId xmlns:a16="http://schemas.microsoft.com/office/drawing/2014/main" id="{9CE13E2E-C40E-4C17-9E58-1EB441D02D57}"/>
+              </a:ext>
+            </a:extLst>
+          </p:cNvPr>
+          <p:cNvSpPr/>
+          <p:nvPr/>
+        </p:nvSpPr>
+        <p:spPr>
+          <a:xfrm>
+            <a:off x="5542495" y="3550863"/>
+            <a:ext cx="4923883" cy="923330"/>
+          </a:xfrm>
+          <a:prstGeom prst="rect">
+            <a:avLst/>
+          </a:prstGeom>
+        </p:spPr>
+        <p:txBody>
+          <a:bodyPr wrap="square">
+            <a:spAutoFit/>
+          </a:bodyPr>
+          <a:lstStyle/>
+          <a:p>
+            <a:r>
+              <a:rPr lang="en-US" altLang="ko-KR" dirty="0"/>
+              <a:t>64</a:t>
+            </a:r>
+            <a:r>
+              <a:rPr lang="ko-KR" altLang="en-US" dirty="0"/>
+              <a:t>비트의 </a:t>
+            </a:r>
+            <a:r>
+              <a:rPr lang="ko-KR" altLang="en-US" dirty="0" err="1"/>
+              <a:t>메르센</a:t>
+            </a:r>
+            <a:r>
+              <a:rPr lang="ko-KR" altLang="en-US" dirty="0"/>
+              <a:t> </a:t>
+            </a:r>
+            <a:r>
+              <a:rPr lang="ko-KR" altLang="en-US" dirty="0" err="1"/>
+              <a:t>트위스터</a:t>
+            </a:r>
+            <a:r>
+              <a:rPr lang="ko-KR" altLang="en-US" dirty="0"/>
+              <a:t> 엔진 사용을 위해 </a:t>
+            </a:r>
+            <a:r>
+              <a:rPr lang="en-US" altLang="ko-KR" dirty="0"/>
+              <a:t>mt19937_64</a:t>
+            </a:r>
+            <a:r>
+              <a:rPr lang="ko-KR" altLang="en-US" dirty="0"/>
+              <a:t>로 </a:t>
+            </a:r>
+            <a:r>
+              <a:rPr lang="ko-KR" altLang="en-US" dirty="0" err="1"/>
+              <a:t>시드</a:t>
+            </a:r>
+            <a:r>
+              <a:rPr lang="ko-KR" altLang="en-US" dirty="0"/>
+              <a:t> 설정을 해 준 후 알맞은 범위만큼 난수 분포도 설정을 해준다</a:t>
+            </a:r>
+            <a:r>
+              <a:rPr lang="en-US" altLang="ko-KR" dirty="0"/>
+              <a:t>. </a:t>
+            </a:r>
+            <a:endParaRPr lang="ko-KR" altLang="en-US" dirty="0"/>
+          </a:p>
+        </p:txBody>
+      </p:sp>
+    </p:spTree>
+    <p:extLst>
+      <p:ext uri="{BB962C8B-B14F-4D97-AF65-F5344CB8AC3E}">
+        <p14:creationId xmlns:p14="http://schemas.microsoft.com/office/powerpoint/2010/main" val="1001468160"/>
+      </p:ext>
+    </p:extLst>
+  </p:cSld>
+  <p:clrMapOvr>
+    <a:masterClrMapping/>
+  </p:clrMapOvr>
+</p:sld>
+</file>
+
+<file path=ppt/slides/slide7.xml><?xml version="1.0" encoding="utf-8"?>
+<p:sld xmlns:a="http://schemas.openxmlformats.org/drawingml/2006/main" xmlns:r="http://schemas.openxmlformats.org/officeDocument/2006/relationships" xmlns:p="http://schemas.openxmlformats.org/presentationml/2006/main">
+  <p:cSld>
+    <p:spTree>
+      <p:nvGrpSpPr>
+        <p:cNvPr id="1" name=""/>
+        <p:cNvGrpSpPr/>
+        <p:nvPr/>
+      </p:nvGrpSpPr>
+      <p:grpSpPr>
+        <a:xfrm>
+          <a:off x="0" y="0"/>
+          <a:ext cx="0" cy="0"/>
+          <a:chOff x="0" y="0"/>
+          <a:chExt cx="0" cy="0"/>
+        </a:xfrm>
+      </p:grpSpPr>
+      <p:sp>
+        <p:nvSpPr>
+          <p:cNvPr id="2" name="제목 1">
+            <a:extLst>
+              <a:ext uri="{FF2B5EF4-FFF2-40B4-BE49-F238E27FC236}">
+                <a16:creationId xmlns:a16="http://schemas.microsoft.com/office/drawing/2014/main" id="{84FC562E-71F5-44AE-A884-2A18E4194999}"/>
+              </a:ext>
+            </a:extLst>
+          </p:cNvPr>
+          <p:cNvSpPr>
+            <a:spLocks noGrp="1"/>
+          </p:cNvSpPr>
+          <p:nvPr>
+            <p:ph type="title"/>
+          </p:nvPr>
+        </p:nvSpPr>
+        <p:spPr/>
+        <p:txBody>
+          <a:bodyPr/>
+          <a:lstStyle/>
+          <a:p>
+            <a:r>
+              <a:rPr lang="en-US" altLang="ko-KR" dirty="0"/>
+              <a:t>Tetris – </a:t>
+            </a:r>
+            <a:r>
+              <a:rPr lang="ko-KR" altLang="en-US" dirty="0"/>
+              <a:t>난수 엔진</a:t>
+            </a:r>
+          </a:p>
+        </p:txBody>
+      </p:sp>
+      <p:sp>
+        <p:nvSpPr>
+          <p:cNvPr id="3" name="내용 개체 틀 2">
+            <a:extLst>
+              <a:ext uri="{FF2B5EF4-FFF2-40B4-BE49-F238E27FC236}">
+                <a16:creationId xmlns:a16="http://schemas.microsoft.com/office/drawing/2014/main" id="{FE337EF3-0B83-4082-8774-50754C559A7A}"/>
+              </a:ext>
+            </a:extLst>
+          </p:cNvPr>
+          <p:cNvSpPr>
+            <a:spLocks noGrp="1"/>
+          </p:cNvSpPr>
+          <p:nvPr>
+            <p:ph idx="1"/>
+          </p:nvPr>
+        </p:nvSpPr>
+        <p:spPr>
+          <a:xfrm>
+            <a:off x="6096000" y="1916566"/>
+            <a:ext cx="4921031" cy="2576083"/>
+          </a:xfrm>
+        </p:spPr>
+        <p:txBody>
+          <a:bodyPr>
+            <a:normAutofit/>
+          </a:bodyPr>
+          <a:lstStyle/>
+          <a:p>
+            <a:pPr marL="0" indent="0">
+              <a:buNone/>
+            </a:pPr>
+            <a:r>
+              <a:rPr lang="ko-KR" altLang="en-US" sz="1800" dirty="0"/>
+              <a:t>생성한 난수는 다음 블록의 스타일과 어떻게 회전하고 있는지를 결정한다</a:t>
+            </a:r>
+            <a:r>
+              <a:rPr lang="en-US" altLang="ko-KR" sz="1800" dirty="0"/>
+              <a:t>. </a:t>
+            </a:r>
+            <a:r>
+              <a:rPr lang="ko-KR" altLang="en-US" sz="1800" dirty="0"/>
+              <a:t>다음 블록 스타일에 대한 정보를 미리 세팅한 후 난수에 맞는 회전을 한 블록을 다음 블록으로 세팅한다</a:t>
+            </a:r>
+            <a:r>
+              <a:rPr lang="en-US" altLang="ko-KR" sz="1800" dirty="0"/>
+              <a:t>.</a:t>
+            </a:r>
+            <a:endParaRPr lang="ko-KR" altLang="en-US" sz="1800" dirty="0"/>
+          </a:p>
+        </p:txBody>
+      </p:sp>
+      <p:pic>
+        <p:nvPicPr>
+          <p:cNvPr id="4" name="그림 3">
+            <a:extLst>
+              <a:ext uri="{FF2B5EF4-FFF2-40B4-BE49-F238E27FC236}">
+                <a16:creationId xmlns:a16="http://schemas.microsoft.com/office/drawing/2014/main" id="{EA61638B-DB92-4649-A4EC-696FB834A1E5}"/>
+              </a:ext>
+            </a:extLst>
+          </p:cNvPr>
+          <p:cNvPicPr>
+            <a:picLocks noChangeAspect="1"/>
+          </p:cNvPicPr>
+          <p:nvPr/>
+        </p:nvPicPr>
+        <p:blipFill>
+          <a:blip r:embed="rId2"/>
+          <a:stretch>
+            <a:fillRect/>
+          </a:stretch>
+        </p:blipFill>
+        <p:spPr>
+          <a:xfrm>
+            <a:off x="1101861" y="1916566"/>
+            <a:ext cx="4687236" cy="3273999"/>
+          </a:xfrm>
+          <a:prstGeom prst="rect">
+            <a:avLst/>
+          </a:prstGeom>
+        </p:spPr>
+      </p:pic>
+    </p:spTree>
+    <p:extLst>
+      <p:ext uri="{BB962C8B-B14F-4D97-AF65-F5344CB8AC3E}">
+        <p14:creationId xmlns:p14="http://schemas.microsoft.com/office/powerpoint/2010/main" val="3835054078"/>
+      </p:ext>
+    </p:extLst>
+  </p:cSld>
+  <p:clrMapOvr>
+    <a:masterClrMapping/>
+  </p:clrMapOvr>
+</p:sld>
+</file>
+
+<file path=ppt/slides/slide8.xml><?xml version="1.0" encoding="utf-8"?>
+<p:sld xmlns:a="http://schemas.openxmlformats.org/drawingml/2006/main" xmlns:r="http://schemas.openxmlformats.org/officeDocument/2006/relationships" xmlns:p="http://schemas.openxmlformats.org/presentationml/2006/main">
+  <p:cSld>
+    <p:spTree>
+      <p:nvGrpSpPr>
+        <p:cNvPr id="1" name=""/>
+        <p:cNvGrpSpPr/>
+        <p:nvPr/>
+      </p:nvGrpSpPr>
+      <p:grpSpPr>
+        <a:xfrm>
+          <a:off x="0" y="0"/>
+          <a:ext cx="0" cy="0"/>
+          <a:chOff x="0" y="0"/>
+          <a:chExt cx="0" cy="0"/>
+        </a:xfrm>
+      </p:grpSpPr>
+      <p:sp>
+        <p:nvSpPr>
+          <p:cNvPr id="2" name="제목 1">
+            <a:extLst>
+              <a:ext uri="{FF2B5EF4-FFF2-40B4-BE49-F238E27FC236}">
+                <a16:creationId xmlns:a16="http://schemas.microsoft.com/office/drawing/2014/main" id="{E22946DA-EB40-404E-B00E-A1D1865EF8CD}"/>
+              </a:ext>
+            </a:extLst>
+          </p:cNvPr>
+          <p:cNvSpPr>
+            <a:spLocks noGrp="1"/>
+          </p:cNvSpPr>
+          <p:nvPr>
+            <p:ph type="title"/>
+          </p:nvPr>
+        </p:nvSpPr>
+        <p:spPr/>
+        <p:txBody>
+          <a:bodyPr/>
+          <a:lstStyle/>
+          <a:p>
+            <a:r>
+              <a:rPr lang="en-US" altLang="ko-KR" dirty="0"/>
+              <a:t>API(Metal</a:t>
+            </a:r>
+            <a:r>
+              <a:rPr lang="ko-KR" altLang="en-US" dirty="0"/>
+              <a:t> </a:t>
+            </a:r>
+            <a:r>
+              <a:rPr lang="en-US" altLang="ko-KR" dirty="0"/>
+              <a:t>Slug)</a:t>
+            </a:r>
+            <a:endParaRPr lang="ko-KR" altLang="en-US" dirty="0"/>
+          </a:p>
+        </p:txBody>
+      </p:sp>
+      <p:sp>
+        <p:nvSpPr>
+          <p:cNvPr id="3" name="내용 개체 틀 2">
+            <a:extLst>
+              <a:ext uri="{FF2B5EF4-FFF2-40B4-BE49-F238E27FC236}">
+                <a16:creationId xmlns:a16="http://schemas.microsoft.com/office/drawing/2014/main" id="{670A3211-379F-4BD4-A381-B1EF1A782729}"/>
+              </a:ext>
+            </a:extLst>
+          </p:cNvPr>
+          <p:cNvSpPr>
+            <a:spLocks noGrp="1"/>
+          </p:cNvSpPr>
+          <p:nvPr>
+            <p:ph idx="1"/>
+          </p:nvPr>
+        </p:nvSpPr>
+        <p:spPr/>
+        <p:txBody>
+          <a:bodyPr/>
+          <a:lstStyle/>
+          <a:p>
+            <a:pPr marL="0" indent="0">
+              <a:buNone/>
+            </a:pPr>
+            <a:r>
+              <a:rPr lang="ko-KR" altLang="en-US" dirty="0"/>
+              <a:t>이미지 관리</a:t>
+            </a:r>
+            <a:endParaRPr lang="en-US" altLang="ko-KR" dirty="0"/>
+          </a:p>
+          <a:p>
+            <a:pPr marL="0" indent="0">
+              <a:buNone/>
+            </a:pPr>
+            <a:r>
+              <a:rPr lang="ko-KR" altLang="en-US" dirty="0"/>
+              <a:t>픽셀충돌</a:t>
+            </a:r>
+            <a:endParaRPr lang="en-US" altLang="ko-KR" dirty="0"/>
+          </a:p>
+          <a:p>
+            <a:pPr marL="0" indent="0">
+              <a:buNone/>
+            </a:pPr>
+            <a:r>
+              <a:rPr lang="ko-KR" altLang="en-US" dirty="0"/>
+              <a:t>상태패턴</a:t>
+            </a:r>
+            <a:endParaRPr lang="en-US" altLang="ko-KR" dirty="0"/>
+          </a:p>
+          <a:p>
+            <a:pPr marL="0" indent="0">
+              <a:buNone/>
+            </a:pPr>
+            <a:r>
+              <a:rPr lang="ko-KR" altLang="en-US" dirty="0" err="1"/>
+              <a:t>툴기능</a:t>
+            </a:r>
+            <a:endParaRPr lang="en-US" altLang="ko-KR" dirty="0"/>
+          </a:p>
+          <a:p>
+            <a:pPr marL="0" indent="0">
+              <a:buNone/>
+            </a:pPr>
+            <a:r>
+              <a:rPr lang="en-US" altLang="ko-KR" dirty="0"/>
+              <a:t>FMOD</a:t>
+            </a:r>
+            <a:endParaRPr lang="ko-KR" altLang="en-US" dirty="0"/>
+          </a:p>
+        </p:txBody>
+      </p:sp>
+    </p:spTree>
+    <p:extLst>
+      <p:ext uri="{BB962C8B-B14F-4D97-AF65-F5344CB8AC3E}">
+        <p14:creationId xmlns:p14="http://schemas.microsoft.com/office/powerpoint/2010/main" val="3424872"/>
+      </p:ext>
+    </p:extLst>
+  </p:cSld>
+  <p:clrMapOvr>
+    <a:masterClrMapping/>
+  </p:clrMapOvr>
+</p:sld>
+</file>
+
+<file path=ppt/slides/slide9.xml><?xml version="1.0" encoding="utf-8"?>
+<p:sld xmlns:a="http://schemas.openxmlformats.org/drawingml/2006/main" xmlns:r="http://schemas.openxmlformats.org/officeDocument/2006/relationships" xmlns:p="http://schemas.openxmlformats.org/presentationml/2006/main">
+  <p:cSld>
+    <p:spTree>
+      <p:nvGrpSpPr>
+        <p:cNvPr id="1" name=""/>
+        <p:cNvGrpSpPr/>
+        <p:nvPr/>
+      </p:nvGrpSpPr>
+      <p:grpSpPr>
+        <a:xfrm>
+          <a:off x="0" y="0"/>
+          <a:ext cx="0" cy="0"/>
+          <a:chOff x="0" y="0"/>
+          <a:chExt cx="0" cy="0"/>
+        </a:xfrm>
+      </p:grpSpPr>
+      <p:sp>
+        <p:nvSpPr>
+          <p:cNvPr id="2" name="제목 1">
+            <a:extLst>
+              <a:ext uri="{FF2B5EF4-FFF2-40B4-BE49-F238E27FC236}">
+                <a16:creationId xmlns:a16="http://schemas.microsoft.com/office/drawing/2014/main" id="{7C763E41-4B24-4819-B31F-37E8636E20B3}"/>
+              </a:ext>
+            </a:extLst>
+          </p:cNvPr>
+          <p:cNvSpPr>
+            <a:spLocks noGrp="1"/>
+          </p:cNvSpPr>
+          <p:nvPr>
+            <p:ph type="title"/>
+          </p:nvPr>
+        </p:nvSpPr>
+        <p:spPr/>
+        <p:txBody>
+          <a:bodyPr/>
+          <a:lstStyle/>
+          <a:p>
+            <a:r>
+              <a:rPr lang="en-US" altLang="ko-KR"/>
+              <a:t>API(Metal</a:t>
+            </a:r>
+            <a:r>
+              <a:rPr lang="ko-KR" altLang="en-US"/>
+              <a:t> </a:t>
+            </a:r>
+            <a:r>
+              <a:rPr lang="en-US" altLang="ko-KR"/>
+              <a:t>Slug)</a:t>
+            </a:r>
+            <a:endParaRPr lang="ko-KR" altLang="en-US" dirty="0"/>
+          </a:p>
+        </p:txBody>
+      </p:sp>
+      <p:sp>
+        <p:nvSpPr>
+          <p:cNvPr id="3" name="내용 개체 틀 2">
+            <a:extLst>
+              <a:ext uri="{FF2B5EF4-FFF2-40B4-BE49-F238E27FC236}">
+                <a16:creationId xmlns:a16="http://schemas.microsoft.com/office/drawing/2014/main" id="{F6CEE0A6-EB62-4325-88F9-DF060239C355}"/>
+              </a:ext>
+            </a:extLst>
+          </p:cNvPr>
+          <p:cNvSpPr>
+            <a:spLocks noGrp="1"/>
+          </p:cNvSpPr>
+          <p:nvPr>
+            <p:ph idx="1"/>
+          </p:nvPr>
+        </p:nvSpPr>
+        <p:spPr>
+          <a:xfrm>
+            <a:off x="838200" y="1791665"/>
+            <a:ext cx="5764509" cy="1325563"/>
+          </a:xfrm>
+        </p:spPr>
+        <p:txBody>
+          <a:bodyPr>
+            <a:normAutofit fontScale="92500"/>
+          </a:bodyPr>
+          <a:lstStyle/>
+          <a:p>
+            <a:pPr marL="0" indent="0">
+              <a:buNone/>
+            </a:pPr>
+            <a:r>
+              <a:rPr lang="ko-KR" altLang="en-US" sz="2400" dirty="0"/>
+              <a:t>메탈슬러그 모작</a:t>
+            </a:r>
+            <a:r>
+              <a:rPr lang="en-US" altLang="ko-KR" sz="2400" dirty="0"/>
+              <a:t>.</a:t>
+            </a:r>
+          </a:p>
+          <a:p>
+            <a:pPr marL="0" indent="0">
+              <a:buNone/>
+            </a:pPr>
+            <a:r>
+              <a:rPr lang="ko-KR" altLang="en-US" sz="2400" dirty="0"/>
+              <a:t>각종 아이템과 탈것을 이용하여 직접 배치한 적들을 격파하며 미션을 클리어 하자</a:t>
+            </a:r>
+            <a:r>
+              <a:rPr lang="en-US" altLang="ko-KR" sz="2400" dirty="0"/>
+              <a:t>!</a:t>
+            </a:r>
+          </a:p>
+          <a:p>
+            <a:pPr marL="0" indent="0">
+              <a:buNone/>
+            </a:pPr>
+            <a:endParaRPr lang="en-US" altLang="ko-KR" sz="2400" dirty="0"/>
+          </a:p>
+          <a:p>
+            <a:pPr marL="0" indent="0">
+              <a:buNone/>
+            </a:pPr>
+            <a:endParaRPr lang="en-US" altLang="ko-KR" sz="2400" dirty="0"/>
+          </a:p>
+        </p:txBody>
+      </p:sp>
       <p:sp>
         <p:nvSpPr>
           <p:cNvPr id="5" name="내용 개체 틀 2">
@@ -5232,8 +7971,8 @@
         </p:nvSpPr>
         <p:spPr>
           <a:xfrm>
-            <a:off x="838200" y="4807915"/>
-            <a:ext cx="6108701" cy="1498191"/>
+            <a:off x="664295" y="5316921"/>
+            <a:ext cx="7778477" cy="1587275"/>
           </a:xfrm>
           <a:prstGeom prst="rect">
             <a:avLst/>
@@ -5412,112 +8151,49 @@
               <a:buNone/>
             </a:pPr>
             <a:r>
-              <a:rPr lang="ko-KR" altLang="en-US" sz="2000" dirty="0"/>
+              <a:rPr lang="ko-KR" altLang="en-US" sz="1800" dirty="0"/>
               <a:t>시연영상 </a:t>
             </a:r>
             <a:r>
-              <a:rPr lang="en-US" altLang="ko-KR" sz="2000" dirty="0"/>
+              <a:rPr lang="en-US" altLang="ko-KR" sz="1800" dirty="0"/>
               <a:t>: </a:t>
             </a:r>
             <a:r>
-              <a:rPr lang="en-US" altLang="ko-KR" sz="2000" dirty="0">
+              <a:rPr lang="en-US" altLang="ko-KR" sz="1800" dirty="0">
+                <a:hlinkClick r:id="rId2"/>
+              </a:rPr>
+              <a:t>https://www.youtube.com/watch?v=i1ZLxu472KA</a:t>
+            </a:r>
+            <a:endParaRPr lang="en-US" altLang="ko-KR" sz="1800" dirty="0"/>
+          </a:p>
+          <a:p>
+            <a:pPr marL="0" indent="0">
+              <a:buNone/>
+            </a:pPr>
+            <a:r>
+              <a:rPr lang="en-US" altLang="ko-KR" sz="1800" dirty="0" err="1"/>
+              <a:t>Github</a:t>
+            </a:r>
+            <a:r>
+              <a:rPr lang="en-US" altLang="ko-KR" sz="1800" dirty="0"/>
+              <a:t> : </a:t>
+            </a:r>
+            <a:r>
+              <a:rPr lang="en-US" altLang="ko-KR" sz="1800" dirty="0">
                 <a:hlinkClick r:id="rId3"/>
               </a:rPr>
-              <a:t>https://youtu.be/_46-5b1yheE</a:t>
-            </a:r>
-            <a:endParaRPr lang="en-US" altLang="ko-KR" sz="2000" dirty="0"/>
-          </a:p>
-          <a:p>
-            <a:pPr marL="0" indent="0">
-              <a:buNone/>
-            </a:pPr>
-            <a:r>
-              <a:rPr lang="en-US" altLang="ko-KR" sz="2000" dirty="0" err="1"/>
-              <a:t>Github</a:t>
-            </a:r>
-            <a:r>
-              <a:rPr lang="en-US" altLang="ko-KR" sz="2000" dirty="0"/>
-              <a:t> : </a:t>
-            </a:r>
-            <a:r>
-              <a:rPr lang="en-US" altLang="ko-KR" sz="2000" dirty="0">
-                <a:hlinkClick r:id="rId4"/>
-              </a:rPr>
-              <a:t>https://github.com/Beom-portfolio/Tetris</a:t>
-            </a:r>
-            <a:endParaRPr lang="en-US" altLang="ko-KR" sz="2000" dirty="0"/>
-          </a:p>
-        </p:txBody>
-      </p:sp>
-    </p:spTree>
-    <p:extLst>
-      <p:ext uri="{BB962C8B-B14F-4D97-AF65-F5344CB8AC3E}">
-        <p14:creationId xmlns:p14="http://schemas.microsoft.com/office/powerpoint/2010/main" val="493857378"/>
-      </p:ext>
-    </p:extLst>
-  </p:cSld>
-  <p:clrMapOvr>
-    <a:masterClrMapping/>
-  </p:clrMapOvr>
-</p:sld>
-</file>
-
-<file path=ppt/slides/slide5.xml><?xml version="1.0" encoding="utf-8"?>
-<p:sld xmlns:a="http://schemas.openxmlformats.org/drawingml/2006/main" xmlns:r="http://schemas.openxmlformats.org/officeDocument/2006/relationships" xmlns:p="http://schemas.openxmlformats.org/presentationml/2006/main">
-  <p:cSld>
-    <p:spTree>
-      <p:nvGrpSpPr>
-        <p:cNvPr id="1" name=""/>
-        <p:cNvGrpSpPr/>
-        <p:nvPr/>
-      </p:nvGrpSpPr>
-      <p:grpSpPr>
-        <a:xfrm>
-          <a:off x="0" y="0"/>
-          <a:ext cx="0" cy="0"/>
-          <a:chOff x="0" y="0"/>
-          <a:chExt cx="0" cy="0"/>
-        </a:xfrm>
-      </p:grpSpPr>
-      <p:sp>
-        <p:nvSpPr>
-          <p:cNvPr id="2" name="제목 1">
-            <a:extLst>
-              <a:ext uri="{FF2B5EF4-FFF2-40B4-BE49-F238E27FC236}">
-                <a16:creationId xmlns:a16="http://schemas.microsoft.com/office/drawing/2014/main" id="{D7FF0E4D-41E3-43B1-9096-E5321ACC710F}"/>
-              </a:ext>
-            </a:extLst>
-          </p:cNvPr>
-          <p:cNvSpPr>
-            <a:spLocks noGrp="1"/>
-          </p:cNvSpPr>
-          <p:nvPr>
-            <p:ph type="title"/>
-          </p:nvPr>
-        </p:nvSpPr>
-        <p:spPr/>
-        <p:txBody>
-          <a:bodyPr/>
-          <a:lstStyle/>
-          <a:p>
-            <a:r>
-              <a:rPr lang="en-US" altLang="ko-KR"/>
-              <a:t>Tetris - </a:t>
-            </a:r>
-            <a:r>
-              <a:rPr lang="ko-KR" altLang="en-US"/>
-              <a:t>더블버퍼링</a:t>
-            </a:r>
-            <a:endParaRPr lang="ko-KR" altLang="en-US" dirty="0"/>
+              <a:t>https://github.com/Beom-portfolio/MetalSlug</a:t>
+            </a:r>
+            <a:endParaRPr lang="en-US" altLang="ko-KR" sz="1800" dirty="0"/>
           </a:p>
         </p:txBody>
       </p:sp>
       <p:pic>
         <p:nvPicPr>
-          <p:cNvPr id="10" name="그림 9" descr="사진, 앉아있는, 화면, 거리이(가) 표시된 사진&#10;&#10;자동 생성된 설명">
-            <a:extLst>
-              <a:ext uri="{FF2B5EF4-FFF2-40B4-BE49-F238E27FC236}">
-                <a16:creationId xmlns:a16="http://schemas.microsoft.com/office/drawing/2014/main" id="{387A93BF-F375-4A6F-9B0E-E44C619AFFC2}"/>
+          <p:cNvPr id="4" name="그림 3">
+            <a:extLst>
+              <a:ext uri="{FF2B5EF4-FFF2-40B4-BE49-F238E27FC236}">
+                <a16:creationId xmlns:a16="http://schemas.microsoft.com/office/drawing/2014/main" id="{F1B42157-6E52-4FA4-846D-68911D2680AE}"/>
               </a:ext>
             </a:extLst>
           </p:cNvPr>
@@ -5527,939 +8203,15 @@
           <p:nvPr/>
         </p:nvPicPr>
         <p:blipFill>
-          <a:blip r:embed="rId2"/>
+          <a:blip r:embed="rId4"/>
           <a:stretch>
             <a:fillRect/>
           </a:stretch>
         </p:blipFill>
         <p:spPr>
           <a:xfrm>
-            <a:off x="1012104" y="2198609"/>
-            <a:ext cx="5417669" cy="1007460"/>
-          </a:xfrm>
-          <a:prstGeom prst="rect">
-            <a:avLst/>
-          </a:prstGeom>
-        </p:spPr>
-      </p:pic>
-      <p:pic>
-        <p:nvPicPr>
-          <p:cNvPr id="1026" name="Picture 2" descr="슭의 개발 블로그: copy와 flip - Double buffering의 2가지 기법">
-            <a:extLst>
-              <a:ext uri="{FF2B5EF4-FFF2-40B4-BE49-F238E27FC236}">
-                <a16:creationId xmlns:a16="http://schemas.microsoft.com/office/drawing/2014/main" id="{9EAE37D0-FAB2-40CE-8125-3D5F0BA62019}"/>
-              </a:ext>
-            </a:extLst>
-          </p:cNvPr>
-          <p:cNvPicPr>
-            <a:picLocks noChangeAspect="1" noChangeArrowheads="1"/>
-          </p:cNvPicPr>
-          <p:nvPr/>
-        </p:nvPicPr>
-        <p:blipFill>
-          <a:blip r:embed="rId3">
-            <a:extLst>
-              <a:ext uri="{28A0092B-C50C-407E-A947-70E740481C1C}">
-                <a14:useLocalDpi xmlns:a14="http://schemas.microsoft.com/office/drawing/2010/main" val="0"/>
-              </a:ext>
-            </a:extLst>
-          </a:blip>
-          <a:srcRect/>
-          <a:stretch>
-            <a:fillRect/>
-          </a:stretch>
-        </p:blipFill>
-        <p:spPr bwMode="auto">
-          <a:xfrm>
-            <a:off x="7213300" y="1317852"/>
-            <a:ext cx="4140500" cy="4751967"/>
-          </a:xfrm>
-          <a:prstGeom prst="rect">
-            <a:avLst/>
-          </a:prstGeom>
-          <a:noFill/>
-          <a:extLst>
-            <a:ext uri="{909E8E84-426E-40DD-AFC4-6F175D3DCCD1}">
-              <a14:hiddenFill xmlns:a14="http://schemas.microsoft.com/office/drawing/2010/main">
-                <a:solidFill>
-                  <a:srgbClr val="FFFFFF"/>
-                </a:solidFill>
-              </a14:hiddenFill>
-            </a:ext>
-          </a:extLst>
-        </p:spPr>
-      </p:pic>
-      <p:sp>
-        <p:nvSpPr>
-          <p:cNvPr id="7" name="TextBox 6">
-            <a:extLst>
-              <a:ext uri="{FF2B5EF4-FFF2-40B4-BE49-F238E27FC236}">
-                <a16:creationId xmlns:a16="http://schemas.microsoft.com/office/drawing/2014/main" id="{91D1B044-1E9B-413D-9EF6-D05E4B864691}"/>
-              </a:ext>
-            </a:extLst>
-          </p:cNvPr>
-          <p:cNvSpPr txBox="1"/>
-          <p:nvPr/>
-        </p:nvSpPr>
-        <p:spPr>
-          <a:xfrm>
-            <a:off x="925620" y="1600931"/>
-            <a:ext cx="6103480" cy="369332"/>
-          </a:xfrm>
-          <a:prstGeom prst="rect">
-            <a:avLst/>
-          </a:prstGeom>
-          <a:noFill/>
-        </p:spPr>
-        <p:txBody>
-          <a:bodyPr wrap="square" rtlCol="0">
-            <a:spAutoFit/>
-          </a:bodyPr>
-          <a:lstStyle/>
-          <a:p>
-            <a:r>
-              <a:rPr lang="ko-KR" altLang="en-US" dirty="0"/>
-              <a:t>화면 깜빡임을 해결하기 위해 콘솔에서 </a:t>
-            </a:r>
-            <a:r>
-              <a:rPr lang="ko-KR" altLang="en-US" dirty="0" err="1"/>
-              <a:t>더블버퍼링</a:t>
-            </a:r>
-            <a:r>
-              <a:rPr lang="ko-KR" altLang="en-US" dirty="0"/>
-              <a:t> 활용</a:t>
-            </a:r>
-          </a:p>
-        </p:txBody>
-      </p:sp>
-      <p:sp>
-        <p:nvSpPr>
-          <p:cNvPr id="12" name="TextBox 11">
-            <a:extLst>
-              <a:ext uri="{FF2B5EF4-FFF2-40B4-BE49-F238E27FC236}">
-                <a16:creationId xmlns:a16="http://schemas.microsoft.com/office/drawing/2014/main" id="{2C85FD88-9EE3-4B09-91CF-EBFF7C7A1E5E}"/>
-              </a:ext>
-            </a:extLst>
-          </p:cNvPr>
-          <p:cNvSpPr txBox="1"/>
-          <p:nvPr/>
-        </p:nvSpPr>
-        <p:spPr>
-          <a:xfrm>
-            <a:off x="925620" y="3534584"/>
-            <a:ext cx="6103480" cy="923330"/>
-          </a:xfrm>
-          <a:prstGeom prst="rect">
-            <a:avLst/>
-          </a:prstGeom>
-          <a:noFill/>
-        </p:spPr>
-        <p:txBody>
-          <a:bodyPr wrap="square" rtlCol="0">
-            <a:spAutoFit/>
-          </a:bodyPr>
-          <a:lstStyle/>
-          <a:p>
-            <a:r>
-              <a:rPr lang="ko-KR" altLang="en-US" dirty="0"/>
-              <a:t>두 개의 콘솔 스크린 버퍼를 만들어 참조하고 있지 않은 버퍼에 다음 프레임의 장면을 그린 후 참조 만하여 </a:t>
-            </a:r>
-            <a:r>
-              <a:rPr lang="ko-KR" altLang="en-US" dirty="0" err="1"/>
-              <a:t>깜빡거림을</a:t>
-            </a:r>
-            <a:r>
-              <a:rPr lang="ko-KR" altLang="en-US" dirty="0"/>
-              <a:t> 해결</a:t>
-            </a:r>
-            <a:r>
-              <a:rPr lang="en-US" altLang="ko-KR" dirty="0"/>
-              <a:t>.</a:t>
-            </a:r>
-            <a:endParaRPr lang="ko-KR" altLang="en-US" dirty="0"/>
-          </a:p>
-        </p:txBody>
-      </p:sp>
-    </p:spTree>
-    <p:extLst>
-      <p:ext uri="{BB962C8B-B14F-4D97-AF65-F5344CB8AC3E}">
-        <p14:creationId xmlns:p14="http://schemas.microsoft.com/office/powerpoint/2010/main" val="643469581"/>
-      </p:ext>
-    </p:extLst>
-  </p:cSld>
-  <p:clrMapOvr>
-    <a:masterClrMapping/>
-  </p:clrMapOvr>
-</p:sld>
-</file>
-
-<file path=ppt/slides/slide6.xml><?xml version="1.0" encoding="utf-8"?>
-<p:sld xmlns:a="http://schemas.openxmlformats.org/drawingml/2006/main" xmlns:r="http://schemas.openxmlformats.org/officeDocument/2006/relationships" xmlns:p="http://schemas.openxmlformats.org/presentationml/2006/main">
-  <p:cSld>
-    <p:spTree>
-      <p:nvGrpSpPr>
-        <p:cNvPr id="1" name=""/>
-        <p:cNvGrpSpPr/>
-        <p:nvPr/>
-      </p:nvGrpSpPr>
-      <p:grpSpPr>
-        <a:xfrm>
-          <a:off x="0" y="0"/>
-          <a:ext cx="0" cy="0"/>
-          <a:chOff x="0" y="0"/>
-          <a:chExt cx="0" cy="0"/>
-        </a:xfrm>
-      </p:grpSpPr>
-      <p:sp>
-        <p:nvSpPr>
-          <p:cNvPr id="2" name="제목 1">
-            <a:extLst>
-              <a:ext uri="{FF2B5EF4-FFF2-40B4-BE49-F238E27FC236}">
-                <a16:creationId xmlns:a16="http://schemas.microsoft.com/office/drawing/2014/main" id="{D7FF0E4D-41E3-43B1-9096-E5321ACC710F}"/>
-              </a:ext>
-            </a:extLst>
-          </p:cNvPr>
-          <p:cNvSpPr>
-            <a:spLocks noGrp="1"/>
-          </p:cNvSpPr>
-          <p:nvPr>
-            <p:ph type="title"/>
-          </p:nvPr>
-        </p:nvSpPr>
-        <p:spPr/>
-        <p:txBody>
-          <a:bodyPr/>
-          <a:lstStyle/>
-          <a:p>
-            <a:r>
-              <a:rPr lang="en-US" altLang="ko-KR"/>
-              <a:t>Tetris - </a:t>
-            </a:r>
-            <a:r>
-              <a:rPr lang="ko-KR" altLang="en-US"/>
-              <a:t>더블버퍼링</a:t>
-            </a:r>
-            <a:endParaRPr lang="ko-KR" altLang="en-US" dirty="0"/>
-          </a:p>
-        </p:txBody>
-      </p:sp>
-      <p:pic>
-        <p:nvPicPr>
-          <p:cNvPr id="4" name="그림 3" descr="앉아있는이(가) 표시된 사진&#10;&#10;자동 생성된 설명">
-            <a:extLst>
-              <a:ext uri="{FF2B5EF4-FFF2-40B4-BE49-F238E27FC236}">
-                <a16:creationId xmlns:a16="http://schemas.microsoft.com/office/drawing/2014/main" id="{18177384-67A3-46D6-AE8C-24EA78017EAA}"/>
-              </a:ext>
-            </a:extLst>
-          </p:cNvPr>
-          <p:cNvPicPr>
-            <a:picLocks noChangeAspect="1"/>
-          </p:cNvPicPr>
-          <p:nvPr/>
-        </p:nvPicPr>
-        <p:blipFill>
-          <a:blip r:embed="rId2"/>
-          <a:stretch>
-            <a:fillRect/>
-          </a:stretch>
-        </p:blipFill>
-        <p:spPr>
-          <a:xfrm>
-            <a:off x="970211" y="1774836"/>
-            <a:ext cx="3817128" cy="2524746"/>
-          </a:xfrm>
-          <a:prstGeom prst="rect">
-            <a:avLst/>
-          </a:prstGeom>
-        </p:spPr>
-      </p:pic>
-      <p:pic>
-        <p:nvPicPr>
-          <p:cNvPr id="6" name="그림 5" descr="스크린샷, 모니터, 화면이(가) 표시된 사진&#10;&#10;자동 생성된 설명">
-            <a:extLst>
-              <a:ext uri="{FF2B5EF4-FFF2-40B4-BE49-F238E27FC236}">
-                <a16:creationId xmlns:a16="http://schemas.microsoft.com/office/drawing/2014/main" id="{D524A008-12A9-43FC-8BB3-D05040F2A50E}"/>
-              </a:ext>
-            </a:extLst>
-          </p:cNvPr>
-          <p:cNvPicPr>
-            <a:picLocks noChangeAspect="1"/>
-          </p:cNvPicPr>
-          <p:nvPr/>
-        </p:nvPicPr>
-        <p:blipFill>
-          <a:blip r:embed="rId3"/>
-          <a:stretch>
-            <a:fillRect/>
-          </a:stretch>
-        </p:blipFill>
-        <p:spPr>
-          <a:xfrm>
-            <a:off x="970211" y="4478272"/>
-            <a:ext cx="6316059" cy="1940370"/>
-          </a:xfrm>
-          <a:prstGeom prst="rect">
-            <a:avLst/>
-          </a:prstGeom>
-        </p:spPr>
-      </p:pic>
-      <p:sp>
-        <p:nvSpPr>
-          <p:cNvPr id="7" name="직사각형 6">
-            <a:extLst>
-              <a:ext uri="{FF2B5EF4-FFF2-40B4-BE49-F238E27FC236}">
-                <a16:creationId xmlns:a16="http://schemas.microsoft.com/office/drawing/2014/main" id="{F71EBC4B-40BA-4661-884D-B5A7F4BA182F}"/>
-              </a:ext>
-            </a:extLst>
-          </p:cNvPr>
-          <p:cNvSpPr/>
-          <p:nvPr/>
-        </p:nvSpPr>
-        <p:spPr>
-          <a:xfrm>
-            <a:off x="5309181" y="1754531"/>
-            <a:ext cx="7128875" cy="1477328"/>
-          </a:xfrm>
-          <a:prstGeom prst="rect">
-            <a:avLst/>
-          </a:prstGeom>
-        </p:spPr>
-        <p:txBody>
-          <a:bodyPr wrap="square">
-            <a:spAutoFit/>
-          </a:bodyPr>
-          <a:lstStyle/>
-          <a:p>
-            <a:r>
-              <a:rPr lang="ko-KR" altLang="en-US" dirty="0"/>
-              <a:t>게임이 돌아가는 </a:t>
-            </a:r>
-            <a:r>
-              <a:rPr lang="en-US" altLang="ko-KR" dirty="0"/>
-              <a:t>Logic()</a:t>
-            </a:r>
-            <a:r>
-              <a:rPr lang="ko-KR" altLang="en-US" dirty="0"/>
-              <a:t>에서 다음 프레임을 위해 게임 월드의</a:t>
-            </a:r>
-            <a:endParaRPr lang="en-US" altLang="ko-KR" dirty="0"/>
-          </a:p>
-          <a:p>
-            <a:r>
-              <a:rPr lang="ko-KR" altLang="en-US" dirty="0"/>
-              <a:t>객체들을 업데이트 한 후 </a:t>
-            </a:r>
-            <a:r>
-              <a:rPr lang="en-US" altLang="ko-KR" dirty="0"/>
-              <a:t>Flipping()</a:t>
-            </a:r>
-            <a:r>
-              <a:rPr lang="ko-KR" altLang="en-US" dirty="0"/>
-              <a:t>을 통해 참조하고 있지 않은 </a:t>
-            </a:r>
-            <a:endParaRPr lang="en-US" altLang="ko-KR" dirty="0"/>
-          </a:p>
-          <a:p>
-            <a:r>
-              <a:rPr lang="ko-KR" altLang="en-US" dirty="0"/>
-              <a:t>버퍼를 참조하여 화면에 세팅한다</a:t>
-            </a:r>
-            <a:r>
-              <a:rPr lang="en-US" altLang="ko-KR" dirty="0"/>
-              <a:t>. </a:t>
-            </a:r>
-            <a:r>
-              <a:rPr lang="ko-KR" altLang="en-US" dirty="0"/>
-              <a:t>그리고 참조가 끝난 버퍼는 </a:t>
-            </a:r>
-            <a:endParaRPr lang="en-US" altLang="ko-KR" dirty="0"/>
-          </a:p>
-          <a:p>
-            <a:r>
-              <a:rPr lang="en-US" altLang="ko-KR" dirty="0"/>
-              <a:t>Clear()</a:t>
-            </a:r>
-            <a:r>
-              <a:rPr lang="ko-KR" altLang="en-US" dirty="0"/>
-              <a:t>를 통해 기록되어 있는 내용을 지워주고 다음 프레임의 </a:t>
-            </a:r>
-            <a:endParaRPr lang="en-US" altLang="ko-KR" dirty="0"/>
-          </a:p>
-          <a:p>
-            <a:r>
-              <a:rPr lang="ko-KR" altLang="en-US" dirty="0"/>
-              <a:t>버퍼 내용을 채워 넣는다</a:t>
-            </a:r>
-            <a:r>
-              <a:rPr lang="en-US" altLang="ko-KR" dirty="0"/>
-              <a:t>.</a:t>
-            </a:r>
-            <a:endParaRPr lang="ko-KR" altLang="en-US" dirty="0"/>
-          </a:p>
-        </p:txBody>
-      </p:sp>
-      <p:sp>
-        <p:nvSpPr>
-          <p:cNvPr id="8" name="직사각형 7">
-            <a:extLst>
-              <a:ext uri="{FF2B5EF4-FFF2-40B4-BE49-F238E27FC236}">
-                <a16:creationId xmlns:a16="http://schemas.microsoft.com/office/drawing/2014/main" id="{155024A9-F439-4F9A-B032-A171FDD4E4DB}"/>
-              </a:ext>
-            </a:extLst>
-          </p:cNvPr>
-          <p:cNvSpPr/>
-          <p:nvPr/>
-        </p:nvSpPr>
-        <p:spPr>
-          <a:xfrm>
-            <a:off x="7525525" y="4478272"/>
-            <a:ext cx="4311186" cy="923330"/>
-          </a:xfrm>
-          <a:prstGeom prst="rect">
-            <a:avLst/>
-          </a:prstGeom>
-        </p:spPr>
-        <p:txBody>
-          <a:bodyPr wrap="square">
-            <a:spAutoFit/>
-          </a:bodyPr>
-          <a:lstStyle/>
-          <a:p>
-            <a:r>
-              <a:rPr lang="en-US" altLang="ko-KR" dirty="0" err="1"/>
-              <a:t>m_currentBuffer</a:t>
-            </a:r>
-            <a:r>
-              <a:rPr lang="en-US" altLang="ko-KR" dirty="0"/>
-              <a:t> </a:t>
-            </a:r>
-            <a:r>
-              <a:rPr lang="ko-KR" altLang="en-US" dirty="0"/>
-              <a:t>멤버변수를 통해 참조할 다음 버퍼가 무엇인지를 알 수 있게 해준다</a:t>
-            </a:r>
-            <a:r>
-              <a:rPr lang="en-US" altLang="ko-KR" dirty="0"/>
-              <a:t>.</a:t>
-            </a:r>
-            <a:endParaRPr lang="ko-KR" altLang="en-US" dirty="0"/>
-          </a:p>
-        </p:txBody>
-      </p:sp>
-    </p:spTree>
-    <p:extLst>
-      <p:ext uri="{BB962C8B-B14F-4D97-AF65-F5344CB8AC3E}">
-        <p14:creationId xmlns:p14="http://schemas.microsoft.com/office/powerpoint/2010/main" val="2763001545"/>
-      </p:ext>
-    </p:extLst>
-  </p:cSld>
-  <p:clrMapOvr>
-    <a:masterClrMapping/>
-  </p:clrMapOvr>
-</p:sld>
-</file>
-
-<file path=ppt/slides/slide7.xml><?xml version="1.0" encoding="utf-8"?>
-<p:sld xmlns:a="http://schemas.openxmlformats.org/drawingml/2006/main" xmlns:r="http://schemas.openxmlformats.org/officeDocument/2006/relationships" xmlns:p="http://schemas.openxmlformats.org/presentationml/2006/main">
-  <p:cSld>
-    <p:spTree>
-      <p:nvGrpSpPr>
-        <p:cNvPr id="1" name=""/>
-        <p:cNvGrpSpPr/>
-        <p:nvPr/>
-      </p:nvGrpSpPr>
-      <p:grpSpPr>
-        <a:xfrm>
-          <a:off x="0" y="0"/>
-          <a:ext cx="0" cy="0"/>
-          <a:chOff x="0" y="0"/>
-          <a:chExt cx="0" cy="0"/>
-        </a:xfrm>
-      </p:grpSpPr>
-      <p:sp>
-        <p:nvSpPr>
-          <p:cNvPr id="2" name="제목 1">
-            <a:extLst>
-              <a:ext uri="{FF2B5EF4-FFF2-40B4-BE49-F238E27FC236}">
-                <a16:creationId xmlns:a16="http://schemas.microsoft.com/office/drawing/2014/main" id="{D7FF0E4D-41E3-43B1-9096-E5321ACC710F}"/>
-              </a:ext>
-            </a:extLst>
-          </p:cNvPr>
-          <p:cNvSpPr>
-            <a:spLocks noGrp="1"/>
-          </p:cNvSpPr>
-          <p:nvPr>
-            <p:ph type="title"/>
-          </p:nvPr>
-        </p:nvSpPr>
-        <p:spPr/>
-        <p:txBody>
-          <a:bodyPr/>
-          <a:lstStyle/>
-          <a:p>
-            <a:r>
-              <a:rPr lang="en-US" altLang="ko-KR" dirty="0"/>
-              <a:t>Tetris – </a:t>
-            </a:r>
-            <a:r>
-              <a:rPr lang="ko-KR" altLang="en-US" dirty="0"/>
-              <a:t>난수 엔진</a:t>
-            </a:r>
-          </a:p>
-        </p:txBody>
-      </p:sp>
-      <p:sp>
-        <p:nvSpPr>
-          <p:cNvPr id="7" name="직사각형 6">
-            <a:extLst>
-              <a:ext uri="{FF2B5EF4-FFF2-40B4-BE49-F238E27FC236}">
-                <a16:creationId xmlns:a16="http://schemas.microsoft.com/office/drawing/2014/main" id="{F71EBC4B-40BA-4661-884D-B5A7F4BA182F}"/>
-              </a:ext>
-            </a:extLst>
-          </p:cNvPr>
-          <p:cNvSpPr/>
-          <p:nvPr/>
-        </p:nvSpPr>
-        <p:spPr>
-          <a:xfrm>
-            <a:off x="5542499" y="1506022"/>
-            <a:ext cx="4923883" cy="923330"/>
-          </a:xfrm>
-          <a:prstGeom prst="rect">
-            <a:avLst/>
-          </a:prstGeom>
-        </p:spPr>
-        <p:txBody>
-          <a:bodyPr wrap="square">
-            <a:spAutoFit/>
-          </a:bodyPr>
-          <a:lstStyle/>
-          <a:p>
-            <a:r>
-              <a:rPr lang="ko-KR" altLang="en-US" dirty="0"/>
-              <a:t>난수 엔진을 활용하여 기존의 </a:t>
-            </a:r>
-            <a:r>
-              <a:rPr lang="en-US" altLang="ko-KR" dirty="0"/>
-              <a:t>rand</a:t>
-            </a:r>
-            <a:r>
-              <a:rPr lang="ko-KR" altLang="en-US" dirty="0"/>
-              <a:t>보다 더 명확한 난수를 추출</a:t>
-            </a:r>
-            <a:r>
-              <a:rPr lang="en-US" altLang="ko-KR" dirty="0"/>
-              <a:t>. </a:t>
-            </a:r>
-            <a:r>
-              <a:rPr lang="ko-KR" altLang="en-US" dirty="0"/>
-              <a:t>난수 엔진은 기본적으로 </a:t>
-            </a:r>
-            <a:r>
-              <a:rPr lang="ko-KR" altLang="en-US" dirty="0" err="1"/>
-              <a:t>메르센</a:t>
-            </a:r>
-            <a:r>
-              <a:rPr lang="ko-KR" altLang="en-US" dirty="0"/>
-              <a:t> </a:t>
-            </a:r>
-            <a:r>
-              <a:rPr lang="ko-KR" altLang="en-US" dirty="0" err="1"/>
-              <a:t>트위스터</a:t>
-            </a:r>
-            <a:r>
-              <a:rPr lang="ko-KR" altLang="en-US" dirty="0"/>
-              <a:t> 엔진이 사용됨</a:t>
-            </a:r>
-          </a:p>
-        </p:txBody>
-      </p:sp>
-      <p:pic>
-        <p:nvPicPr>
-          <p:cNvPr id="12" name="그림 11">
-            <a:extLst>
-              <a:ext uri="{FF2B5EF4-FFF2-40B4-BE49-F238E27FC236}">
-                <a16:creationId xmlns:a16="http://schemas.microsoft.com/office/drawing/2014/main" id="{3D6E45EF-2B54-46C2-8056-E7D7EC8CDA7B}"/>
-              </a:ext>
-            </a:extLst>
-          </p:cNvPr>
-          <p:cNvPicPr>
-            <a:picLocks noChangeAspect="1"/>
-          </p:cNvPicPr>
-          <p:nvPr/>
-        </p:nvPicPr>
-        <p:blipFill>
-          <a:blip r:embed="rId2"/>
-          <a:stretch>
-            <a:fillRect/>
-          </a:stretch>
-        </p:blipFill>
-        <p:spPr>
-          <a:xfrm>
-            <a:off x="998038" y="1598035"/>
-            <a:ext cx="4118114" cy="4649301"/>
-          </a:xfrm>
-          <a:prstGeom prst="rect">
-            <a:avLst/>
-          </a:prstGeom>
-        </p:spPr>
-      </p:pic>
-      <p:sp>
-        <p:nvSpPr>
-          <p:cNvPr id="13" name="직사각형 12">
-            <a:extLst>
-              <a:ext uri="{FF2B5EF4-FFF2-40B4-BE49-F238E27FC236}">
-                <a16:creationId xmlns:a16="http://schemas.microsoft.com/office/drawing/2014/main" id="{7823E164-86F4-410D-BFAC-F213A9CE650B}"/>
-              </a:ext>
-            </a:extLst>
-          </p:cNvPr>
-          <p:cNvSpPr/>
-          <p:nvPr/>
-        </p:nvSpPr>
-        <p:spPr>
-          <a:xfrm>
-            <a:off x="5542497" y="2436110"/>
-            <a:ext cx="4923883" cy="523220"/>
-          </a:xfrm>
-          <a:prstGeom prst="rect">
-            <a:avLst/>
-          </a:prstGeom>
-        </p:spPr>
-        <p:txBody>
-          <a:bodyPr wrap="square">
-            <a:spAutoFit/>
-          </a:bodyPr>
-          <a:lstStyle/>
-          <a:p>
-            <a:r>
-              <a:rPr lang="en-US" altLang="ko-KR" sz="1400" dirty="0"/>
-              <a:t>※ </a:t>
-            </a:r>
-            <a:r>
-              <a:rPr lang="ko-KR" altLang="en-US" sz="1400" dirty="0" err="1"/>
-              <a:t>메르센</a:t>
-            </a:r>
-            <a:r>
-              <a:rPr lang="ko-KR" altLang="en-US" sz="1400" dirty="0"/>
-              <a:t> </a:t>
-            </a:r>
-            <a:r>
-              <a:rPr lang="ko-KR" altLang="en-US" sz="1400" dirty="0" err="1"/>
-              <a:t>트위스터</a:t>
-            </a:r>
-            <a:r>
-              <a:rPr lang="ko-KR" altLang="en-US" sz="1400" dirty="0"/>
-              <a:t> </a:t>
-            </a:r>
-            <a:r>
-              <a:rPr lang="en-US" altLang="ko-KR" sz="1400" dirty="0"/>
-              <a:t>: 1997</a:t>
-            </a:r>
-            <a:r>
-              <a:rPr lang="ko-KR" altLang="en-US" sz="1400" dirty="0"/>
-              <a:t>년 개발된 </a:t>
-            </a:r>
-            <a:r>
-              <a:rPr lang="ko-KR" altLang="en-US" sz="1400" dirty="0" err="1"/>
-              <a:t>유사난수</a:t>
-            </a:r>
-            <a:r>
-              <a:rPr lang="ko-KR" altLang="en-US" sz="1400" dirty="0"/>
-              <a:t> 생성기이다</a:t>
-            </a:r>
-            <a:r>
-              <a:rPr lang="en-US" altLang="ko-KR" sz="1400" dirty="0"/>
-              <a:t>. </a:t>
-            </a:r>
-            <a:r>
-              <a:rPr lang="ko-KR" altLang="en-US" sz="1400" dirty="0"/>
-              <a:t>난수의 반복주기가 </a:t>
-            </a:r>
-            <a:r>
-              <a:rPr lang="ko-KR" altLang="en-US" sz="1400" dirty="0" err="1"/>
-              <a:t>메르센</a:t>
-            </a:r>
-            <a:r>
-              <a:rPr lang="ko-KR" altLang="en-US" sz="1400" dirty="0"/>
-              <a:t> 소수인데에서 유래되었다</a:t>
-            </a:r>
-            <a:r>
-              <a:rPr lang="en-US" altLang="ko-KR" sz="1400" dirty="0"/>
-              <a:t>.</a:t>
-            </a:r>
-            <a:endParaRPr lang="ko-KR" altLang="en-US" sz="1400" dirty="0"/>
-          </a:p>
-        </p:txBody>
-      </p:sp>
-      <p:sp>
-        <p:nvSpPr>
-          <p:cNvPr id="14" name="직사각형 13">
-            <a:extLst>
-              <a:ext uri="{FF2B5EF4-FFF2-40B4-BE49-F238E27FC236}">
-                <a16:creationId xmlns:a16="http://schemas.microsoft.com/office/drawing/2014/main" id="{94C30688-CEAA-4013-B97E-9E9AB4943AED}"/>
-              </a:ext>
-            </a:extLst>
-          </p:cNvPr>
-          <p:cNvSpPr/>
-          <p:nvPr/>
-        </p:nvSpPr>
-        <p:spPr>
-          <a:xfrm>
-            <a:off x="5542496" y="3020885"/>
-            <a:ext cx="4923883" cy="307777"/>
-          </a:xfrm>
-          <a:prstGeom prst="rect">
-            <a:avLst/>
-          </a:prstGeom>
-        </p:spPr>
-        <p:txBody>
-          <a:bodyPr wrap="square">
-            <a:spAutoFit/>
-          </a:bodyPr>
-          <a:lstStyle/>
-          <a:p>
-            <a:r>
-              <a:rPr lang="en-US" altLang="ko-KR" sz="1400" dirty="0"/>
-              <a:t>※ </a:t>
-            </a:r>
-            <a:r>
-              <a:rPr lang="ko-KR" altLang="en-US" sz="1400" dirty="0" err="1"/>
-              <a:t>메르센</a:t>
-            </a:r>
-            <a:r>
-              <a:rPr lang="ko-KR" altLang="en-US" sz="1400" dirty="0"/>
-              <a:t> 소수 </a:t>
-            </a:r>
-            <a:r>
-              <a:rPr lang="en-US" altLang="ko-KR" sz="1400" dirty="0"/>
-              <a:t>: 2</a:t>
-            </a:r>
-            <a:r>
-              <a:rPr lang="ko-KR" altLang="en-US" sz="1400" dirty="0"/>
-              <a:t>의 거듭제곱에서 </a:t>
-            </a:r>
-            <a:r>
-              <a:rPr lang="en-US" altLang="ko-KR" sz="1400" dirty="0"/>
-              <a:t>-1</a:t>
-            </a:r>
-            <a:r>
-              <a:rPr lang="ko-KR" altLang="en-US" sz="1400" dirty="0"/>
-              <a:t>을 한 수</a:t>
-            </a:r>
-          </a:p>
-        </p:txBody>
-      </p:sp>
-      <p:sp>
-        <p:nvSpPr>
-          <p:cNvPr id="15" name="직사각형 14">
-            <a:extLst>
-              <a:ext uri="{FF2B5EF4-FFF2-40B4-BE49-F238E27FC236}">
-                <a16:creationId xmlns:a16="http://schemas.microsoft.com/office/drawing/2014/main" id="{9CE13E2E-C40E-4C17-9E58-1EB441D02D57}"/>
-              </a:ext>
-            </a:extLst>
-          </p:cNvPr>
-          <p:cNvSpPr/>
-          <p:nvPr/>
-        </p:nvSpPr>
-        <p:spPr>
-          <a:xfrm>
-            <a:off x="5542495" y="3550863"/>
-            <a:ext cx="4923883" cy="923330"/>
-          </a:xfrm>
-          <a:prstGeom prst="rect">
-            <a:avLst/>
-          </a:prstGeom>
-        </p:spPr>
-        <p:txBody>
-          <a:bodyPr wrap="square">
-            <a:spAutoFit/>
-          </a:bodyPr>
-          <a:lstStyle/>
-          <a:p>
-            <a:r>
-              <a:rPr lang="en-US" altLang="ko-KR" dirty="0"/>
-              <a:t>64</a:t>
-            </a:r>
-            <a:r>
-              <a:rPr lang="ko-KR" altLang="en-US" dirty="0"/>
-              <a:t>비트의 </a:t>
-            </a:r>
-            <a:r>
-              <a:rPr lang="ko-KR" altLang="en-US" dirty="0" err="1"/>
-              <a:t>메르센</a:t>
-            </a:r>
-            <a:r>
-              <a:rPr lang="ko-KR" altLang="en-US" dirty="0"/>
-              <a:t> </a:t>
-            </a:r>
-            <a:r>
-              <a:rPr lang="ko-KR" altLang="en-US" dirty="0" err="1"/>
-              <a:t>트위스터</a:t>
-            </a:r>
-            <a:r>
-              <a:rPr lang="ko-KR" altLang="en-US" dirty="0"/>
-              <a:t> 엔진 사용을 위해 </a:t>
-            </a:r>
-            <a:r>
-              <a:rPr lang="en-US" altLang="ko-KR" dirty="0"/>
-              <a:t>mt19937_64</a:t>
-            </a:r>
-            <a:r>
-              <a:rPr lang="ko-KR" altLang="en-US" dirty="0"/>
-              <a:t>로 </a:t>
-            </a:r>
-            <a:r>
-              <a:rPr lang="ko-KR" altLang="en-US" dirty="0" err="1"/>
-              <a:t>시드</a:t>
-            </a:r>
-            <a:r>
-              <a:rPr lang="ko-KR" altLang="en-US" dirty="0"/>
-              <a:t> 설정을 해 준 후 알맞은 범위만큼 난수 분포도 설정을 해준다</a:t>
-            </a:r>
-            <a:r>
-              <a:rPr lang="en-US" altLang="ko-KR" dirty="0"/>
-              <a:t>. </a:t>
-            </a:r>
-            <a:endParaRPr lang="ko-KR" altLang="en-US" dirty="0"/>
-          </a:p>
-        </p:txBody>
-      </p:sp>
-    </p:spTree>
-    <p:extLst>
-      <p:ext uri="{BB962C8B-B14F-4D97-AF65-F5344CB8AC3E}">
-        <p14:creationId xmlns:p14="http://schemas.microsoft.com/office/powerpoint/2010/main" val="1001468160"/>
-      </p:ext>
-    </p:extLst>
-  </p:cSld>
-  <p:clrMapOvr>
-    <a:masterClrMapping/>
-  </p:clrMapOvr>
-</p:sld>
-</file>
-
-<file path=ppt/slides/slide8.xml><?xml version="1.0" encoding="utf-8"?>
-<p:sld xmlns:a="http://schemas.openxmlformats.org/drawingml/2006/main" xmlns:r="http://schemas.openxmlformats.org/officeDocument/2006/relationships" xmlns:p="http://schemas.openxmlformats.org/presentationml/2006/main">
-  <p:cSld>
-    <p:spTree>
-      <p:nvGrpSpPr>
-        <p:cNvPr id="1" name=""/>
-        <p:cNvGrpSpPr/>
-        <p:nvPr/>
-      </p:nvGrpSpPr>
-      <p:grpSpPr>
-        <a:xfrm>
-          <a:off x="0" y="0"/>
-          <a:ext cx="0" cy="0"/>
-          <a:chOff x="0" y="0"/>
-          <a:chExt cx="0" cy="0"/>
-        </a:xfrm>
-      </p:grpSpPr>
-      <p:sp>
-        <p:nvSpPr>
-          <p:cNvPr id="2" name="제목 1">
-            <a:extLst>
-              <a:ext uri="{FF2B5EF4-FFF2-40B4-BE49-F238E27FC236}">
-                <a16:creationId xmlns:a16="http://schemas.microsoft.com/office/drawing/2014/main" id="{84FC562E-71F5-44AE-A884-2A18E4194999}"/>
-              </a:ext>
-            </a:extLst>
-          </p:cNvPr>
-          <p:cNvSpPr>
-            <a:spLocks noGrp="1"/>
-          </p:cNvSpPr>
-          <p:nvPr>
-            <p:ph type="title"/>
-          </p:nvPr>
-        </p:nvSpPr>
-        <p:spPr/>
-        <p:txBody>
-          <a:bodyPr/>
-          <a:lstStyle/>
-          <a:p>
-            <a:r>
-              <a:rPr lang="en-US" altLang="ko-KR" dirty="0"/>
-              <a:t>Tetris – </a:t>
-            </a:r>
-            <a:r>
-              <a:rPr lang="ko-KR" altLang="en-US" dirty="0"/>
-              <a:t>난수 엔진</a:t>
-            </a:r>
-          </a:p>
-        </p:txBody>
-      </p:sp>
-      <p:sp>
-        <p:nvSpPr>
-          <p:cNvPr id="3" name="내용 개체 틀 2">
-            <a:extLst>
-              <a:ext uri="{FF2B5EF4-FFF2-40B4-BE49-F238E27FC236}">
-                <a16:creationId xmlns:a16="http://schemas.microsoft.com/office/drawing/2014/main" id="{FE337EF3-0B83-4082-8774-50754C559A7A}"/>
-              </a:ext>
-            </a:extLst>
-          </p:cNvPr>
-          <p:cNvSpPr>
-            <a:spLocks noGrp="1"/>
-          </p:cNvSpPr>
-          <p:nvPr>
-            <p:ph idx="1"/>
-          </p:nvPr>
-        </p:nvSpPr>
-        <p:spPr>
-          <a:xfrm>
-            <a:off x="6096000" y="1916566"/>
-            <a:ext cx="4921031" cy="2576083"/>
-          </a:xfrm>
-        </p:spPr>
-        <p:txBody>
-          <a:bodyPr>
-            <a:normAutofit/>
-          </a:bodyPr>
-          <a:lstStyle/>
-          <a:p>
-            <a:pPr marL="0" indent="0">
-              <a:buNone/>
-            </a:pPr>
-            <a:r>
-              <a:rPr lang="ko-KR" altLang="en-US" sz="1800" dirty="0"/>
-              <a:t>생성한 난수는 다음 블록의 스타일과 어떻게 회전하고 있는지를 결정한다</a:t>
-            </a:r>
-            <a:r>
-              <a:rPr lang="en-US" altLang="ko-KR" sz="1800" dirty="0"/>
-              <a:t>. </a:t>
-            </a:r>
-            <a:r>
-              <a:rPr lang="ko-KR" altLang="en-US" sz="1800" dirty="0"/>
-              <a:t>다음 블록 스타일에 대한 정보를 미리 세팅한 후 난수에 맞는 회전을 한 블록을 다음 블록으로 세팅한다</a:t>
-            </a:r>
-            <a:r>
-              <a:rPr lang="en-US" altLang="ko-KR" sz="1800" dirty="0"/>
-              <a:t>.</a:t>
-            </a:r>
-            <a:endParaRPr lang="ko-KR" altLang="en-US" sz="1800" dirty="0"/>
-          </a:p>
-        </p:txBody>
-      </p:sp>
-      <p:pic>
-        <p:nvPicPr>
-          <p:cNvPr id="4" name="그림 3">
-            <a:extLst>
-              <a:ext uri="{FF2B5EF4-FFF2-40B4-BE49-F238E27FC236}">
-                <a16:creationId xmlns:a16="http://schemas.microsoft.com/office/drawing/2014/main" id="{EA61638B-DB92-4649-A4EC-696FB834A1E5}"/>
-              </a:ext>
-            </a:extLst>
-          </p:cNvPr>
-          <p:cNvPicPr>
-            <a:picLocks noChangeAspect="1"/>
-          </p:cNvPicPr>
-          <p:nvPr/>
-        </p:nvPicPr>
-        <p:blipFill>
-          <a:blip r:embed="rId2"/>
-          <a:stretch>
-            <a:fillRect/>
-          </a:stretch>
-        </p:blipFill>
-        <p:spPr>
-          <a:xfrm>
-            <a:off x="1101861" y="1916566"/>
-            <a:ext cx="4687236" cy="3273999"/>
+            <a:off x="6705850" y="1482635"/>
+            <a:ext cx="4923297" cy="3695542"/>
           </a:xfrm>
           <a:prstGeom prst="rect">
             <a:avLst/>
@@ -6469,146 +8221,7 @@
     </p:spTree>
     <p:extLst>
       <p:ext uri="{BB962C8B-B14F-4D97-AF65-F5344CB8AC3E}">
-        <p14:creationId xmlns:p14="http://schemas.microsoft.com/office/powerpoint/2010/main" val="3835054078"/>
-      </p:ext>
-    </p:extLst>
-  </p:cSld>
-  <p:clrMapOvr>
-    <a:masterClrMapping/>
-  </p:clrMapOvr>
-</p:sld>
-</file>
-
-<file path=ppt/slides/slide9.xml><?xml version="1.0" encoding="utf-8"?>
-<p:sld xmlns:a="http://schemas.openxmlformats.org/drawingml/2006/main" xmlns:r="http://schemas.openxmlformats.org/officeDocument/2006/relationships" xmlns:p="http://schemas.openxmlformats.org/presentationml/2006/main">
-  <p:cSld>
-    <p:spTree>
-      <p:nvGrpSpPr>
-        <p:cNvPr id="1" name=""/>
-        <p:cNvGrpSpPr/>
-        <p:nvPr/>
-      </p:nvGrpSpPr>
-      <p:grpSpPr>
-        <a:xfrm>
-          <a:off x="0" y="0"/>
-          <a:ext cx="0" cy="0"/>
-          <a:chOff x="0" y="0"/>
-          <a:chExt cx="0" cy="0"/>
-        </a:xfrm>
-      </p:grpSpPr>
-      <p:sp>
-        <p:nvSpPr>
-          <p:cNvPr id="2" name="제목 1">
-            <a:extLst>
-              <a:ext uri="{FF2B5EF4-FFF2-40B4-BE49-F238E27FC236}">
-                <a16:creationId xmlns:a16="http://schemas.microsoft.com/office/drawing/2014/main" id="{E22946DA-EB40-404E-B00E-A1D1865EF8CD}"/>
-              </a:ext>
-            </a:extLst>
-          </p:cNvPr>
-          <p:cNvSpPr>
-            <a:spLocks noGrp="1"/>
-          </p:cNvSpPr>
-          <p:nvPr>
-            <p:ph type="title"/>
-          </p:nvPr>
-        </p:nvSpPr>
-        <p:spPr/>
-        <p:txBody>
-          <a:bodyPr/>
-          <a:lstStyle/>
-          <a:p>
-            <a:r>
-              <a:rPr lang="en-US" altLang="ko-KR" dirty="0"/>
-              <a:t>API(Metal</a:t>
-            </a:r>
-            <a:r>
-              <a:rPr lang="ko-KR" altLang="en-US" dirty="0"/>
-              <a:t> </a:t>
-            </a:r>
-            <a:r>
-              <a:rPr lang="en-US" altLang="ko-KR" dirty="0"/>
-              <a:t>Slug)</a:t>
-            </a:r>
-            <a:endParaRPr lang="ko-KR" altLang="en-US" dirty="0"/>
-          </a:p>
-        </p:txBody>
-      </p:sp>
-      <p:sp>
-        <p:nvSpPr>
-          <p:cNvPr id="3" name="내용 개체 틀 2">
-            <a:extLst>
-              <a:ext uri="{FF2B5EF4-FFF2-40B4-BE49-F238E27FC236}">
-                <a16:creationId xmlns:a16="http://schemas.microsoft.com/office/drawing/2014/main" id="{670A3211-379F-4BD4-A381-B1EF1A782729}"/>
-              </a:ext>
-            </a:extLst>
-          </p:cNvPr>
-          <p:cNvSpPr>
-            <a:spLocks noGrp="1"/>
-          </p:cNvSpPr>
-          <p:nvPr>
-            <p:ph idx="1"/>
-          </p:nvPr>
-        </p:nvSpPr>
-        <p:spPr/>
-        <p:txBody>
-          <a:bodyPr/>
-          <a:lstStyle/>
-          <a:p>
-            <a:pPr marL="0" indent="0">
-              <a:buNone/>
-            </a:pPr>
-            <a:r>
-              <a:rPr lang="ko-KR" altLang="en-US" dirty="0"/>
-              <a:t>이미지 관리</a:t>
-            </a:r>
-            <a:endParaRPr lang="en-US" altLang="ko-KR" dirty="0"/>
-          </a:p>
-          <a:p>
-            <a:pPr marL="0" indent="0">
-              <a:buNone/>
-            </a:pPr>
-            <a:r>
-              <a:rPr lang="ko-KR" altLang="en-US" dirty="0"/>
-              <a:t>픽셀충돌</a:t>
-            </a:r>
-            <a:endParaRPr lang="en-US" altLang="ko-KR" dirty="0"/>
-          </a:p>
-          <a:p>
-            <a:pPr marL="0" indent="0">
-              <a:buNone/>
-            </a:pPr>
-            <a:r>
-              <a:rPr lang="ko-KR" altLang="en-US" dirty="0"/>
-              <a:t>상태패턴</a:t>
-            </a:r>
-            <a:endParaRPr lang="en-US" altLang="ko-KR" dirty="0"/>
-          </a:p>
-          <a:p>
-            <a:pPr marL="0" indent="0">
-              <a:buNone/>
-            </a:pPr>
-            <a:r>
-              <a:rPr lang="ko-KR" altLang="en-US" dirty="0" err="1"/>
-              <a:t>툴기능</a:t>
-            </a:r>
-            <a:endParaRPr lang="en-US" altLang="ko-KR" dirty="0"/>
-          </a:p>
-          <a:p>
-            <a:pPr marL="0" indent="0">
-              <a:buNone/>
-            </a:pPr>
-            <a:r>
-              <a:rPr lang="en-US" altLang="ko-KR" dirty="0"/>
-              <a:t>FMOD</a:t>
-            </a:r>
-            <a:endParaRPr lang="ko-KR" altLang="en-US" dirty="0"/>
-          </a:p>
-        </p:txBody>
-      </p:sp>
-    </p:spTree>
-    <p:extLst>
-      <p:ext uri="{BB962C8B-B14F-4D97-AF65-F5344CB8AC3E}">
-        <p14:creationId xmlns:p14="http://schemas.microsoft.com/office/powerpoint/2010/main" val="3424872"/>
+        <p14:creationId xmlns:p14="http://schemas.microsoft.com/office/powerpoint/2010/main" val="797990627"/>
       </p:ext>
     </p:extLst>
   </p:cSld>
